--- a/Chapter2/Figures/Fig3.pptx
+++ b/Chapter2/Figures/Fig3.pptx
@@ -7,7 +7,7 @@
   <p:sldIdLst>
     <p:sldId id="256" r:id="rId2"/>
   </p:sldIdLst>
-  <p:sldSz cx="9180513" cy="5761038"/>
+  <p:sldSz cx="9721850" cy="5761038"/>
   <p:notesSz cx="6858000" cy="9144000"/>
   <p:defaultTextStyle>
     <a:defPPr>
@@ -136,8 +136,8 @@
         </p:nvSpPr>
         <p:spPr>
           <a:xfrm>
-            <a:off x="688539" y="1789656"/>
-            <a:ext cx="7803436" cy="1234890"/>
+            <a:off x="729140" y="1789656"/>
+            <a:ext cx="8263572" cy="1234890"/>
           </a:xfrm>
         </p:spPr>
         <p:txBody>
@@ -164,8 +164,8 @@
         </p:nvSpPr>
         <p:spPr>
           <a:xfrm>
-            <a:off x="1377077" y="3264589"/>
-            <a:ext cx="6426360" cy="1472265"/>
+            <a:off x="1458278" y="3264590"/>
+            <a:ext cx="6805296" cy="1472265"/>
           </a:xfrm>
         </p:spPr>
         <p:txBody>
@@ -288,7 +288,7 @@
           <a:p>
             <a:fld id="{5BD51403-0D7B-41B9-8593-432CE095CB99}" type="datetimeFigureOut">
               <a:rPr lang="en-GB" smtClean="0"/>
-              <a:t>24/06/2014</a:t>
+              <a:t>09/07/2014</a:t>
             </a:fld>
             <a:endParaRPr lang="en-GB"/>
           </a:p>
@@ -458,7 +458,7 @@
           <a:p>
             <a:fld id="{5BD51403-0D7B-41B9-8593-432CE095CB99}" type="datetimeFigureOut">
               <a:rPr lang="en-GB" smtClean="0"/>
-              <a:t>24/06/2014</a:t>
+              <a:t>09/07/2014</a:t>
             </a:fld>
             <a:endParaRPr lang="en-GB"/>
           </a:p>
@@ -548,8 +548,8 @@
         </p:nvSpPr>
         <p:spPr>
           <a:xfrm>
-            <a:off x="6655871" y="230709"/>
-            <a:ext cx="2065616" cy="4915552"/>
+            <a:off x="7048340" y="230709"/>
+            <a:ext cx="2187417" cy="4915552"/>
           </a:xfrm>
         </p:spPr>
         <p:txBody>
@@ -576,8 +576,8 @@
         </p:nvSpPr>
         <p:spPr>
           <a:xfrm>
-            <a:off x="459026" y="230709"/>
-            <a:ext cx="6043838" cy="4915552"/>
+            <a:off x="486093" y="230709"/>
+            <a:ext cx="6400218" cy="4915552"/>
           </a:xfrm>
         </p:spPr>
         <p:txBody>
@@ -638,7 +638,7 @@
           <a:p>
             <a:fld id="{5BD51403-0D7B-41B9-8593-432CE095CB99}" type="datetimeFigureOut">
               <a:rPr lang="en-GB" smtClean="0"/>
-              <a:t>24/06/2014</a:t>
+              <a:t>09/07/2014</a:t>
             </a:fld>
             <a:endParaRPr lang="en-GB"/>
           </a:p>
@@ -808,7 +808,7 @@
           <a:p>
             <a:fld id="{5BD51403-0D7B-41B9-8593-432CE095CB99}" type="datetimeFigureOut">
               <a:rPr lang="en-GB" smtClean="0"/>
-              <a:t>24/06/2014</a:t>
+              <a:t>09/07/2014</a:t>
             </a:fld>
             <a:endParaRPr lang="en-GB"/>
           </a:p>
@@ -898,8 +898,8 @@
         </p:nvSpPr>
         <p:spPr>
           <a:xfrm>
-            <a:off x="725198" y="3702001"/>
-            <a:ext cx="7803436" cy="1144206"/>
+            <a:off x="767960" y="3702001"/>
+            <a:ext cx="8263572" cy="1144206"/>
           </a:xfrm>
         </p:spPr>
         <p:txBody>
@@ -930,8 +930,8 @@
         </p:nvSpPr>
         <p:spPr>
           <a:xfrm>
-            <a:off x="725198" y="2441774"/>
-            <a:ext cx="7803436" cy="1260227"/>
+            <a:off x="767960" y="2441774"/>
+            <a:ext cx="8263572" cy="1260227"/>
           </a:xfrm>
         </p:spPr>
         <p:txBody>
@@ -1054,7 +1054,7 @@
           <a:p>
             <a:fld id="{5BD51403-0D7B-41B9-8593-432CE095CB99}" type="datetimeFigureOut">
               <a:rPr lang="en-GB" smtClean="0"/>
-              <a:t>24/06/2014</a:t>
+              <a:t>09/07/2014</a:t>
             </a:fld>
             <a:endParaRPr lang="en-GB"/>
           </a:p>
@@ -1167,8 +1167,8 @@
         </p:nvSpPr>
         <p:spPr>
           <a:xfrm>
-            <a:off x="459027" y="1344243"/>
-            <a:ext cx="4054727" cy="3802019"/>
+            <a:off x="486094" y="1344244"/>
+            <a:ext cx="4293818" cy="3802019"/>
           </a:xfrm>
         </p:spPr>
         <p:txBody>
@@ -1252,8 +1252,8 @@
         </p:nvSpPr>
         <p:spPr>
           <a:xfrm>
-            <a:off x="4666762" y="1344243"/>
-            <a:ext cx="4054727" cy="3802019"/>
+            <a:off x="4941942" y="1344244"/>
+            <a:ext cx="4293818" cy="3802019"/>
           </a:xfrm>
         </p:spPr>
         <p:txBody>
@@ -1342,7 +1342,7 @@
           <a:p>
             <a:fld id="{5BD51403-0D7B-41B9-8593-432CE095CB99}" type="datetimeFigureOut">
               <a:rPr lang="en-GB" smtClean="0"/>
-              <a:t>24/06/2014</a:t>
+              <a:t>09/07/2014</a:t>
             </a:fld>
             <a:endParaRPr lang="en-GB"/>
           </a:p>
@@ -1459,8 +1459,8 @@
         </p:nvSpPr>
         <p:spPr>
           <a:xfrm>
-            <a:off x="459026" y="1289567"/>
-            <a:ext cx="4056321" cy="537430"/>
+            <a:off x="486093" y="1289567"/>
+            <a:ext cx="4295506" cy="537430"/>
           </a:xfrm>
         </p:spPr>
         <p:txBody>
@@ -1524,8 +1524,8 @@
         </p:nvSpPr>
         <p:spPr>
           <a:xfrm>
-            <a:off x="459026" y="1826996"/>
-            <a:ext cx="4056321" cy="3319265"/>
+            <a:off x="486093" y="1826997"/>
+            <a:ext cx="4295506" cy="3319265"/>
           </a:xfrm>
         </p:spPr>
         <p:txBody>
@@ -1609,8 +1609,8 @@
         </p:nvSpPr>
         <p:spPr>
           <a:xfrm>
-            <a:off x="4663574" y="1289567"/>
-            <a:ext cx="4057914" cy="537430"/>
+            <a:off x="4938566" y="1289567"/>
+            <a:ext cx="4297192" cy="537430"/>
           </a:xfrm>
         </p:spPr>
         <p:txBody>
@@ -1674,8 +1674,8 @@
         </p:nvSpPr>
         <p:spPr>
           <a:xfrm>
-            <a:off x="4663574" y="1826996"/>
-            <a:ext cx="4057914" cy="3319265"/>
+            <a:off x="4938566" y="1826997"/>
+            <a:ext cx="4297192" cy="3319265"/>
           </a:xfrm>
         </p:spPr>
         <p:txBody>
@@ -1764,7 +1764,7 @@
           <a:p>
             <a:fld id="{5BD51403-0D7B-41B9-8593-432CE095CB99}" type="datetimeFigureOut">
               <a:rPr lang="en-GB" smtClean="0"/>
-              <a:t>24/06/2014</a:t>
+              <a:t>09/07/2014</a:t>
             </a:fld>
             <a:endParaRPr lang="en-GB"/>
           </a:p>
@@ -1882,7 +1882,7 @@
           <a:p>
             <a:fld id="{5BD51403-0D7B-41B9-8593-432CE095CB99}" type="datetimeFigureOut">
               <a:rPr lang="en-GB" smtClean="0"/>
-              <a:t>24/06/2014</a:t>
+              <a:t>09/07/2014</a:t>
             </a:fld>
             <a:endParaRPr lang="en-GB"/>
           </a:p>
@@ -1977,7 +1977,7 @@
           <a:p>
             <a:fld id="{5BD51403-0D7B-41B9-8593-432CE095CB99}" type="datetimeFigureOut">
               <a:rPr lang="en-GB" smtClean="0"/>
-              <a:t>24/06/2014</a:t>
+              <a:t>09/07/2014</a:t>
             </a:fld>
             <a:endParaRPr lang="en-GB"/>
           </a:p>
@@ -2067,8 +2067,8 @@
         </p:nvSpPr>
         <p:spPr>
           <a:xfrm>
-            <a:off x="459028" y="229376"/>
-            <a:ext cx="3020325" cy="976176"/>
+            <a:off x="486096" y="229376"/>
+            <a:ext cx="3198421" cy="976176"/>
           </a:xfrm>
         </p:spPr>
         <p:txBody>
@@ -2099,8 +2099,8 @@
         </p:nvSpPr>
         <p:spPr>
           <a:xfrm>
-            <a:off x="3589328" y="229375"/>
-            <a:ext cx="5132161" cy="4916887"/>
+            <a:off x="3800977" y="229376"/>
+            <a:ext cx="5434783" cy="4916887"/>
           </a:xfrm>
         </p:spPr>
         <p:txBody>
@@ -2184,8 +2184,8 @@
         </p:nvSpPr>
         <p:spPr>
           <a:xfrm>
-            <a:off x="459028" y="1205552"/>
-            <a:ext cx="3020325" cy="3940711"/>
+            <a:off x="486096" y="1205553"/>
+            <a:ext cx="3198421" cy="3940711"/>
           </a:xfrm>
         </p:spPr>
         <p:txBody>
@@ -2254,7 +2254,7 @@
           <a:p>
             <a:fld id="{5BD51403-0D7B-41B9-8593-432CE095CB99}" type="datetimeFigureOut">
               <a:rPr lang="en-GB" smtClean="0"/>
-              <a:t>24/06/2014</a:t>
+              <a:t>09/07/2014</a:t>
             </a:fld>
             <a:endParaRPr lang="en-GB"/>
           </a:p>
@@ -2344,8 +2344,8 @@
         </p:nvSpPr>
         <p:spPr>
           <a:xfrm>
-            <a:off x="1799446" y="4032728"/>
-            <a:ext cx="5508308" cy="476086"/>
+            <a:off x="1905552" y="4032728"/>
+            <a:ext cx="5833110" cy="476086"/>
           </a:xfrm>
         </p:spPr>
         <p:txBody>
@@ -2376,8 +2376,8 @@
         </p:nvSpPr>
         <p:spPr>
           <a:xfrm>
-            <a:off x="1799446" y="514761"/>
-            <a:ext cx="5508308" cy="3456623"/>
+            <a:off x="1905552" y="514762"/>
+            <a:ext cx="5833110" cy="3456623"/>
           </a:xfrm>
         </p:spPr>
         <p:txBody>
@@ -2437,8 +2437,8 @@
         </p:nvSpPr>
         <p:spPr>
           <a:xfrm>
-            <a:off x="1799446" y="4508813"/>
-            <a:ext cx="5508308" cy="676122"/>
+            <a:off x="1905552" y="4508813"/>
+            <a:ext cx="5833110" cy="676122"/>
           </a:xfrm>
         </p:spPr>
         <p:txBody>
@@ -2507,7 +2507,7 @@
           <a:p>
             <a:fld id="{5BD51403-0D7B-41B9-8593-432CE095CB99}" type="datetimeFigureOut">
               <a:rPr lang="en-GB" smtClean="0"/>
-              <a:t>24/06/2014</a:t>
+              <a:t>09/07/2014</a:t>
             </a:fld>
             <a:endParaRPr lang="en-GB"/>
           </a:p>
@@ -2602,8 +2602,8 @@
         </p:nvSpPr>
         <p:spPr>
           <a:xfrm>
-            <a:off x="459027" y="230710"/>
-            <a:ext cx="8262462" cy="960174"/>
+            <a:off x="486094" y="230710"/>
+            <a:ext cx="8749665" cy="960174"/>
           </a:xfrm>
           <a:prstGeom prst="rect">
             <a:avLst/>
@@ -2635,8 +2635,8 @@
         </p:nvSpPr>
         <p:spPr>
           <a:xfrm>
-            <a:off x="459027" y="1344243"/>
-            <a:ext cx="8262462" cy="3802019"/>
+            <a:off x="486094" y="1344244"/>
+            <a:ext cx="8749665" cy="3802019"/>
           </a:xfrm>
           <a:prstGeom prst="rect">
             <a:avLst/>
@@ -2697,8 +2697,8 @@
         </p:nvSpPr>
         <p:spPr>
           <a:xfrm>
-            <a:off x="459027" y="5339629"/>
-            <a:ext cx="2142119" cy="306722"/>
+            <a:off x="486094" y="5339629"/>
+            <a:ext cx="2268431" cy="306722"/>
           </a:xfrm>
           <a:prstGeom prst="rect">
             <a:avLst/>
@@ -2720,7 +2720,7 @@
           <a:p>
             <a:fld id="{5BD51403-0D7B-41B9-8593-432CE095CB99}" type="datetimeFigureOut">
               <a:rPr lang="en-GB" smtClean="0"/>
-              <a:t>24/06/2014</a:t>
+              <a:t>09/07/2014</a:t>
             </a:fld>
             <a:endParaRPr lang="en-GB"/>
           </a:p>
@@ -2738,8 +2738,8 @@
         </p:nvSpPr>
         <p:spPr>
           <a:xfrm>
-            <a:off x="3136678" y="5339629"/>
-            <a:ext cx="2907163" cy="306722"/>
+            <a:off x="3321636" y="5339629"/>
+            <a:ext cx="3078586" cy="306722"/>
           </a:xfrm>
           <a:prstGeom prst="rect">
             <a:avLst/>
@@ -2775,8 +2775,8 @@
         </p:nvSpPr>
         <p:spPr>
           <a:xfrm>
-            <a:off x="6579370" y="5339629"/>
-            <a:ext cx="2142119" cy="306722"/>
+            <a:off x="6967329" y="5339629"/>
+            <a:ext cx="2268431" cy="306722"/>
           </a:xfrm>
           <a:prstGeom prst="rect">
             <a:avLst/>
@@ -3097,7 +3097,7 @@
       </p:grpSpPr>
       <p:pic>
         <p:nvPicPr>
-          <p:cNvPr id="3221" name="Picture 2" descr="http://www.mrl.ucsb.edu/%7Edshoe/218/bzo_poly.png"/>
+          <p:cNvPr id="727" name="Picture 2" descr="http://www.mrl.ucsb.edu/%7Edshoe/218/bzo_poly.png"/>
           <p:cNvPicPr>
             <a:picLocks noChangeAspect="1" noChangeArrowheads="1"/>
           </p:cNvPicPr>
@@ -3136,7 +3136,7 @@
       </p:pic>
       <p:grpSp>
         <p:nvGrpSpPr>
-          <p:cNvPr id="3222" name="Group 3221"/>
+          <p:cNvPr id="728" name="Group 727"/>
           <p:cNvGrpSpPr/>
           <p:nvPr/>
         </p:nvGrpSpPr>
@@ -3150,7 +3150,7 @@
         </p:grpSpPr>
         <p:grpSp>
           <p:nvGrpSpPr>
-            <p:cNvPr id="3223" name="Group 3222"/>
+            <p:cNvPr id="729" name="Group 728"/>
             <p:cNvGrpSpPr/>
             <p:nvPr/>
           </p:nvGrpSpPr>
@@ -3164,7 +3164,7 @@
           </p:grpSpPr>
           <p:grpSp>
             <p:nvGrpSpPr>
-              <p:cNvPr id="3233" name="Group 3232"/>
+              <p:cNvPr id="739" name="Group 738"/>
               <p:cNvGrpSpPr>
                 <a:grpSpLocks noChangeAspect="1"/>
               </p:cNvGrpSpPr>
@@ -3180,7 +3180,7 @@
             </p:grpSpPr>
             <p:grpSp>
               <p:nvGrpSpPr>
-                <p:cNvPr id="3357" name="Group 3356"/>
+                <p:cNvPr id="863" name="Group 862"/>
                 <p:cNvGrpSpPr/>
                 <p:nvPr/>
               </p:nvGrpSpPr>
@@ -3194,7 +3194,7 @@
               </p:grpSpPr>
               <p:sp>
                 <p:nvSpPr>
-                  <p:cNvPr id="3388" name="Rectangle 3387"/>
+                  <p:cNvPr id="894" name="Rectangle 893"/>
                   <p:cNvSpPr>
                     <a:spLocks noChangeAspect="1"/>
                   </p:cNvSpPr>
@@ -3242,7 +3242,7 @@
               </p:sp>
               <p:cxnSp>
                 <p:nvCxnSpPr>
-                  <p:cNvPr id="3389" name="Straight Connector 3388"/>
+                  <p:cNvPr id="895" name="Straight Connector 894"/>
                   <p:cNvCxnSpPr/>
                   <p:nvPr/>
                 </p:nvCxnSpPr>
@@ -3277,7 +3277,7 @@
               </p:cxnSp>
               <p:cxnSp>
                 <p:nvCxnSpPr>
-                  <p:cNvPr id="3390" name="Straight Connector 3389"/>
+                  <p:cNvPr id="896" name="Straight Connector 895"/>
                   <p:cNvCxnSpPr/>
                   <p:nvPr/>
                 </p:nvCxnSpPr>
@@ -3312,7 +3312,7 @@
               </p:cxnSp>
               <p:sp>
                 <p:nvSpPr>
-                  <p:cNvPr id="3391" name="Oval 3390"/>
+                  <p:cNvPr id="897" name="Oval 896"/>
                   <p:cNvSpPr/>
                   <p:nvPr/>
                 </p:nvSpPr>
@@ -3360,7 +3360,7 @@
               </p:sp>
               <p:sp>
                 <p:nvSpPr>
-                  <p:cNvPr id="3392" name="Oval 3391"/>
+                  <p:cNvPr id="898" name="Oval 897"/>
                   <p:cNvSpPr/>
                   <p:nvPr/>
                 </p:nvSpPr>
@@ -3408,7 +3408,7 @@
               </p:sp>
               <p:sp>
                 <p:nvSpPr>
-                  <p:cNvPr id="3393" name="Oval 3392"/>
+                  <p:cNvPr id="899" name="Oval 898"/>
                   <p:cNvSpPr/>
                   <p:nvPr/>
                 </p:nvSpPr>
@@ -3456,7 +3456,7 @@
               </p:sp>
               <p:sp>
                 <p:nvSpPr>
-                  <p:cNvPr id="3394" name="Oval 3393"/>
+                  <p:cNvPr id="900" name="Oval 899"/>
                   <p:cNvSpPr/>
                   <p:nvPr/>
                 </p:nvSpPr>
@@ -3504,7 +3504,7 @@
               </p:sp>
               <p:sp>
                 <p:nvSpPr>
-                  <p:cNvPr id="3395" name="Oval 3394"/>
+                  <p:cNvPr id="901" name="Oval 900"/>
                   <p:cNvSpPr/>
                   <p:nvPr/>
                 </p:nvSpPr>
@@ -3552,7 +3552,7 @@
               </p:sp>
               <p:sp>
                 <p:nvSpPr>
-                  <p:cNvPr id="3396" name="Oval 3395"/>
+                  <p:cNvPr id="902" name="Oval 901"/>
                   <p:cNvSpPr>
                     <a:spLocks noChangeAspect="1"/>
                   </p:cNvSpPr>
@@ -3603,7 +3603,7 @@
             </p:grpSp>
             <p:grpSp>
               <p:nvGrpSpPr>
-                <p:cNvPr id="3358" name="Group 3357"/>
+                <p:cNvPr id="864" name="Group 863"/>
                 <p:cNvGrpSpPr/>
                 <p:nvPr/>
               </p:nvGrpSpPr>
@@ -3617,7 +3617,7 @@
               </p:grpSpPr>
               <p:sp>
                 <p:nvSpPr>
-                  <p:cNvPr id="3379" name="Rectangle 3378"/>
+                  <p:cNvPr id="885" name="Rectangle 884"/>
                   <p:cNvSpPr>
                     <a:spLocks noChangeAspect="1"/>
                   </p:cNvSpPr>
@@ -3665,7 +3665,7 @@
               </p:sp>
               <p:cxnSp>
                 <p:nvCxnSpPr>
-                  <p:cNvPr id="3380" name="Straight Connector 3379"/>
+                  <p:cNvPr id="886" name="Straight Connector 885"/>
                   <p:cNvCxnSpPr/>
                   <p:nvPr/>
                 </p:nvCxnSpPr>
@@ -3700,7 +3700,7 @@
               </p:cxnSp>
               <p:cxnSp>
                 <p:nvCxnSpPr>
-                  <p:cNvPr id="3381" name="Straight Connector 3380"/>
+                  <p:cNvPr id="887" name="Straight Connector 886"/>
                   <p:cNvCxnSpPr/>
                   <p:nvPr/>
                 </p:nvCxnSpPr>
@@ -3735,7 +3735,7 @@
               </p:cxnSp>
               <p:sp>
                 <p:nvSpPr>
-                  <p:cNvPr id="3382" name="Oval 3381"/>
+                  <p:cNvPr id="888" name="Oval 887"/>
                   <p:cNvSpPr/>
                   <p:nvPr/>
                 </p:nvSpPr>
@@ -3783,7 +3783,7 @@
               </p:sp>
               <p:sp>
                 <p:nvSpPr>
-                  <p:cNvPr id="3383" name="Oval 3382"/>
+                  <p:cNvPr id="889" name="Oval 888"/>
                   <p:cNvSpPr/>
                   <p:nvPr/>
                 </p:nvSpPr>
@@ -3831,7 +3831,7 @@
               </p:sp>
               <p:sp>
                 <p:nvSpPr>
-                  <p:cNvPr id="3384" name="Oval 3383"/>
+                  <p:cNvPr id="890" name="Oval 889"/>
                   <p:cNvSpPr/>
                   <p:nvPr/>
                 </p:nvSpPr>
@@ -3879,7 +3879,7 @@
               </p:sp>
               <p:sp>
                 <p:nvSpPr>
-                  <p:cNvPr id="3385" name="Oval 3384"/>
+                  <p:cNvPr id="891" name="Oval 890"/>
                   <p:cNvSpPr/>
                   <p:nvPr/>
                 </p:nvSpPr>
@@ -3927,7 +3927,7 @@
               </p:sp>
               <p:sp>
                 <p:nvSpPr>
-                  <p:cNvPr id="3386" name="Oval 3385"/>
+                  <p:cNvPr id="892" name="Oval 891"/>
                   <p:cNvSpPr/>
                   <p:nvPr/>
                 </p:nvSpPr>
@@ -3975,7 +3975,7 @@
               </p:sp>
               <p:sp>
                 <p:nvSpPr>
-                  <p:cNvPr id="3387" name="Oval 3386"/>
+                  <p:cNvPr id="893" name="Oval 892"/>
                   <p:cNvSpPr>
                     <a:spLocks noChangeAspect="1"/>
                   </p:cNvSpPr>
@@ -4026,7 +4026,7 @@
             </p:grpSp>
             <p:grpSp>
               <p:nvGrpSpPr>
-                <p:cNvPr id="3359" name="Group 3358"/>
+                <p:cNvPr id="865" name="Group 864"/>
                 <p:cNvGrpSpPr/>
                 <p:nvPr/>
               </p:nvGrpSpPr>
@@ -4040,7 +4040,7 @@
               </p:grpSpPr>
               <p:sp>
                 <p:nvSpPr>
-                  <p:cNvPr id="3370" name="Rectangle 3369"/>
+                  <p:cNvPr id="876" name="Rectangle 875"/>
                   <p:cNvSpPr>
                     <a:spLocks noChangeAspect="1"/>
                   </p:cNvSpPr>
@@ -4088,7 +4088,7 @@
               </p:sp>
               <p:cxnSp>
                 <p:nvCxnSpPr>
-                  <p:cNvPr id="3371" name="Straight Connector 3370"/>
+                  <p:cNvPr id="877" name="Straight Connector 876"/>
                   <p:cNvCxnSpPr/>
                   <p:nvPr/>
                 </p:nvCxnSpPr>
@@ -4123,7 +4123,7 @@
               </p:cxnSp>
               <p:cxnSp>
                 <p:nvCxnSpPr>
-                  <p:cNvPr id="3372" name="Straight Connector 3371"/>
+                  <p:cNvPr id="878" name="Straight Connector 877"/>
                   <p:cNvCxnSpPr/>
                   <p:nvPr/>
                 </p:nvCxnSpPr>
@@ -4158,7 +4158,7 @@
               </p:cxnSp>
               <p:sp>
                 <p:nvSpPr>
-                  <p:cNvPr id="3373" name="Oval 3372"/>
+                  <p:cNvPr id="879" name="Oval 878"/>
                   <p:cNvSpPr/>
                   <p:nvPr/>
                 </p:nvSpPr>
@@ -4206,7 +4206,7 @@
               </p:sp>
               <p:sp>
                 <p:nvSpPr>
-                  <p:cNvPr id="3374" name="Oval 3373"/>
+                  <p:cNvPr id="880" name="Oval 879"/>
                   <p:cNvSpPr/>
                   <p:nvPr/>
                 </p:nvSpPr>
@@ -4254,7 +4254,7 @@
               </p:sp>
               <p:sp>
                 <p:nvSpPr>
-                  <p:cNvPr id="3375" name="Oval 3374"/>
+                  <p:cNvPr id="881" name="Oval 880"/>
                   <p:cNvSpPr/>
                   <p:nvPr/>
                 </p:nvSpPr>
@@ -4302,7 +4302,7 @@
               </p:sp>
               <p:sp>
                 <p:nvSpPr>
-                  <p:cNvPr id="3376" name="Oval 3375"/>
+                  <p:cNvPr id="882" name="Oval 881"/>
                   <p:cNvSpPr/>
                   <p:nvPr/>
                 </p:nvSpPr>
@@ -4350,7 +4350,7 @@
               </p:sp>
               <p:sp>
                 <p:nvSpPr>
-                  <p:cNvPr id="3377" name="Oval 3376"/>
+                  <p:cNvPr id="883" name="Oval 882"/>
                   <p:cNvSpPr/>
                   <p:nvPr/>
                 </p:nvSpPr>
@@ -4398,7 +4398,7 @@
               </p:sp>
               <p:sp>
                 <p:nvSpPr>
-                  <p:cNvPr id="3378" name="Oval 3377"/>
+                  <p:cNvPr id="884" name="Oval 883"/>
                   <p:cNvSpPr>
                     <a:spLocks noChangeAspect="1"/>
                   </p:cNvSpPr>
@@ -4449,7 +4449,7 @@
             </p:grpSp>
             <p:grpSp>
               <p:nvGrpSpPr>
-                <p:cNvPr id="3360" name="Group 3359"/>
+                <p:cNvPr id="866" name="Group 865"/>
                 <p:cNvGrpSpPr/>
                 <p:nvPr/>
               </p:nvGrpSpPr>
@@ -4463,7 +4463,7 @@
               </p:grpSpPr>
               <p:sp>
                 <p:nvSpPr>
-                  <p:cNvPr id="3361" name="Rectangle 3360"/>
+                  <p:cNvPr id="867" name="Rectangle 866"/>
                   <p:cNvSpPr>
                     <a:spLocks noChangeAspect="1"/>
                   </p:cNvSpPr>
@@ -4511,7 +4511,7 @@
               </p:sp>
               <p:cxnSp>
                 <p:nvCxnSpPr>
-                  <p:cNvPr id="3362" name="Straight Connector 3361"/>
+                  <p:cNvPr id="868" name="Straight Connector 867"/>
                   <p:cNvCxnSpPr/>
                   <p:nvPr/>
                 </p:nvCxnSpPr>
@@ -4546,7 +4546,7 @@
               </p:cxnSp>
               <p:cxnSp>
                 <p:nvCxnSpPr>
-                  <p:cNvPr id="3363" name="Straight Connector 3362"/>
+                  <p:cNvPr id="869" name="Straight Connector 868"/>
                   <p:cNvCxnSpPr/>
                   <p:nvPr/>
                 </p:nvCxnSpPr>
@@ -4581,7 +4581,7 @@
               </p:cxnSp>
               <p:sp>
                 <p:nvSpPr>
-                  <p:cNvPr id="3364" name="Oval 3363"/>
+                  <p:cNvPr id="870" name="Oval 869"/>
                   <p:cNvSpPr/>
                   <p:nvPr/>
                 </p:nvSpPr>
@@ -4629,7 +4629,7 @@
               </p:sp>
               <p:sp>
                 <p:nvSpPr>
-                  <p:cNvPr id="3365" name="Oval 3364"/>
+                  <p:cNvPr id="871" name="Oval 870"/>
                   <p:cNvSpPr/>
                   <p:nvPr/>
                 </p:nvSpPr>
@@ -4677,7 +4677,7 @@
               </p:sp>
               <p:sp>
                 <p:nvSpPr>
-                  <p:cNvPr id="3366" name="Oval 3365"/>
+                  <p:cNvPr id="872" name="Oval 871"/>
                   <p:cNvSpPr/>
                   <p:nvPr/>
                 </p:nvSpPr>
@@ -4725,7 +4725,7 @@
               </p:sp>
               <p:sp>
                 <p:nvSpPr>
-                  <p:cNvPr id="3367" name="Oval 3366"/>
+                  <p:cNvPr id="873" name="Oval 872"/>
                   <p:cNvSpPr/>
                   <p:nvPr/>
                 </p:nvSpPr>
@@ -4773,7 +4773,7 @@
               </p:sp>
               <p:sp>
                 <p:nvSpPr>
-                  <p:cNvPr id="3368" name="Oval 3367"/>
+                  <p:cNvPr id="874" name="Oval 873"/>
                   <p:cNvSpPr/>
                   <p:nvPr/>
                 </p:nvSpPr>
@@ -4821,7 +4821,7 @@
               </p:sp>
               <p:sp>
                 <p:nvSpPr>
-                  <p:cNvPr id="3369" name="Oval 3368"/>
+                  <p:cNvPr id="875" name="Oval 874"/>
                   <p:cNvSpPr>
                     <a:spLocks noChangeAspect="1"/>
                   </p:cNvSpPr>
@@ -4873,7 +4873,7 @@
           </p:grpSp>
           <p:grpSp>
             <p:nvGrpSpPr>
-              <p:cNvPr id="3234" name="Group 3233"/>
+              <p:cNvPr id="740" name="Group 739"/>
               <p:cNvGrpSpPr>
                 <a:grpSpLocks noChangeAspect="1"/>
               </p:cNvGrpSpPr>
@@ -4889,7 +4889,7 @@
             </p:grpSpPr>
             <p:grpSp>
               <p:nvGrpSpPr>
-                <p:cNvPr id="3317" name="Group 3316"/>
+                <p:cNvPr id="823" name="Group 822"/>
                 <p:cNvGrpSpPr/>
                 <p:nvPr/>
               </p:nvGrpSpPr>
@@ -4903,7 +4903,7 @@
               </p:grpSpPr>
               <p:sp>
                 <p:nvSpPr>
-                  <p:cNvPr id="3348" name="Rectangle 3347"/>
+                  <p:cNvPr id="854" name="Rectangle 853"/>
                   <p:cNvSpPr>
                     <a:spLocks noChangeAspect="1"/>
                   </p:cNvSpPr>
@@ -4951,7 +4951,7 @@
               </p:sp>
               <p:cxnSp>
                 <p:nvCxnSpPr>
-                  <p:cNvPr id="3349" name="Straight Connector 3348"/>
+                  <p:cNvPr id="855" name="Straight Connector 854"/>
                   <p:cNvCxnSpPr/>
                   <p:nvPr/>
                 </p:nvCxnSpPr>
@@ -4986,7 +4986,7 @@
               </p:cxnSp>
               <p:cxnSp>
                 <p:nvCxnSpPr>
-                  <p:cNvPr id="3350" name="Straight Connector 3349"/>
+                  <p:cNvPr id="856" name="Straight Connector 855"/>
                   <p:cNvCxnSpPr/>
                   <p:nvPr/>
                 </p:nvCxnSpPr>
@@ -5021,7 +5021,7 @@
               </p:cxnSp>
               <p:sp>
                 <p:nvSpPr>
-                  <p:cNvPr id="3351" name="Oval 3350"/>
+                  <p:cNvPr id="857" name="Oval 856"/>
                   <p:cNvSpPr/>
                   <p:nvPr/>
                 </p:nvSpPr>
@@ -5069,7 +5069,7 @@
               </p:sp>
               <p:sp>
                 <p:nvSpPr>
-                  <p:cNvPr id="3352" name="Oval 3351"/>
+                  <p:cNvPr id="858" name="Oval 857"/>
                   <p:cNvSpPr/>
                   <p:nvPr/>
                 </p:nvSpPr>
@@ -5117,7 +5117,7 @@
               </p:sp>
               <p:sp>
                 <p:nvSpPr>
-                  <p:cNvPr id="3353" name="Oval 3352"/>
+                  <p:cNvPr id="859" name="Oval 858"/>
                   <p:cNvSpPr/>
                   <p:nvPr/>
                 </p:nvSpPr>
@@ -5165,7 +5165,7 @@
               </p:sp>
               <p:sp>
                 <p:nvSpPr>
-                  <p:cNvPr id="3354" name="Oval 3353"/>
+                  <p:cNvPr id="860" name="Oval 859"/>
                   <p:cNvSpPr/>
                   <p:nvPr/>
                 </p:nvSpPr>
@@ -5213,7 +5213,7 @@
               </p:sp>
               <p:sp>
                 <p:nvSpPr>
-                  <p:cNvPr id="3355" name="Oval 3354"/>
+                  <p:cNvPr id="861" name="Oval 860"/>
                   <p:cNvSpPr/>
                   <p:nvPr/>
                 </p:nvSpPr>
@@ -5261,7 +5261,7 @@
               </p:sp>
               <p:sp>
                 <p:nvSpPr>
-                  <p:cNvPr id="3356" name="Oval 3355"/>
+                  <p:cNvPr id="862" name="Oval 861"/>
                   <p:cNvSpPr>
                     <a:spLocks noChangeAspect="1"/>
                   </p:cNvSpPr>
@@ -5312,7 +5312,7 @@
             </p:grpSp>
             <p:grpSp>
               <p:nvGrpSpPr>
-                <p:cNvPr id="3318" name="Group 3317"/>
+                <p:cNvPr id="824" name="Group 823"/>
                 <p:cNvGrpSpPr/>
                 <p:nvPr/>
               </p:nvGrpSpPr>
@@ -5326,7 +5326,7 @@
               </p:grpSpPr>
               <p:sp>
                 <p:nvSpPr>
-                  <p:cNvPr id="3339" name="Rectangle 3338"/>
+                  <p:cNvPr id="845" name="Rectangle 844"/>
                   <p:cNvSpPr>
                     <a:spLocks noChangeAspect="1"/>
                   </p:cNvSpPr>
@@ -5374,7 +5374,7 @@
               </p:sp>
               <p:cxnSp>
                 <p:nvCxnSpPr>
-                  <p:cNvPr id="3340" name="Straight Connector 3339"/>
+                  <p:cNvPr id="846" name="Straight Connector 845"/>
                   <p:cNvCxnSpPr/>
                   <p:nvPr/>
                 </p:nvCxnSpPr>
@@ -5409,7 +5409,7 @@
               </p:cxnSp>
               <p:cxnSp>
                 <p:nvCxnSpPr>
-                  <p:cNvPr id="3341" name="Straight Connector 3340"/>
+                  <p:cNvPr id="847" name="Straight Connector 846"/>
                   <p:cNvCxnSpPr/>
                   <p:nvPr/>
                 </p:nvCxnSpPr>
@@ -5444,7 +5444,7 @@
               </p:cxnSp>
               <p:sp>
                 <p:nvSpPr>
-                  <p:cNvPr id="3342" name="Oval 3341"/>
+                  <p:cNvPr id="848" name="Oval 847"/>
                   <p:cNvSpPr/>
                   <p:nvPr/>
                 </p:nvSpPr>
@@ -5492,7 +5492,7 @@
               </p:sp>
               <p:sp>
                 <p:nvSpPr>
-                  <p:cNvPr id="3343" name="Oval 3342"/>
+                  <p:cNvPr id="849" name="Oval 848"/>
                   <p:cNvSpPr/>
                   <p:nvPr/>
                 </p:nvSpPr>
@@ -5540,7 +5540,7 @@
               </p:sp>
               <p:sp>
                 <p:nvSpPr>
-                  <p:cNvPr id="3344" name="Oval 3343"/>
+                  <p:cNvPr id="850" name="Oval 849"/>
                   <p:cNvSpPr/>
                   <p:nvPr/>
                 </p:nvSpPr>
@@ -5588,7 +5588,7 @@
               </p:sp>
               <p:sp>
                 <p:nvSpPr>
-                  <p:cNvPr id="3345" name="Oval 3344"/>
+                  <p:cNvPr id="851" name="Oval 850"/>
                   <p:cNvSpPr/>
                   <p:nvPr/>
                 </p:nvSpPr>
@@ -5636,7 +5636,7 @@
               </p:sp>
               <p:sp>
                 <p:nvSpPr>
-                  <p:cNvPr id="3346" name="Oval 3345"/>
+                  <p:cNvPr id="852" name="Oval 851"/>
                   <p:cNvSpPr/>
                   <p:nvPr/>
                 </p:nvSpPr>
@@ -5684,7 +5684,7 @@
               </p:sp>
               <p:sp>
                 <p:nvSpPr>
-                  <p:cNvPr id="3347" name="Oval 3346"/>
+                  <p:cNvPr id="853" name="Oval 852"/>
                   <p:cNvSpPr>
                     <a:spLocks noChangeAspect="1"/>
                   </p:cNvSpPr>
@@ -5735,7 +5735,7 @@
             </p:grpSp>
             <p:grpSp>
               <p:nvGrpSpPr>
-                <p:cNvPr id="3319" name="Group 3318"/>
+                <p:cNvPr id="825" name="Group 824"/>
                 <p:cNvGrpSpPr/>
                 <p:nvPr/>
               </p:nvGrpSpPr>
@@ -5749,7 +5749,7 @@
               </p:grpSpPr>
               <p:sp>
                 <p:nvSpPr>
-                  <p:cNvPr id="3330" name="Rectangle 3329"/>
+                  <p:cNvPr id="836" name="Rectangle 835"/>
                   <p:cNvSpPr>
                     <a:spLocks noChangeAspect="1"/>
                   </p:cNvSpPr>
@@ -5797,7 +5797,7 @@
               </p:sp>
               <p:cxnSp>
                 <p:nvCxnSpPr>
-                  <p:cNvPr id="3331" name="Straight Connector 3330"/>
+                  <p:cNvPr id="837" name="Straight Connector 836"/>
                   <p:cNvCxnSpPr/>
                   <p:nvPr/>
                 </p:nvCxnSpPr>
@@ -5832,7 +5832,7 @@
               </p:cxnSp>
               <p:cxnSp>
                 <p:nvCxnSpPr>
-                  <p:cNvPr id="3332" name="Straight Connector 3331"/>
+                  <p:cNvPr id="838" name="Straight Connector 837"/>
                   <p:cNvCxnSpPr/>
                   <p:nvPr/>
                 </p:nvCxnSpPr>
@@ -5867,7 +5867,7 @@
               </p:cxnSp>
               <p:sp>
                 <p:nvSpPr>
-                  <p:cNvPr id="3333" name="Oval 3332"/>
+                  <p:cNvPr id="839" name="Oval 838"/>
                   <p:cNvSpPr/>
                   <p:nvPr/>
                 </p:nvSpPr>
@@ -5915,7 +5915,7 @@
               </p:sp>
               <p:sp>
                 <p:nvSpPr>
-                  <p:cNvPr id="3334" name="Oval 3333"/>
+                  <p:cNvPr id="840" name="Oval 839"/>
                   <p:cNvSpPr/>
                   <p:nvPr/>
                 </p:nvSpPr>
@@ -5963,7 +5963,7 @@
               </p:sp>
               <p:sp>
                 <p:nvSpPr>
-                  <p:cNvPr id="3335" name="Oval 3334"/>
+                  <p:cNvPr id="841" name="Oval 840"/>
                   <p:cNvSpPr/>
                   <p:nvPr/>
                 </p:nvSpPr>
@@ -6011,7 +6011,7 @@
               </p:sp>
               <p:sp>
                 <p:nvSpPr>
-                  <p:cNvPr id="3336" name="Oval 3335"/>
+                  <p:cNvPr id="842" name="Oval 841"/>
                   <p:cNvSpPr/>
                   <p:nvPr/>
                 </p:nvSpPr>
@@ -6059,7 +6059,7 @@
               </p:sp>
               <p:sp>
                 <p:nvSpPr>
-                  <p:cNvPr id="3337" name="Oval 3336"/>
+                  <p:cNvPr id="843" name="Oval 842"/>
                   <p:cNvSpPr/>
                   <p:nvPr/>
                 </p:nvSpPr>
@@ -6107,7 +6107,7 @@
               </p:sp>
               <p:sp>
                 <p:nvSpPr>
-                  <p:cNvPr id="3338" name="Oval 3337"/>
+                  <p:cNvPr id="844" name="Oval 843"/>
                   <p:cNvSpPr>
                     <a:spLocks noChangeAspect="1"/>
                   </p:cNvSpPr>
@@ -6158,7 +6158,7 @@
             </p:grpSp>
             <p:grpSp>
               <p:nvGrpSpPr>
-                <p:cNvPr id="3320" name="Group 3319"/>
+                <p:cNvPr id="826" name="Group 825"/>
                 <p:cNvGrpSpPr/>
                 <p:nvPr/>
               </p:nvGrpSpPr>
@@ -6172,7 +6172,7 @@
               </p:grpSpPr>
               <p:sp>
                 <p:nvSpPr>
-                  <p:cNvPr id="3321" name="Rectangle 3320"/>
+                  <p:cNvPr id="827" name="Rectangle 826"/>
                   <p:cNvSpPr>
                     <a:spLocks noChangeAspect="1"/>
                   </p:cNvSpPr>
@@ -6220,7 +6220,7 @@
               </p:sp>
               <p:cxnSp>
                 <p:nvCxnSpPr>
-                  <p:cNvPr id="3322" name="Straight Connector 3321"/>
+                  <p:cNvPr id="828" name="Straight Connector 827"/>
                   <p:cNvCxnSpPr/>
                   <p:nvPr/>
                 </p:nvCxnSpPr>
@@ -6255,7 +6255,7 @@
               </p:cxnSp>
               <p:cxnSp>
                 <p:nvCxnSpPr>
-                  <p:cNvPr id="3323" name="Straight Connector 3322"/>
+                  <p:cNvPr id="829" name="Straight Connector 828"/>
                   <p:cNvCxnSpPr/>
                   <p:nvPr/>
                 </p:nvCxnSpPr>
@@ -6290,7 +6290,7 @@
               </p:cxnSp>
               <p:sp>
                 <p:nvSpPr>
-                  <p:cNvPr id="3324" name="Oval 3323"/>
+                  <p:cNvPr id="830" name="Oval 829"/>
                   <p:cNvSpPr/>
                   <p:nvPr/>
                 </p:nvSpPr>
@@ -6338,7 +6338,7 @@
               </p:sp>
               <p:sp>
                 <p:nvSpPr>
-                  <p:cNvPr id="3325" name="Oval 3324"/>
+                  <p:cNvPr id="831" name="Oval 830"/>
                   <p:cNvSpPr/>
                   <p:nvPr/>
                 </p:nvSpPr>
@@ -6386,7 +6386,7 @@
               </p:sp>
               <p:sp>
                 <p:nvSpPr>
-                  <p:cNvPr id="3326" name="Oval 3325"/>
+                  <p:cNvPr id="832" name="Oval 831"/>
                   <p:cNvSpPr/>
                   <p:nvPr/>
                 </p:nvSpPr>
@@ -6434,7 +6434,7 @@
               </p:sp>
               <p:sp>
                 <p:nvSpPr>
-                  <p:cNvPr id="3327" name="Oval 3326"/>
+                  <p:cNvPr id="833" name="Oval 832"/>
                   <p:cNvSpPr/>
                   <p:nvPr/>
                 </p:nvSpPr>
@@ -6482,7 +6482,7 @@
               </p:sp>
               <p:sp>
                 <p:nvSpPr>
-                  <p:cNvPr id="3328" name="Oval 3327"/>
+                  <p:cNvPr id="834" name="Oval 833"/>
                   <p:cNvSpPr/>
                   <p:nvPr/>
                 </p:nvSpPr>
@@ -6530,7 +6530,7 @@
               </p:sp>
               <p:sp>
                 <p:nvSpPr>
-                  <p:cNvPr id="3329" name="Oval 3328"/>
+                  <p:cNvPr id="835" name="Oval 834"/>
                   <p:cNvSpPr>
                     <a:spLocks noChangeAspect="1"/>
                   </p:cNvSpPr>
@@ -6582,7 +6582,7 @@
           </p:grpSp>
           <p:grpSp>
             <p:nvGrpSpPr>
-              <p:cNvPr id="3235" name="Group 3234"/>
+              <p:cNvPr id="741" name="Group 740"/>
               <p:cNvGrpSpPr>
                 <a:grpSpLocks noChangeAspect="1"/>
               </p:cNvGrpSpPr>
@@ -6598,7 +6598,7 @@
             </p:grpSpPr>
             <p:grpSp>
               <p:nvGrpSpPr>
-                <p:cNvPr id="3277" name="Group 3276"/>
+                <p:cNvPr id="783" name="Group 782"/>
                 <p:cNvGrpSpPr/>
                 <p:nvPr/>
               </p:nvGrpSpPr>
@@ -6612,7 +6612,7 @@
               </p:grpSpPr>
               <p:sp>
                 <p:nvSpPr>
-                  <p:cNvPr id="3308" name="Rectangle 3307"/>
+                  <p:cNvPr id="814" name="Rectangle 813"/>
                   <p:cNvSpPr>
                     <a:spLocks noChangeAspect="1"/>
                   </p:cNvSpPr>
@@ -6660,7 +6660,7 @@
               </p:sp>
               <p:cxnSp>
                 <p:nvCxnSpPr>
-                  <p:cNvPr id="3309" name="Straight Connector 3308"/>
+                  <p:cNvPr id="815" name="Straight Connector 814"/>
                   <p:cNvCxnSpPr/>
                   <p:nvPr/>
                 </p:nvCxnSpPr>
@@ -6695,7 +6695,7 @@
               </p:cxnSp>
               <p:cxnSp>
                 <p:nvCxnSpPr>
-                  <p:cNvPr id="3310" name="Straight Connector 3309"/>
+                  <p:cNvPr id="816" name="Straight Connector 815"/>
                   <p:cNvCxnSpPr/>
                   <p:nvPr/>
                 </p:nvCxnSpPr>
@@ -6730,7 +6730,7 @@
               </p:cxnSp>
               <p:sp>
                 <p:nvSpPr>
-                  <p:cNvPr id="3311" name="Oval 3310"/>
+                  <p:cNvPr id="817" name="Oval 816"/>
                   <p:cNvSpPr/>
                   <p:nvPr/>
                 </p:nvSpPr>
@@ -6778,7 +6778,7 @@
               </p:sp>
               <p:sp>
                 <p:nvSpPr>
-                  <p:cNvPr id="3312" name="Oval 3311"/>
+                  <p:cNvPr id="818" name="Oval 817"/>
                   <p:cNvSpPr/>
                   <p:nvPr/>
                 </p:nvSpPr>
@@ -6826,7 +6826,7 @@
               </p:sp>
               <p:sp>
                 <p:nvSpPr>
-                  <p:cNvPr id="3313" name="Oval 3312"/>
+                  <p:cNvPr id="819" name="Oval 818"/>
                   <p:cNvSpPr/>
                   <p:nvPr/>
                 </p:nvSpPr>
@@ -6874,7 +6874,7 @@
               </p:sp>
               <p:sp>
                 <p:nvSpPr>
-                  <p:cNvPr id="3314" name="Oval 3313"/>
+                  <p:cNvPr id="820" name="Oval 819"/>
                   <p:cNvSpPr/>
                   <p:nvPr/>
                 </p:nvSpPr>
@@ -6922,7 +6922,7 @@
               </p:sp>
               <p:sp>
                 <p:nvSpPr>
-                  <p:cNvPr id="3315" name="Oval 3314"/>
+                  <p:cNvPr id="821" name="Oval 820"/>
                   <p:cNvSpPr/>
                   <p:nvPr/>
                 </p:nvSpPr>
@@ -6970,7 +6970,7 @@
               </p:sp>
               <p:sp>
                 <p:nvSpPr>
-                  <p:cNvPr id="3316" name="Oval 3315"/>
+                  <p:cNvPr id="822" name="Oval 821"/>
                   <p:cNvSpPr>
                     <a:spLocks noChangeAspect="1"/>
                   </p:cNvSpPr>
@@ -7021,7 +7021,7 @@
             </p:grpSp>
             <p:grpSp>
               <p:nvGrpSpPr>
-                <p:cNvPr id="3278" name="Group 3277"/>
+                <p:cNvPr id="784" name="Group 783"/>
                 <p:cNvGrpSpPr/>
                 <p:nvPr/>
               </p:nvGrpSpPr>
@@ -7035,7 +7035,7 @@
               </p:grpSpPr>
               <p:sp>
                 <p:nvSpPr>
-                  <p:cNvPr id="3299" name="Rectangle 3298"/>
+                  <p:cNvPr id="805" name="Rectangle 804"/>
                   <p:cNvSpPr>
                     <a:spLocks noChangeAspect="1"/>
                   </p:cNvSpPr>
@@ -7083,7 +7083,7 @@
               </p:sp>
               <p:cxnSp>
                 <p:nvCxnSpPr>
-                  <p:cNvPr id="3300" name="Straight Connector 3299"/>
+                  <p:cNvPr id="806" name="Straight Connector 805"/>
                   <p:cNvCxnSpPr/>
                   <p:nvPr/>
                 </p:nvCxnSpPr>
@@ -7118,7 +7118,7 @@
               </p:cxnSp>
               <p:cxnSp>
                 <p:nvCxnSpPr>
-                  <p:cNvPr id="3301" name="Straight Connector 3300"/>
+                  <p:cNvPr id="807" name="Straight Connector 806"/>
                   <p:cNvCxnSpPr/>
                   <p:nvPr/>
                 </p:nvCxnSpPr>
@@ -7153,7 +7153,7 @@
               </p:cxnSp>
               <p:sp>
                 <p:nvSpPr>
-                  <p:cNvPr id="3302" name="Oval 3301"/>
+                  <p:cNvPr id="808" name="Oval 807"/>
                   <p:cNvSpPr/>
                   <p:nvPr/>
                 </p:nvSpPr>
@@ -7201,7 +7201,7 @@
               </p:sp>
               <p:sp>
                 <p:nvSpPr>
-                  <p:cNvPr id="3303" name="Oval 3302"/>
+                  <p:cNvPr id="809" name="Oval 808"/>
                   <p:cNvSpPr/>
                   <p:nvPr/>
                 </p:nvSpPr>
@@ -7249,7 +7249,7 @@
               </p:sp>
               <p:sp>
                 <p:nvSpPr>
-                  <p:cNvPr id="3304" name="Oval 3303"/>
+                  <p:cNvPr id="810" name="Oval 809"/>
                   <p:cNvSpPr/>
                   <p:nvPr/>
                 </p:nvSpPr>
@@ -7297,7 +7297,7 @@
               </p:sp>
               <p:sp>
                 <p:nvSpPr>
-                  <p:cNvPr id="3305" name="Oval 3304"/>
+                  <p:cNvPr id="811" name="Oval 810"/>
                   <p:cNvSpPr/>
                   <p:nvPr/>
                 </p:nvSpPr>
@@ -7345,7 +7345,7 @@
               </p:sp>
               <p:sp>
                 <p:nvSpPr>
-                  <p:cNvPr id="3306" name="Oval 3305"/>
+                  <p:cNvPr id="812" name="Oval 811"/>
                   <p:cNvSpPr/>
                   <p:nvPr/>
                 </p:nvSpPr>
@@ -7393,7 +7393,7 @@
               </p:sp>
               <p:sp>
                 <p:nvSpPr>
-                  <p:cNvPr id="3307" name="Oval 3306"/>
+                  <p:cNvPr id="813" name="Oval 812"/>
                   <p:cNvSpPr>
                     <a:spLocks noChangeAspect="1"/>
                   </p:cNvSpPr>
@@ -7444,7 +7444,7 @@
             </p:grpSp>
             <p:grpSp>
               <p:nvGrpSpPr>
-                <p:cNvPr id="3279" name="Group 3278"/>
+                <p:cNvPr id="785" name="Group 784"/>
                 <p:cNvGrpSpPr/>
                 <p:nvPr/>
               </p:nvGrpSpPr>
@@ -7458,7 +7458,7 @@
               </p:grpSpPr>
               <p:sp>
                 <p:nvSpPr>
-                  <p:cNvPr id="3290" name="Rectangle 3289"/>
+                  <p:cNvPr id="796" name="Rectangle 795"/>
                   <p:cNvSpPr>
                     <a:spLocks noChangeAspect="1"/>
                   </p:cNvSpPr>
@@ -7506,7 +7506,7 @@
               </p:sp>
               <p:cxnSp>
                 <p:nvCxnSpPr>
-                  <p:cNvPr id="3291" name="Straight Connector 3290"/>
+                  <p:cNvPr id="797" name="Straight Connector 796"/>
                   <p:cNvCxnSpPr/>
                   <p:nvPr/>
                 </p:nvCxnSpPr>
@@ -7541,7 +7541,7 @@
               </p:cxnSp>
               <p:cxnSp>
                 <p:nvCxnSpPr>
-                  <p:cNvPr id="3292" name="Straight Connector 3291"/>
+                  <p:cNvPr id="798" name="Straight Connector 797"/>
                   <p:cNvCxnSpPr/>
                   <p:nvPr/>
                 </p:nvCxnSpPr>
@@ -7576,7 +7576,7 @@
               </p:cxnSp>
               <p:sp>
                 <p:nvSpPr>
-                  <p:cNvPr id="3293" name="Oval 3292"/>
+                  <p:cNvPr id="799" name="Oval 798"/>
                   <p:cNvSpPr/>
                   <p:nvPr/>
                 </p:nvSpPr>
@@ -7624,7 +7624,7 @@
               </p:sp>
               <p:sp>
                 <p:nvSpPr>
-                  <p:cNvPr id="3294" name="Oval 3293"/>
+                  <p:cNvPr id="800" name="Oval 799"/>
                   <p:cNvSpPr/>
                   <p:nvPr/>
                 </p:nvSpPr>
@@ -7672,7 +7672,7 @@
               </p:sp>
               <p:sp>
                 <p:nvSpPr>
-                  <p:cNvPr id="3295" name="Oval 3294"/>
+                  <p:cNvPr id="801" name="Oval 800"/>
                   <p:cNvSpPr/>
                   <p:nvPr/>
                 </p:nvSpPr>
@@ -7720,7 +7720,7 @@
               </p:sp>
               <p:sp>
                 <p:nvSpPr>
-                  <p:cNvPr id="3296" name="Oval 3295"/>
+                  <p:cNvPr id="802" name="Oval 801"/>
                   <p:cNvSpPr/>
                   <p:nvPr/>
                 </p:nvSpPr>
@@ -7768,7 +7768,7 @@
               </p:sp>
               <p:sp>
                 <p:nvSpPr>
-                  <p:cNvPr id="3297" name="Oval 3296"/>
+                  <p:cNvPr id="803" name="Oval 802"/>
                   <p:cNvSpPr/>
                   <p:nvPr/>
                 </p:nvSpPr>
@@ -7816,7 +7816,7 @@
               </p:sp>
               <p:sp>
                 <p:nvSpPr>
-                  <p:cNvPr id="3298" name="Oval 3297"/>
+                  <p:cNvPr id="804" name="Oval 803"/>
                   <p:cNvSpPr>
                     <a:spLocks noChangeAspect="1"/>
                   </p:cNvSpPr>
@@ -7867,7 +7867,7 @@
             </p:grpSp>
             <p:grpSp>
               <p:nvGrpSpPr>
-                <p:cNvPr id="3280" name="Group 3279"/>
+                <p:cNvPr id="786" name="Group 785"/>
                 <p:cNvGrpSpPr/>
                 <p:nvPr/>
               </p:nvGrpSpPr>
@@ -7881,7 +7881,7 @@
               </p:grpSpPr>
               <p:sp>
                 <p:nvSpPr>
-                  <p:cNvPr id="3281" name="Rectangle 3280"/>
+                  <p:cNvPr id="787" name="Rectangle 786"/>
                   <p:cNvSpPr>
                     <a:spLocks noChangeAspect="1"/>
                   </p:cNvSpPr>
@@ -7929,7 +7929,7 @@
               </p:sp>
               <p:cxnSp>
                 <p:nvCxnSpPr>
-                  <p:cNvPr id="3282" name="Straight Connector 3281"/>
+                  <p:cNvPr id="788" name="Straight Connector 787"/>
                   <p:cNvCxnSpPr/>
                   <p:nvPr/>
                 </p:nvCxnSpPr>
@@ -7964,7 +7964,7 @@
               </p:cxnSp>
               <p:cxnSp>
                 <p:nvCxnSpPr>
-                  <p:cNvPr id="3283" name="Straight Connector 3282"/>
+                  <p:cNvPr id="789" name="Straight Connector 788"/>
                   <p:cNvCxnSpPr/>
                   <p:nvPr/>
                 </p:nvCxnSpPr>
@@ -7999,7 +7999,7 @@
               </p:cxnSp>
               <p:sp>
                 <p:nvSpPr>
-                  <p:cNvPr id="3284" name="Oval 3283"/>
+                  <p:cNvPr id="790" name="Oval 789"/>
                   <p:cNvSpPr/>
                   <p:nvPr/>
                 </p:nvSpPr>
@@ -8047,7 +8047,7 @@
               </p:sp>
               <p:sp>
                 <p:nvSpPr>
-                  <p:cNvPr id="3285" name="Oval 3284"/>
+                  <p:cNvPr id="791" name="Oval 790"/>
                   <p:cNvSpPr/>
                   <p:nvPr/>
                 </p:nvSpPr>
@@ -8095,7 +8095,7 @@
               </p:sp>
               <p:sp>
                 <p:nvSpPr>
-                  <p:cNvPr id="3286" name="Oval 3285"/>
+                  <p:cNvPr id="792" name="Oval 791"/>
                   <p:cNvSpPr/>
                   <p:nvPr/>
                 </p:nvSpPr>
@@ -8143,7 +8143,7 @@
               </p:sp>
               <p:sp>
                 <p:nvSpPr>
-                  <p:cNvPr id="3287" name="Oval 3286"/>
+                  <p:cNvPr id="793" name="Oval 792"/>
                   <p:cNvSpPr/>
                   <p:nvPr/>
                 </p:nvSpPr>
@@ -8191,7 +8191,7 @@
               </p:sp>
               <p:sp>
                 <p:nvSpPr>
-                  <p:cNvPr id="3288" name="Oval 3287"/>
+                  <p:cNvPr id="794" name="Oval 793"/>
                   <p:cNvSpPr/>
                   <p:nvPr/>
                 </p:nvSpPr>
@@ -8239,7 +8239,7 @@
               </p:sp>
               <p:sp>
                 <p:nvSpPr>
-                  <p:cNvPr id="3289" name="Oval 3288"/>
+                  <p:cNvPr id="795" name="Oval 794"/>
                   <p:cNvSpPr>
                     <a:spLocks noChangeAspect="1"/>
                   </p:cNvSpPr>
@@ -8291,7 +8291,7 @@
           </p:grpSp>
           <p:grpSp>
             <p:nvGrpSpPr>
-              <p:cNvPr id="3236" name="Group 3235"/>
+              <p:cNvPr id="742" name="Group 741"/>
               <p:cNvGrpSpPr>
                 <a:grpSpLocks noChangeAspect="1"/>
               </p:cNvGrpSpPr>
@@ -8307,7 +8307,7 @@
             </p:grpSpPr>
             <p:grpSp>
               <p:nvGrpSpPr>
-                <p:cNvPr id="3237" name="Group 3236"/>
+                <p:cNvPr id="743" name="Group 742"/>
                 <p:cNvGrpSpPr/>
                 <p:nvPr/>
               </p:nvGrpSpPr>
@@ -8321,7 +8321,7 @@
               </p:grpSpPr>
               <p:sp>
                 <p:nvSpPr>
-                  <p:cNvPr id="3268" name="Rectangle 3267"/>
+                  <p:cNvPr id="774" name="Rectangle 773"/>
                   <p:cNvSpPr>
                     <a:spLocks noChangeAspect="1"/>
                   </p:cNvSpPr>
@@ -8369,7 +8369,7 @@
               </p:sp>
               <p:cxnSp>
                 <p:nvCxnSpPr>
-                  <p:cNvPr id="3269" name="Straight Connector 3268"/>
+                  <p:cNvPr id="775" name="Straight Connector 774"/>
                   <p:cNvCxnSpPr/>
                   <p:nvPr/>
                 </p:nvCxnSpPr>
@@ -8404,7 +8404,7 @@
               </p:cxnSp>
               <p:cxnSp>
                 <p:nvCxnSpPr>
-                  <p:cNvPr id="3270" name="Straight Connector 3269"/>
+                  <p:cNvPr id="776" name="Straight Connector 775"/>
                   <p:cNvCxnSpPr/>
                   <p:nvPr/>
                 </p:nvCxnSpPr>
@@ -8439,7 +8439,7 @@
               </p:cxnSp>
               <p:sp>
                 <p:nvSpPr>
-                  <p:cNvPr id="3271" name="Oval 3270"/>
+                  <p:cNvPr id="777" name="Oval 776"/>
                   <p:cNvSpPr/>
                   <p:nvPr/>
                 </p:nvSpPr>
@@ -8487,7 +8487,7 @@
               </p:sp>
               <p:sp>
                 <p:nvSpPr>
-                  <p:cNvPr id="3272" name="Oval 3271"/>
+                  <p:cNvPr id="778" name="Oval 777"/>
                   <p:cNvSpPr/>
                   <p:nvPr/>
                 </p:nvSpPr>
@@ -8535,7 +8535,7 @@
               </p:sp>
               <p:sp>
                 <p:nvSpPr>
-                  <p:cNvPr id="3273" name="Oval 3272"/>
+                  <p:cNvPr id="779" name="Oval 778"/>
                   <p:cNvSpPr/>
                   <p:nvPr/>
                 </p:nvSpPr>
@@ -8583,7 +8583,7 @@
               </p:sp>
               <p:sp>
                 <p:nvSpPr>
-                  <p:cNvPr id="3274" name="Oval 3273"/>
+                  <p:cNvPr id="780" name="Oval 779"/>
                   <p:cNvSpPr/>
                   <p:nvPr/>
                 </p:nvSpPr>
@@ -8631,7 +8631,7 @@
               </p:sp>
               <p:sp>
                 <p:nvSpPr>
-                  <p:cNvPr id="3275" name="Oval 3274"/>
+                  <p:cNvPr id="781" name="Oval 780"/>
                   <p:cNvSpPr/>
                   <p:nvPr/>
                 </p:nvSpPr>
@@ -8679,7 +8679,7 @@
               </p:sp>
               <p:sp>
                 <p:nvSpPr>
-                  <p:cNvPr id="3276" name="Oval 3275"/>
+                  <p:cNvPr id="782" name="Oval 781"/>
                   <p:cNvSpPr>
                     <a:spLocks noChangeAspect="1"/>
                   </p:cNvSpPr>
@@ -8730,7 +8730,7 @@
             </p:grpSp>
             <p:grpSp>
               <p:nvGrpSpPr>
-                <p:cNvPr id="3238" name="Group 3237"/>
+                <p:cNvPr id="744" name="Group 743"/>
                 <p:cNvGrpSpPr/>
                 <p:nvPr/>
               </p:nvGrpSpPr>
@@ -8744,7 +8744,7 @@
               </p:grpSpPr>
               <p:sp>
                 <p:nvSpPr>
-                  <p:cNvPr id="3259" name="Rectangle 3258"/>
+                  <p:cNvPr id="765" name="Rectangle 764"/>
                   <p:cNvSpPr>
                     <a:spLocks noChangeAspect="1"/>
                   </p:cNvSpPr>
@@ -8792,7 +8792,7 @@
               </p:sp>
               <p:cxnSp>
                 <p:nvCxnSpPr>
-                  <p:cNvPr id="3260" name="Straight Connector 3259"/>
+                  <p:cNvPr id="766" name="Straight Connector 765"/>
                   <p:cNvCxnSpPr/>
                   <p:nvPr/>
                 </p:nvCxnSpPr>
@@ -8827,7 +8827,7 @@
               </p:cxnSp>
               <p:cxnSp>
                 <p:nvCxnSpPr>
-                  <p:cNvPr id="3261" name="Straight Connector 3260"/>
+                  <p:cNvPr id="767" name="Straight Connector 766"/>
                   <p:cNvCxnSpPr/>
                   <p:nvPr/>
                 </p:nvCxnSpPr>
@@ -8862,7 +8862,7 @@
               </p:cxnSp>
               <p:sp>
                 <p:nvSpPr>
-                  <p:cNvPr id="3262" name="Oval 3261"/>
+                  <p:cNvPr id="768" name="Oval 767"/>
                   <p:cNvSpPr/>
                   <p:nvPr/>
                 </p:nvSpPr>
@@ -8910,7 +8910,7 @@
               </p:sp>
               <p:sp>
                 <p:nvSpPr>
-                  <p:cNvPr id="3263" name="Oval 3262"/>
+                  <p:cNvPr id="769" name="Oval 768"/>
                   <p:cNvSpPr/>
                   <p:nvPr/>
                 </p:nvSpPr>
@@ -8958,7 +8958,7 @@
               </p:sp>
               <p:sp>
                 <p:nvSpPr>
-                  <p:cNvPr id="3264" name="Oval 3263"/>
+                  <p:cNvPr id="770" name="Oval 769"/>
                   <p:cNvSpPr/>
                   <p:nvPr/>
                 </p:nvSpPr>
@@ -9006,7 +9006,7 @@
               </p:sp>
               <p:sp>
                 <p:nvSpPr>
-                  <p:cNvPr id="3265" name="Oval 3264"/>
+                  <p:cNvPr id="771" name="Oval 770"/>
                   <p:cNvSpPr/>
                   <p:nvPr/>
                 </p:nvSpPr>
@@ -9054,7 +9054,7 @@
               </p:sp>
               <p:sp>
                 <p:nvSpPr>
-                  <p:cNvPr id="3266" name="Oval 3265"/>
+                  <p:cNvPr id="772" name="Oval 771"/>
                   <p:cNvSpPr/>
                   <p:nvPr/>
                 </p:nvSpPr>
@@ -9102,7 +9102,7 @@
               </p:sp>
               <p:sp>
                 <p:nvSpPr>
-                  <p:cNvPr id="3267" name="Oval 3266"/>
+                  <p:cNvPr id="773" name="Oval 772"/>
                   <p:cNvSpPr>
                     <a:spLocks noChangeAspect="1"/>
                   </p:cNvSpPr>
@@ -9153,7 +9153,7 @@
             </p:grpSp>
             <p:grpSp>
               <p:nvGrpSpPr>
-                <p:cNvPr id="3239" name="Group 3238"/>
+                <p:cNvPr id="745" name="Group 744"/>
                 <p:cNvGrpSpPr/>
                 <p:nvPr/>
               </p:nvGrpSpPr>
@@ -9167,7 +9167,7 @@
               </p:grpSpPr>
               <p:sp>
                 <p:nvSpPr>
-                  <p:cNvPr id="3250" name="Rectangle 3249"/>
+                  <p:cNvPr id="756" name="Rectangle 755"/>
                   <p:cNvSpPr>
                     <a:spLocks noChangeAspect="1"/>
                   </p:cNvSpPr>
@@ -9215,7 +9215,7 @@
               </p:sp>
               <p:cxnSp>
                 <p:nvCxnSpPr>
-                  <p:cNvPr id="3251" name="Straight Connector 3250"/>
+                  <p:cNvPr id="757" name="Straight Connector 756"/>
                   <p:cNvCxnSpPr/>
                   <p:nvPr/>
                 </p:nvCxnSpPr>
@@ -9250,7 +9250,7 @@
               </p:cxnSp>
               <p:cxnSp>
                 <p:nvCxnSpPr>
-                  <p:cNvPr id="3252" name="Straight Connector 3251"/>
+                  <p:cNvPr id="758" name="Straight Connector 757"/>
                   <p:cNvCxnSpPr/>
                   <p:nvPr/>
                 </p:nvCxnSpPr>
@@ -9285,7 +9285,7 @@
               </p:cxnSp>
               <p:sp>
                 <p:nvSpPr>
-                  <p:cNvPr id="3253" name="Oval 3252"/>
+                  <p:cNvPr id="759" name="Oval 758"/>
                   <p:cNvSpPr/>
                   <p:nvPr/>
                 </p:nvSpPr>
@@ -9333,7 +9333,7 @@
               </p:sp>
               <p:sp>
                 <p:nvSpPr>
-                  <p:cNvPr id="3254" name="Oval 3253"/>
+                  <p:cNvPr id="760" name="Oval 759"/>
                   <p:cNvSpPr/>
                   <p:nvPr/>
                 </p:nvSpPr>
@@ -9381,7 +9381,7 @@
               </p:sp>
               <p:sp>
                 <p:nvSpPr>
-                  <p:cNvPr id="3255" name="Oval 3254"/>
+                  <p:cNvPr id="761" name="Oval 760"/>
                   <p:cNvSpPr/>
                   <p:nvPr/>
                 </p:nvSpPr>
@@ -9429,7 +9429,7 @@
               </p:sp>
               <p:sp>
                 <p:nvSpPr>
-                  <p:cNvPr id="3256" name="Oval 3255"/>
+                  <p:cNvPr id="762" name="Oval 761"/>
                   <p:cNvSpPr/>
                   <p:nvPr/>
                 </p:nvSpPr>
@@ -9477,7 +9477,7 @@
               </p:sp>
               <p:sp>
                 <p:nvSpPr>
-                  <p:cNvPr id="3257" name="Oval 3256"/>
+                  <p:cNvPr id="763" name="Oval 762"/>
                   <p:cNvSpPr/>
                   <p:nvPr/>
                 </p:nvSpPr>
@@ -9525,7 +9525,7 @@
               </p:sp>
               <p:sp>
                 <p:nvSpPr>
-                  <p:cNvPr id="3258" name="Oval 3257"/>
+                  <p:cNvPr id="764" name="Oval 763"/>
                   <p:cNvSpPr>
                     <a:spLocks noChangeAspect="1"/>
                   </p:cNvSpPr>
@@ -9576,7 +9576,7 @@
             </p:grpSp>
             <p:grpSp>
               <p:nvGrpSpPr>
-                <p:cNvPr id="3240" name="Group 3239"/>
+                <p:cNvPr id="746" name="Group 745"/>
                 <p:cNvGrpSpPr/>
                 <p:nvPr/>
               </p:nvGrpSpPr>
@@ -9590,7 +9590,7 @@
               </p:grpSpPr>
               <p:sp>
                 <p:nvSpPr>
-                  <p:cNvPr id="3241" name="Rectangle 3240"/>
+                  <p:cNvPr id="747" name="Rectangle 746"/>
                   <p:cNvSpPr>
                     <a:spLocks noChangeAspect="1"/>
                   </p:cNvSpPr>
@@ -9638,7 +9638,7 @@
               </p:sp>
               <p:cxnSp>
                 <p:nvCxnSpPr>
-                  <p:cNvPr id="3242" name="Straight Connector 3241"/>
+                  <p:cNvPr id="748" name="Straight Connector 747"/>
                   <p:cNvCxnSpPr/>
                   <p:nvPr/>
                 </p:nvCxnSpPr>
@@ -9673,7 +9673,7 @@
               </p:cxnSp>
               <p:cxnSp>
                 <p:nvCxnSpPr>
-                  <p:cNvPr id="3243" name="Straight Connector 3242"/>
+                  <p:cNvPr id="749" name="Straight Connector 748"/>
                   <p:cNvCxnSpPr/>
                   <p:nvPr/>
                 </p:nvCxnSpPr>
@@ -9708,7 +9708,7 @@
               </p:cxnSp>
               <p:sp>
                 <p:nvSpPr>
-                  <p:cNvPr id="3244" name="Oval 3243"/>
+                  <p:cNvPr id="750" name="Oval 749"/>
                   <p:cNvSpPr/>
                   <p:nvPr/>
                 </p:nvSpPr>
@@ -9756,7 +9756,7 @@
               </p:sp>
               <p:sp>
                 <p:nvSpPr>
-                  <p:cNvPr id="3245" name="Oval 3244"/>
+                  <p:cNvPr id="751" name="Oval 750"/>
                   <p:cNvSpPr/>
                   <p:nvPr/>
                 </p:nvSpPr>
@@ -9804,7 +9804,7 @@
               </p:sp>
               <p:sp>
                 <p:nvSpPr>
-                  <p:cNvPr id="3246" name="Oval 3245"/>
+                  <p:cNvPr id="752" name="Oval 751"/>
                   <p:cNvSpPr/>
                   <p:nvPr/>
                 </p:nvSpPr>
@@ -9852,7 +9852,7 @@
               </p:sp>
               <p:sp>
                 <p:nvSpPr>
-                  <p:cNvPr id="3247" name="Oval 3246"/>
+                  <p:cNvPr id="753" name="Oval 752"/>
                   <p:cNvSpPr/>
                   <p:nvPr/>
                 </p:nvSpPr>
@@ -9900,7 +9900,7 @@
               </p:sp>
               <p:sp>
                 <p:nvSpPr>
-                  <p:cNvPr id="3248" name="Oval 3247"/>
+                  <p:cNvPr id="754" name="Oval 753"/>
                   <p:cNvSpPr/>
                   <p:nvPr/>
                 </p:nvSpPr>
@@ -9948,7 +9948,7 @@
               </p:sp>
               <p:sp>
                 <p:nvSpPr>
-                  <p:cNvPr id="3249" name="Oval 3248"/>
+                  <p:cNvPr id="755" name="Oval 754"/>
                   <p:cNvSpPr>
                     <a:spLocks noChangeAspect="1"/>
                   </p:cNvSpPr>
@@ -10001,7 +10001,7 @@
         </p:grpSp>
         <p:sp>
           <p:nvSpPr>
-            <p:cNvPr id="3224" name="Isosceles Triangle 3223"/>
+            <p:cNvPr id="730" name="Isosceles Triangle 729"/>
             <p:cNvSpPr/>
             <p:nvPr/>
           </p:nvSpPr>
@@ -10049,7 +10049,7 @@
         </p:sp>
         <p:sp>
           <p:nvSpPr>
-            <p:cNvPr id="3225" name="Isosceles Triangle 3224"/>
+            <p:cNvPr id="731" name="Isosceles Triangle 730"/>
             <p:cNvSpPr/>
             <p:nvPr/>
           </p:nvSpPr>
@@ -10097,7 +10097,7 @@
         </p:sp>
         <p:sp>
           <p:nvSpPr>
-            <p:cNvPr id="3226" name="Isosceles Triangle 3225"/>
+            <p:cNvPr id="732" name="Isosceles Triangle 731"/>
             <p:cNvSpPr/>
             <p:nvPr/>
           </p:nvSpPr>
@@ -10145,7 +10145,7 @@
         </p:sp>
         <p:sp>
           <p:nvSpPr>
-            <p:cNvPr id="3227" name="Isosceles Triangle 3226"/>
+            <p:cNvPr id="733" name="Isosceles Triangle 732"/>
             <p:cNvSpPr/>
             <p:nvPr/>
           </p:nvSpPr>
@@ -10193,7 +10193,7 @@
         </p:sp>
         <p:sp>
           <p:nvSpPr>
-            <p:cNvPr id="3228" name="Isosceles Triangle 3227"/>
+            <p:cNvPr id="734" name="Isosceles Triangle 733"/>
             <p:cNvSpPr/>
             <p:nvPr/>
           </p:nvSpPr>
@@ -10241,7 +10241,7 @@
         </p:sp>
         <p:sp>
           <p:nvSpPr>
-            <p:cNvPr id="3229" name="Isosceles Triangle 3228"/>
+            <p:cNvPr id="735" name="Isosceles Triangle 734"/>
             <p:cNvSpPr/>
             <p:nvPr/>
           </p:nvSpPr>
@@ -10289,7 +10289,7 @@
         </p:sp>
         <p:sp>
           <p:nvSpPr>
-            <p:cNvPr id="3230" name="Isosceles Triangle 3229"/>
+            <p:cNvPr id="736" name="Isosceles Triangle 735"/>
             <p:cNvSpPr/>
             <p:nvPr/>
           </p:nvSpPr>
@@ -10337,7 +10337,7 @@
         </p:sp>
         <p:sp>
           <p:nvSpPr>
-            <p:cNvPr id="3231" name="Isosceles Triangle 3230"/>
+            <p:cNvPr id="737" name="Isosceles Triangle 736"/>
             <p:cNvSpPr/>
             <p:nvPr/>
           </p:nvSpPr>
@@ -10385,7 +10385,7 @@
         </p:sp>
         <p:sp>
           <p:nvSpPr>
-            <p:cNvPr id="3232" name="Isosceles Triangle 3231"/>
+            <p:cNvPr id="738" name="Isosceles Triangle 737"/>
             <p:cNvSpPr/>
             <p:nvPr/>
           </p:nvSpPr>
@@ -10434,13 +10434,13 @@
       </p:grpSp>
       <p:grpSp>
         <p:nvGrpSpPr>
-          <p:cNvPr id="3397" name="Group 3396"/>
+          <p:cNvPr id="903" name="Group 902"/>
           <p:cNvGrpSpPr/>
           <p:nvPr/>
         </p:nvGrpSpPr>
         <p:grpSpPr>
           <a:xfrm>
-            <a:off x="3685316" y="2708880"/>
+            <a:off x="3862740" y="2708880"/>
             <a:ext cx="2392935" cy="3025298"/>
             <a:chOff x="2368517" y="3380052"/>
             <a:chExt cx="2392935" cy="3025298"/>
@@ -10448,7 +10448,7 @@
         </p:grpSpPr>
         <p:grpSp>
           <p:nvGrpSpPr>
-            <p:cNvPr id="3398" name="Group 3397"/>
+            <p:cNvPr id="904" name="Group 903"/>
             <p:cNvGrpSpPr/>
             <p:nvPr/>
           </p:nvGrpSpPr>
@@ -10462,7 +10462,7 @@
           </p:grpSpPr>
           <p:sp>
             <p:nvSpPr>
-              <p:cNvPr id="3576" name="Rectangle 3575"/>
+              <p:cNvPr id="1082" name="Rectangle 1081"/>
               <p:cNvSpPr>
                 <a:spLocks noChangeAspect="1"/>
               </p:cNvSpPr>
@@ -10510,7 +10510,7 @@
           </p:sp>
           <p:cxnSp>
             <p:nvCxnSpPr>
-              <p:cNvPr id="3577" name="Straight Connector 3576"/>
+              <p:cNvPr id="1083" name="Straight Connector 1082"/>
               <p:cNvCxnSpPr/>
               <p:nvPr/>
             </p:nvCxnSpPr>
@@ -10545,7 +10545,7 @@
           </p:cxnSp>
           <p:cxnSp>
             <p:nvCxnSpPr>
-              <p:cNvPr id="3578" name="Straight Connector 3577"/>
+              <p:cNvPr id="1084" name="Straight Connector 1083"/>
               <p:cNvCxnSpPr/>
               <p:nvPr/>
             </p:nvCxnSpPr>
@@ -10580,7 +10580,7 @@
           </p:cxnSp>
           <p:sp>
             <p:nvSpPr>
-              <p:cNvPr id="3579" name="Oval 3578"/>
+              <p:cNvPr id="1085" name="Oval 1084"/>
               <p:cNvSpPr/>
               <p:nvPr/>
             </p:nvSpPr>
@@ -10628,7 +10628,7 @@
           </p:sp>
           <p:sp>
             <p:nvSpPr>
-              <p:cNvPr id="3580" name="Oval 3579"/>
+              <p:cNvPr id="1086" name="Oval 1085"/>
               <p:cNvSpPr/>
               <p:nvPr/>
             </p:nvSpPr>
@@ -10676,7 +10676,7 @@
           </p:sp>
           <p:sp>
             <p:nvSpPr>
-              <p:cNvPr id="3581" name="Oval 3580"/>
+              <p:cNvPr id="1087" name="Oval 1086"/>
               <p:cNvSpPr/>
               <p:nvPr/>
             </p:nvSpPr>
@@ -10724,7 +10724,7 @@
           </p:sp>
           <p:sp>
             <p:nvSpPr>
-              <p:cNvPr id="3582" name="Oval 3581"/>
+              <p:cNvPr id="1088" name="Oval 1087"/>
               <p:cNvSpPr/>
               <p:nvPr/>
             </p:nvSpPr>
@@ -10772,7 +10772,7 @@
           </p:sp>
           <p:sp>
             <p:nvSpPr>
-              <p:cNvPr id="3583" name="Oval 3582"/>
+              <p:cNvPr id="1089" name="Oval 1088"/>
               <p:cNvSpPr/>
               <p:nvPr/>
             </p:nvSpPr>
@@ -10820,7 +10820,7 @@
           </p:sp>
           <p:sp>
             <p:nvSpPr>
-              <p:cNvPr id="3584" name="Oval 3583"/>
+              <p:cNvPr id="1090" name="Oval 1089"/>
               <p:cNvSpPr>
                 <a:spLocks noChangeAspect="1"/>
               </p:cNvSpPr>
@@ -10871,7 +10871,7 @@
         </p:grpSp>
         <p:grpSp>
           <p:nvGrpSpPr>
-            <p:cNvPr id="3399" name="Group 3398"/>
+            <p:cNvPr id="905" name="Group 904"/>
             <p:cNvGrpSpPr/>
             <p:nvPr/>
           </p:nvGrpSpPr>
@@ -10888,7 +10888,7 @@
           </p:grpSpPr>
           <p:sp>
             <p:nvSpPr>
-              <p:cNvPr id="3574" name="Isosceles Triangle 3573"/>
+              <p:cNvPr id="1080" name="Isosceles Triangle 1079"/>
               <p:cNvSpPr/>
               <p:nvPr/>
             </p:nvSpPr>
@@ -10934,7 +10934,7 @@
           </p:sp>
           <p:sp>
             <p:nvSpPr>
-              <p:cNvPr id="3575" name="Oval 3574"/>
+              <p:cNvPr id="1081" name="Oval 1080"/>
               <p:cNvSpPr/>
               <p:nvPr/>
             </p:nvSpPr>
@@ -10981,7 +10981,7 @@
         </p:grpSp>
         <p:grpSp>
           <p:nvGrpSpPr>
-            <p:cNvPr id="3400" name="Group 3399"/>
+            <p:cNvPr id="906" name="Group 905"/>
             <p:cNvGrpSpPr/>
             <p:nvPr/>
           </p:nvGrpSpPr>
@@ -10995,7 +10995,7 @@
           </p:grpSpPr>
           <p:sp>
             <p:nvSpPr>
-              <p:cNvPr id="3565" name="Rectangle 3564"/>
+              <p:cNvPr id="1071" name="Rectangle 1070"/>
               <p:cNvSpPr>
                 <a:spLocks noChangeAspect="1"/>
               </p:cNvSpPr>
@@ -11043,7 +11043,7 @@
           </p:sp>
           <p:cxnSp>
             <p:nvCxnSpPr>
-              <p:cNvPr id="3566" name="Straight Connector 3565"/>
+              <p:cNvPr id="1072" name="Straight Connector 1071"/>
               <p:cNvCxnSpPr/>
               <p:nvPr/>
             </p:nvCxnSpPr>
@@ -11078,7 +11078,7 @@
           </p:cxnSp>
           <p:cxnSp>
             <p:nvCxnSpPr>
-              <p:cNvPr id="3567" name="Straight Connector 3566"/>
+              <p:cNvPr id="1073" name="Straight Connector 1072"/>
               <p:cNvCxnSpPr/>
               <p:nvPr/>
             </p:nvCxnSpPr>
@@ -11113,7 +11113,7 @@
           </p:cxnSp>
           <p:sp>
             <p:nvSpPr>
-              <p:cNvPr id="3568" name="Oval 3567"/>
+              <p:cNvPr id="1074" name="Oval 1073"/>
               <p:cNvSpPr/>
               <p:nvPr/>
             </p:nvSpPr>
@@ -11161,7 +11161,7 @@
           </p:sp>
           <p:sp>
             <p:nvSpPr>
-              <p:cNvPr id="3569" name="Oval 3568"/>
+              <p:cNvPr id="1075" name="Oval 1074"/>
               <p:cNvSpPr/>
               <p:nvPr/>
             </p:nvSpPr>
@@ -11209,7 +11209,7 @@
           </p:sp>
           <p:sp>
             <p:nvSpPr>
-              <p:cNvPr id="3570" name="Oval 3569"/>
+              <p:cNvPr id="1076" name="Oval 1075"/>
               <p:cNvSpPr/>
               <p:nvPr/>
             </p:nvSpPr>
@@ -11257,7 +11257,7 @@
           </p:sp>
           <p:sp>
             <p:nvSpPr>
-              <p:cNvPr id="3571" name="Oval 3570"/>
+              <p:cNvPr id="1077" name="Oval 1076"/>
               <p:cNvSpPr/>
               <p:nvPr/>
             </p:nvSpPr>
@@ -11305,7 +11305,7 @@
           </p:sp>
           <p:sp>
             <p:nvSpPr>
-              <p:cNvPr id="3572" name="Oval 3571"/>
+              <p:cNvPr id="1078" name="Oval 1077"/>
               <p:cNvSpPr/>
               <p:nvPr/>
             </p:nvSpPr>
@@ -11353,7 +11353,7 @@
           </p:sp>
           <p:sp>
             <p:nvSpPr>
-              <p:cNvPr id="3573" name="Oval 3572"/>
+              <p:cNvPr id="1079" name="Oval 1078"/>
               <p:cNvSpPr>
                 <a:spLocks noChangeAspect="1"/>
               </p:cNvSpPr>
@@ -11404,7 +11404,7 @@
         </p:grpSp>
         <p:grpSp>
           <p:nvGrpSpPr>
-            <p:cNvPr id="3401" name="Group 3400"/>
+            <p:cNvPr id="907" name="Group 906"/>
             <p:cNvGrpSpPr/>
             <p:nvPr/>
           </p:nvGrpSpPr>
@@ -11418,7 +11418,7 @@
           </p:grpSpPr>
           <p:sp>
             <p:nvSpPr>
-              <p:cNvPr id="3556" name="Rectangle 3555"/>
+              <p:cNvPr id="1062" name="Rectangle 1061"/>
               <p:cNvSpPr>
                 <a:spLocks noChangeAspect="1"/>
               </p:cNvSpPr>
@@ -11466,7 +11466,7 @@
           </p:sp>
           <p:cxnSp>
             <p:nvCxnSpPr>
-              <p:cNvPr id="3557" name="Straight Connector 3556"/>
+              <p:cNvPr id="1063" name="Straight Connector 1062"/>
               <p:cNvCxnSpPr/>
               <p:nvPr/>
             </p:nvCxnSpPr>
@@ -11501,7 +11501,7 @@
           </p:cxnSp>
           <p:cxnSp>
             <p:nvCxnSpPr>
-              <p:cNvPr id="3558" name="Straight Connector 3557"/>
+              <p:cNvPr id="1064" name="Straight Connector 1063"/>
               <p:cNvCxnSpPr/>
               <p:nvPr/>
             </p:nvCxnSpPr>
@@ -11536,7 +11536,7 @@
           </p:cxnSp>
           <p:sp>
             <p:nvSpPr>
-              <p:cNvPr id="3559" name="Oval 3558"/>
+              <p:cNvPr id="1065" name="Oval 1064"/>
               <p:cNvSpPr/>
               <p:nvPr/>
             </p:nvSpPr>
@@ -11584,7 +11584,7 @@
           </p:sp>
           <p:sp>
             <p:nvSpPr>
-              <p:cNvPr id="3560" name="Oval 3559"/>
+              <p:cNvPr id="1066" name="Oval 1065"/>
               <p:cNvSpPr/>
               <p:nvPr/>
             </p:nvSpPr>
@@ -11632,7 +11632,7 @@
           </p:sp>
           <p:sp>
             <p:nvSpPr>
-              <p:cNvPr id="3561" name="Oval 3560"/>
+              <p:cNvPr id="1067" name="Oval 1066"/>
               <p:cNvSpPr/>
               <p:nvPr/>
             </p:nvSpPr>
@@ -11680,7 +11680,7 @@
           </p:sp>
           <p:sp>
             <p:nvSpPr>
-              <p:cNvPr id="3562" name="Oval 3561"/>
+              <p:cNvPr id="1068" name="Oval 1067"/>
               <p:cNvSpPr/>
               <p:nvPr/>
             </p:nvSpPr>
@@ -11728,7 +11728,7 @@
           </p:sp>
           <p:sp>
             <p:nvSpPr>
-              <p:cNvPr id="3563" name="Oval 3562"/>
+              <p:cNvPr id="1069" name="Oval 1068"/>
               <p:cNvSpPr/>
               <p:nvPr/>
             </p:nvSpPr>
@@ -11776,7 +11776,7 @@
           </p:sp>
           <p:sp>
             <p:nvSpPr>
-              <p:cNvPr id="3564" name="Oval 3563"/>
+              <p:cNvPr id="1070" name="Oval 1069"/>
               <p:cNvSpPr>
                 <a:spLocks noChangeAspect="1"/>
               </p:cNvSpPr>
@@ -11827,7 +11827,7 @@
         </p:grpSp>
         <p:grpSp>
           <p:nvGrpSpPr>
-            <p:cNvPr id="3402" name="Group 3401"/>
+            <p:cNvPr id="908" name="Group 907"/>
             <p:cNvGrpSpPr/>
             <p:nvPr/>
           </p:nvGrpSpPr>
@@ -11841,7 +11841,7 @@
           </p:grpSpPr>
           <p:sp>
             <p:nvSpPr>
-              <p:cNvPr id="3547" name="Rectangle 3546"/>
+              <p:cNvPr id="1053" name="Rectangle 1052"/>
               <p:cNvSpPr>
                 <a:spLocks noChangeAspect="1"/>
               </p:cNvSpPr>
@@ -11889,7 +11889,7 @@
           </p:sp>
           <p:cxnSp>
             <p:nvCxnSpPr>
-              <p:cNvPr id="3548" name="Straight Connector 3547"/>
+              <p:cNvPr id="1054" name="Straight Connector 1053"/>
               <p:cNvCxnSpPr/>
               <p:nvPr/>
             </p:nvCxnSpPr>
@@ -11924,7 +11924,7 @@
           </p:cxnSp>
           <p:cxnSp>
             <p:nvCxnSpPr>
-              <p:cNvPr id="3549" name="Straight Connector 3548"/>
+              <p:cNvPr id="1055" name="Straight Connector 1054"/>
               <p:cNvCxnSpPr/>
               <p:nvPr/>
             </p:nvCxnSpPr>
@@ -11959,7 +11959,7 @@
           </p:cxnSp>
           <p:sp>
             <p:nvSpPr>
-              <p:cNvPr id="3550" name="Oval 3549"/>
+              <p:cNvPr id="1056" name="Oval 1055"/>
               <p:cNvSpPr/>
               <p:nvPr/>
             </p:nvSpPr>
@@ -12007,7 +12007,7 @@
           </p:sp>
           <p:sp>
             <p:nvSpPr>
-              <p:cNvPr id="3551" name="Oval 3550"/>
+              <p:cNvPr id="1057" name="Oval 1056"/>
               <p:cNvSpPr/>
               <p:nvPr/>
             </p:nvSpPr>
@@ -12055,7 +12055,7 @@
           </p:sp>
           <p:sp>
             <p:nvSpPr>
-              <p:cNvPr id="3552" name="Oval 3551"/>
+              <p:cNvPr id="1058" name="Oval 1057"/>
               <p:cNvSpPr/>
               <p:nvPr/>
             </p:nvSpPr>
@@ -12103,7 +12103,7 @@
           </p:sp>
           <p:sp>
             <p:nvSpPr>
-              <p:cNvPr id="3553" name="Oval 3552"/>
+              <p:cNvPr id="1059" name="Oval 1058"/>
               <p:cNvSpPr/>
               <p:nvPr/>
             </p:nvSpPr>
@@ -12151,7 +12151,7 @@
           </p:sp>
           <p:sp>
             <p:nvSpPr>
-              <p:cNvPr id="3554" name="Oval 3553"/>
+              <p:cNvPr id="1060" name="Oval 1059"/>
               <p:cNvSpPr/>
               <p:nvPr/>
             </p:nvSpPr>
@@ -12199,7 +12199,7 @@
           </p:sp>
           <p:sp>
             <p:nvSpPr>
-              <p:cNvPr id="3555" name="Oval 3554"/>
+              <p:cNvPr id="1061" name="Oval 1060"/>
               <p:cNvSpPr>
                 <a:spLocks noChangeAspect="1"/>
               </p:cNvSpPr>
@@ -12250,7 +12250,7 @@
         </p:grpSp>
         <p:grpSp>
           <p:nvGrpSpPr>
-            <p:cNvPr id="3403" name="Group 3402"/>
+            <p:cNvPr id="909" name="Group 908"/>
             <p:cNvGrpSpPr/>
             <p:nvPr/>
           </p:nvGrpSpPr>
@@ -12267,7 +12267,7 @@
           </p:grpSpPr>
           <p:sp>
             <p:nvSpPr>
-              <p:cNvPr id="3545" name="Isosceles Triangle 3544"/>
+              <p:cNvPr id="1051" name="Isosceles Triangle 1050"/>
               <p:cNvSpPr/>
               <p:nvPr/>
             </p:nvSpPr>
@@ -12313,7 +12313,7 @@
           </p:sp>
           <p:sp>
             <p:nvSpPr>
-              <p:cNvPr id="3546" name="Oval 3545"/>
+              <p:cNvPr id="1052" name="Oval 1051"/>
               <p:cNvSpPr/>
               <p:nvPr/>
             </p:nvSpPr>
@@ -12360,7 +12360,7 @@
         </p:grpSp>
         <p:grpSp>
           <p:nvGrpSpPr>
-            <p:cNvPr id="3404" name="Group 3403"/>
+            <p:cNvPr id="910" name="Group 909"/>
             <p:cNvGrpSpPr/>
             <p:nvPr/>
           </p:nvGrpSpPr>
@@ -12377,7 +12377,7 @@
           </p:grpSpPr>
           <p:sp>
             <p:nvSpPr>
-              <p:cNvPr id="3543" name="Isosceles Triangle 3542"/>
+              <p:cNvPr id="1049" name="Isosceles Triangle 1048"/>
               <p:cNvSpPr/>
               <p:nvPr/>
             </p:nvSpPr>
@@ -12423,7 +12423,7 @@
           </p:sp>
           <p:sp>
             <p:nvSpPr>
-              <p:cNvPr id="3544" name="Oval 3543"/>
+              <p:cNvPr id="1050" name="Oval 1049"/>
               <p:cNvSpPr/>
               <p:nvPr/>
             </p:nvSpPr>
@@ -12470,7 +12470,7 @@
         </p:grpSp>
         <p:grpSp>
           <p:nvGrpSpPr>
-            <p:cNvPr id="3405" name="Group 3404"/>
+            <p:cNvPr id="911" name="Group 910"/>
             <p:cNvGrpSpPr/>
             <p:nvPr/>
           </p:nvGrpSpPr>
@@ -12487,7 +12487,7 @@
           </p:grpSpPr>
           <p:sp>
             <p:nvSpPr>
-              <p:cNvPr id="3541" name="Isosceles Triangle 3540"/>
+              <p:cNvPr id="1047" name="Isosceles Triangle 1046"/>
               <p:cNvSpPr/>
               <p:nvPr/>
             </p:nvSpPr>
@@ -12533,7 +12533,7 @@
           </p:sp>
           <p:sp>
             <p:nvSpPr>
-              <p:cNvPr id="3542" name="Oval 3541"/>
+              <p:cNvPr id="1048" name="Oval 1047"/>
               <p:cNvSpPr/>
               <p:nvPr/>
             </p:nvSpPr>
@@ -12580,7 +12580,7 @@
         </p:grpSp>
         <p:grpSp>
           <p:nvGrpSpPr>
-            <p:cNvPr id="3406" name="Group 3405"/>
+            <p:cNvPr id="912" name="Group 911"/>
             <p:cNvGrpSpPr/>
             <p:nvPr/>
           </p:nvGrpSpPr>
@@ -12594,7 +12594,7 @@
           </p:grpSpPr>
           <p:grpSp>
             <p:nvGrpSpPr>
-              <p:cNvPr id="3501" name="Group 3500"/>
+              <p:cNvPr id="1007" name="Group 1006"/>
               <p:cNvGrpSpPr/>
               <p:nvPr/>
             </p:nvGrpSpPr>
@@ -12608,7 +12608,7 @@
             </p:grpSpPr>
             <p:sp>
               <p:nvSpPr>
-                <p:cNvPr id="3532" name="Rectangle 3531"/>
+                <p:cNvPr id="1038" name="Rectangle 1037"/>
                 <p:cNvSpPr>
                   <a:spLocks noChangeAspect="1"/>
                 </p:cNvSpPr>
@@ -12656,7 +12656,7 @@
             </p:sp>
             <p:cxnSp>
               <p:nvCxnSpPr>
-                <p:cNvPr id="3533" name="Straight Connector 3532"/>
+                <p:cNvPr id="1039" name="Straight Connector 1038"/>
                 <p:cNvCxnSpPr/>
                 <p:nvPr/>
               </p:nvCxnSpPr>
@@ -12691,7 +12691,7 @@
             </p:cxnSp>
             <p:cxnSp>
               <p:nvCxnSpPr>
-                <p:cNvPr id="3534" name="Straight Connector 3533"/>
+                <p:cNvPr id="1040" name="Straight Connector 1039"/>
                 <p:cNvCxnSpPr/>
                 <p:nvPr/>
               </p:nvCxnSpPr>
@@ -12726,7 +12726,7 @@
             </p:cxnSp>
             <p:sp>
               <p:nvSpPr>
-                <p:cNvPr id="3535" name="Oval 3534"/>
+                <p:cNvPr id="1041" name="Oval 1040"/>
                 <p:cNvSpPr/>
                 <p:nvPr/>
               </p:nvSpPr>
@@ -12774,7 +12774,7 @@
             </p:sp>
             <p:sp>
               <p:nvSpPr>
-                <p:cNvPr id="3536" name="Oval 3535"/>
+                <p:cNvPr id="1042" name="Oval 1041"/>
                 <p:cNvSpPr/>
                 <p:nvPr/>
               </p:nvSpPr>
@@ -12822,7 +12822,7 @@
             </p:sp>
             <p:sp>
               <p:nvSpPr>
-                <p:cNvPr id="3537" name="Oval 3536"/>
+                <p:cNvPr id="1043" name="Oval 1042"/>
                 <p:cNvSpPr/>
                 <p:nvPr/>
               </p:nvSpPr>
@@ -12870,7 +12870,7 @@
             </p:sp>
             <p:sp>
               <p:nvSpPr>
-                <p:cNvPr id="3538" name="Oval 3537"/>
+                <p:cNvPr id="1044" name="Oval 1043"/>
                 <p:cNvSpPr/>
                 <p:nvPr/>
               </p:nvSpPr>
@@ -12918,7 +12918,7 @@
             </p:sp>
             <p:sp>
               <p:nvSpPr>
-                <p:cNvPr id="3539" name="Oval 3538"/>
+                <p:cNvPr id="1045" name="Oval 1044"/>
                 <p:cNvSpPr/>
                 <p:nvPr/>
               </p:nvSpPr>
@@ -12966,7 +12966,7 @@
             </p:sp>
             <p:sp>
               <p:nvSpPr>
-                <p:cNvPr id="3540" name="Oval 3539"/>
+                <p:cNvPr id="1046" name="Oval 1045"/>
                 <p:cNvSpPr>
                   <a:spLocks noChangeAspect="1"/>
                 </p:cNvSpPr>
@@ -13017,7 +13017,7 @@
           </p:grpSp>
           <p:grpSp>
             <p:nvGrpSpPr>
-              <p:cNvPr id="3502" name="Group 3501"/>
+              <p:cNvPr id="1008" name="Group 1007"/>
               <p:cNvGrpSpPr/>
               <p:nvPr/>
             </p:nvGrpSpPr>
@@ -13031,7 +13031,7 @@
             </p:grpSpPr>
             <p:sp>
               <p:nvSpPr>
-                <p:cNvPr id="3523" name="Rectangle 3522"/>
+                <p:cNvPr id="1029" name="Rectangle 1028"/>
                 <p:cNvSpPr>
                   <a:spLocks noChangeAspect="1"/>
                 </p:cNvSpPr>
@@ -13079,7 +13079,7 @@
             </p:sp>
             <p:cxnSp>
               <p:nvCxnSpPr>
-                <p:cNvPr id="3524" name="Straight Connector 3523"/>
+                <p:cNvPr id="1030" name="Straight Connector 1029"/>
                 <p:cNvCxnSpPr/>
                 <p:nvPr/>
               </p:nvCxnSpPr>
@@ -13114,7 +13114,7 @@
             </p:cxnSp>
             <p:cxnSp>
               <p:nvCxnSpPr>
-                <p:cNvPr id="3525" name="Straight Connector 3524"/>
+                <p:cNvPr id="1031" name="Straight Connector 1030"/>
                 <p:cNvCxnSpPr/>
                 <p:nvPr/>
               </p:nvCxnSpPr>
@@ -13149,7 +13149,7 @@
             </p:cxnSp>
             <p:sp>
               <p:nvSpPr>
-                <p:cNvPr id="3526" name="Oval 3525"/>
+                <p:cNvPr id="1032" name="Oval 1031"/>
                 <p:cNvSpPr/>
                 <p:nvPr/>
               </p:nvSpPr>
@@ -13197,7 +13197,7 @@
             </p:sp>
             <p:sp>
               <p:nvSpPr>
-                <p:cNvPr id="3527" name="Oval 3526"/>
+                <p:cNvPr id="1033" name="Oval 1032"/>
                 <p:cNvSpPr/>
                 <p:nvPr/>
               </p:nvSpPr>
@@ -13245,7 +13245,7 @@
             </p:sp>
             <p:sp>
               <p:nvSpPr>
-                <p:cNvPr id="3528" name="Oval 3527"/>
+                <p:cNvPr id="1034" name="Oval 1033"/>
                 <p:cNvSpPr/>
                 <p:nvPr/>
               </p:nvSpPr>
@@ -13293,7 +13293,7 @@
             </p:sp>
             <p:sp>
               <p:nvSpPr>
-                <p:cNvPr id="3529" name="Oval 3528"/>
+                <p:cNvPr id="1035" name="Oval 1034"/>
                 <p:cNvSpPr/>
                 <p:nvPr/>
               </p:nvSpPr>
@@ -13341,7 +13341,7 @@
             </p:sp>
             <p:sp>
               <p:nvSpPr>
-                <p:cNvPr id="3530" name="Oval 3529"/>
+                <p:cNvPr id="1036" name="Oval 1035"/>
                 <p:cNvSpPr/>
                 <p:nvPr/>
               </p:nvSpPr>
@@ -13389,7 +13389,7 @@
             </p:sp>
             <p:sp>
               <p:nvSpPr>
-                <p:cNvPr id="3531" name="Oval 3530"/>
+                <p:cNvPr id="1037" name="Oval 1036"/>
                 <p:cNvSpPr>
                   <a:spLocks noChangeAspect="1"/>
                 </p:cNvSpPr>
@@ -13440,7 +13440,7 @@
           </p:grpSp>
           <p:grpSp>
             <p:nvGrpSpPr>
-              <p:cNvPr id="3503" name="Group 3502"/>
+              <p:cNvPr id="1009" name="Group 1008"/>
               <p:cNvGrpSpPr/>
               <p:nvPr/>
             </p:nvGrpSpPr>
@@ -13454,7 +13454,7 @@
             </p:grpSpPr>
             <p:sp>
               <p:nvSpPr>
-                <p:cNvPr id="3514" name="Rectangle 3513"/>
+                <p:cNvPr id="1020" name="Rectangle 1019"/>
                 <p:cNvSpPr>
                   <a:spLocks noChangeAspect="1"/>
                 </p:cNvSpPr>
@@ -13502,7 +13502,7 @@
             </p:sp>
             <p:cxnSp>
               <p:nvCxnSpPr>
-                <p:cNvPr id="3515" name="Straight Connector 3514"/>
+                <p:cNvPr id="1021" name="Straight Connector 1020"/>
                 <p:cNvCxnSpPr/>
                 <p:nvPr/>
               </p:nvCxnSpPr>
@@ -13537,7 +13537,7 @@
             </p:cxnSp>
             <p:cxnSp>
               <p:nvCxnSpPr>
-                <p:cNvPr id="3516" name="Straight Connector 3515"/>
+                <p:cNvPr id="1022" name="Straight Connector 1021"/>
                 <p:cNvCxnSpPr/>
                 <p:nvPr/>
               </p:nvCxnSpPr>
@@ -13572,7 +13572,7 @@
             </p:cxnSp>
             <p:sp>
               <p:nvSpPr>
-                <p:cNvPr id="3517" name="Oval 3516"/>
+                <p:cNvPr id="1023" name="Oval 1022"/>
                 <p:cNvSpPr/>
                 <p:nvPr/>
               </p:nvSpPr>
@@ -13620,7 +13620,7 @@
             </p:sp>
             <p:sp>
               <p:nvSpPr>
-                <p:cNvPr id="3518" name="Oval 3517"/>
+                <p:cNvPr id="1024" name="Oval 1023"/>
                 <p:cNvSpPr/>
                 <p:nvPr/>
               </p:nvSpPr>
@@ -13668,7 +13668,7 @@
             </p:sp>
             <p:sp>
               <p:nvSpPr>
-                <p:cNvPr id="3519" name="Oval 3518"/>
+                <p:cNvPr id="1025" name="Oval 1024"/>
                 <p:cNvSpPr/>
                 <p:nvPr/>
               </p:nvSpPr>
@@ -13716,7 +13716,7 @@
             </p:sp>
             <p:sp>
               <p:nvSpPr>
-                <p:cNvPr id="3520" name="Oval 3519"/>
+                <p:cNvPr id="1026" name="Oval 1025"/>
                 <p:cNvSpPr/>
                 <p:nvPr/>
               </p:nvSpPr>
@@ -13764,7 +13764,7 @@
             </p:sp>
             <p:sp>
               <p:nvSpPr>
-                <p:cNvPr id="3521" name="Oval 3520"/>
+                <p:cNvPr id="1027" name="Oval 1026"/>
                 <p:cNvSpPr/>
                 <p:nvPr/>
               </p:nvSpPr>
@@ -13812,7 +13812,7 @@
             </p:sp>
             <p:sp>
               <p:nvSpPr>
-                <p:cNvPr id="3522" name="Oval 3521"/>
+                <p:cNvPr id="1028" name="Oval 1027"/>
                 <p:cNvSpPr>
                   <a:spLocks noChangeAspect="1"/>
                 </p:cNvSpPr>
@@ -13863,7 +13863,7 @@
           </p:grpSp>
           <p:grpSp>
             <p:nvGrpSpPr>
-              <p:cNvPr id="3504" name="Group 3503"/>
+              <p:cNvPr id="1010" name="Group 1009"/>
               <p:cNvGrpSpPr/>
               <p:nvPr/>
             </p:nvGrpSpPr>
@@ -13877,7 +13877,7 @@
             </p:grpSpPr>
             <p:sp>
               <p:nvSpPr>
-                <p:cNvPr id="3505" name="Rectangle 3504"/>
+                <p:cNvPr id="1011" name="Rectangle 1010"/>
                 <p:cNvSpPr>
                   <a:spLocks noChangeAspect="1"/>
                 </p:cNvSpPr>
@@ -13925,7 +13925,7 @@
             </p:sp>
             <p:cxnSp>
               <p:nvCxnSpPr>
-                <p:cNvPr id="3506" name="Straight Connector 3505"/>
+                <p:cNvPr id="1012" name="Straight Connector 1011"/>
                 <p:cNvCxnSpPr/>
                 <p:nvPr/>
               </p:nvCxnSpPr>
@@ -13960,7 +13960,7 @@
             </p:cxnSp>
             <p:cxnSp>
               <p:nvCxnSpPr>
-                <p:cNvPr id="3507" name="Straight Connector 3506"/>
+                <p:cNvPr id="1013" name="Straight Connector 1012"/>
                 <p:cNvCxnSpPr/>
                 <p:nvPr/>
               </p:nvCxnSpPr>
@@ -13995,7 +13995,7 @@
             </p:cxnSp>
             <p:sp>
               <p:nvSpPr>
-                <p:cNvPr id="3508" name="Oval 3507"/>
+                <p:cNvPr id="1014" name="Oval 1013"/>
                 <p:cNvSpPr/>
                 <p:nvPr/>
               </p:nvSpPr>
@@ -14043,7 +14043,7 @@
             </p:sp>
             <p:sp>
               <p:nvSpPr>
-                <p:cNvPr id="3509" name="Oval 3508"/>
+                <p:cNvPr id="1015" name="Oval 1014"/>
                 <p:cNvSpPr/>
                 <p:nvPr/>
               </p:nvSpPr>
@@ -14091,7 +14091,7 @@
             </p:sp>
             <p:sp>
               <p:nvSpPr>
-                <p:cNvPr id="3510" name="Oval 3509"/>
+                <p:cNvPr id="1016" name="Oval 1015"/>
                 <p:cNvSpPr/>
                 <p:nvPr/>
               </p:nvSpPr>
@@ -14139,7 +14139,7 @@
             </p:sp>
             <p:sp>
               <p:nvSpPr>
-                <p:cNvPr id="3511" name="Oval 3510"/>
+                <p:cNvPr id="1017" name="Oval 1016"/>
                 <p:cNvSpPr/>
                 <p:nvPr/>
               </p:nvSpPr>
@@ -14187,7 +14187,7 @@
             </p:sp>
             <p:sp>
               <p:nvSpPr>
-                <p:cNvPr id="3512" name="Oval 3511"/>
+                <p:cNvPr id="1018" name="Oval 1017"/>
                 <p:cNvSpPr/>
                 <p:nvPr/>
               </p:nvSpPr>
@@ -14235,7 +14235,7 @@
             </p:sp>
             <p:sp>
               <p:nvSpPr>
-                <p:cNvPr id="3513" name="Oval 3512"/>
+                <p:cNvPr id="1019" name="Oval 1018"/>
                 <p:cNvSpPr>
                   <a:spLocks noChangeAspect="1"/>
                 </p:cNvSpPr>
@@ -14287,7 +14287,7 @@
         </p:grpSp>
         <p:grpSp>
           <p:nvGrpSpPr>
-            <p:cNvPr id="3407" name="Group 3406"/>
+            <p:cNvPr id="913" name="Group 912"/>
             <p:cNvGrpSpPr/>
             <p:nvPr/>
           </p:nvGrpSpPr>
@@ -14301,7 +14301,7 @@
           </p:grpSpPr>
           <p:grpSp>
             <p:nvGrpSpPr>
-              <p:cNvPr id="3461" name="Group 3460"/>
+              <p:cNvPr id="967" name="Group 966"/>
               <p:cNvGrpSpPr/>
               <p:nvPr/>
             </p:nvGrpSpPr>
@@ -14315,7 +14315,7 @@
             </p:grpSpPr>
             <p:sp>
               <p:nvSpPr>
-                <p:cNvPr id="3492" name="Rectangle 3491"/>
+                <p:cNvPr id="998" name="Rectangle 997"/>
                 <p:cNvSpPr>
                   <a:spLocks noChangeAspect="1"/>
                 </p:cNvSpPr>
@@ -14363,7 +14363,7 @@
             </p:sp>
             <p:cxnSp>
               <p:nvCxnSpPr>
-                <p:cNvPr id="3493" name="Straight Connector 3492"/>
+                <p:cNvPr id="999" name="Straight Connector 998"/>
                 <p:cNvCxnSpPr/>
                 <p:nvPr/>
               </p:nvCxnSpPr>
@@ -14398,7 +14398,7 @@
             </p:cxnSp>
             <p:cxnSp>
               <p:nvCxnSpPr>
-                <p:cNvPr id="3494" name="Straight Connector 3493"/>
+                <p:cNvPr id="1000" name="Straight Connector 999"/>
                 <p:cNvCxnSpPr/>
                 <p:nvPr/>
               </p:nvCxnSpPr>
@@ -14433,7 +14433,7 @@
             </p:cxnSp>
             <p:sp>
               <p:nvSpPr>
-                <p:cNvPr id="3495" name="Oval 3494"/>
+                <p:cNvPr id="1001" name="Oval 1000"/>
                 <p:cNvSpPr/>
                 <p:nvPr/>
               </p:nvSpPr>
@@ -14481,7 +14481,7 @@
             </p:sp>
             <p:sp>
               <p:nvSpPr>
-                <p:cNvPr id="3496" name="Oval 3495"/>
+                <p:cNvPr id="1002" name="Oval 1001"/>
                 <p:cNvSpPr/>
                 <p:nvPr/>
               </p:nvSpPr>
@@ -14529,7 +14529,7 @@
             </p:sp>
             <p:sp>
               <p:nvSpPr>
-                <p:cNvPr id="3497" name="Oval 3496"/>
+                <p:cNvPr id="1003" name="Oval 1002"/>
                 <p:cNvSpPr/>
                 <p:nvPr/>
               </p:nvSpPr>
@@ -14577,7 +14577,7 @@
             </p:sp>
             <p:sp>
               <p:nvSpPr>
-                <p:cNvPr id="3498" name="Oval 3497"/>
+                <p:cNvPr id="1004" name="Oval 1003"/>
                 <p:cNvSpPr/>
                 <p:nvPr/>
               </p:nvSpPr>
@@ -14625,7 +14625,7 @@
             </p:sp>
             <p:sp>
               <p:nvSpPr>
-                <p:cNvPr id="3499" name="Oval 3498"/>
+                <p:cNvPr id="1005" name="Oval 1004"/>
                 <p:cNvSpPr/>
                 <p:nvPr/>
               </p:nvSpPr>
@@ -14673,7 +14673,7 @@
             </p:sp>
             <p:sp>
               <p:nvSpPr>
-                <p:cNvPr id="3500" name="Oval 3499"/>
+                <p:cNvPr id="1006" name="Oval 1005"/>
                 <p:cNvSpPr>
                   <a:spLocks noChangeAspect="1"/>
                 </p:cNvSpPr>
@@ -14724,7 +14724,7 @@
           </p:grpSp>
           <p:grpSp>
             <p:nvGrpSpPr>
-              <p:cNvPr id="3462" name="Group 3461"/>
+              <p:cNvPr id="968" name="Group 967"/>
               <p:cNvGrpSpPr/>
               <p:nvPr/>
             </p:nvGrpSpPr>
@@ -14738,7 +14738,7 @@
             </p:grpSpPr>
             <p:sp>
               <p:nvSpPr>
-                <p:cNvPr id="3483" name="Rectangle 3482"/>
+                <p:cNvPr id="989" name="Rectangle 988"/>
                 <p:cNvSpPr>
                   <a:spLocks noChangeAspect="1"/>
                 </p:cNvSpPr>
@@ -14786,7 +14786,7 @@
             </p:sp>
             <p:cxnSp>
               <p:nvCxnSpPr>
-                <p:cNvPr id="3484" name="Straight Connector 3483"/>
+                <p:cNvPr id="990" name="Straight Connector 989"/>
                 <p:cNvCxnSpPr/>
                 <p:nvPr/>
               </p:nvCxnSpPr>
@@ -14821,7 +14821,7 @@
             </p:cxnSp>
             <p:cxnSp>
               <p:nvCxnSpPr>
-                <p:cNvPr id="3485" name="Straight Connector 3484"/>
+                <p:cNvPr id="991" name="Straight Connector 990"/>
                 <p:cNvCxnSpPr/>
                 <p:nvPr/>
               </p:nvCxnSpPr>
@@ -14856,7 +14856,7 @@
             </p:cxnSp>
             <p:sp>
               <p:nvSpPr>
-                <p:cNvPr id="3486" name="Oval 3485"/>
+                <p:cNvPr id="992" name="Oval 991"/>
                 <p:cNvSpPr/>
                 <p:nvPr/>
               </p:nvSpPr>
@@ -14904,7 +14904,7 @@
             </p:sp>
             <p:sp>
               <p:nvSpPr>
-                <p:cNvPr id="3487" name="Oval 3486"/>
+                <p:cNvPr id="993" name="Oval 992"/>
                 <p:cNvSpPr/>
                 <p:nvPr/>
               </p:nvSpPr>
@@ -14952,7 +14952,7 @@
             </p:sp>
             <p:sp>
               <p:nvSpPr>
-                <p:cNvPr id="3488" name="Oval 3487"/>
+                <p:cNvPr id="994" name="Oval 993"/>
                 <p:cNvSpPr/>
                 <p:nvPr/>
               </p:nvSpPr>
@@ -15000,7 +15000,7 @@
             </p:sp>
             <p:sp>
               <p:nvSpPr>
-                <p:cNvPr id="3489" name="Oval 3488"/>
+                <p:cNvPr id="995" name="Oval 994"/>
                 <p:cNvSpPr/>
                 <p:nvPr/>
               </p:nvSpPr>
@@ -15048,7 +15048,7 @@
             </p:sp>
             <p:sp>
               <p:nvSpPr>
-                <p:cNvPr id="3490" name="Oval 3489"/>
+                <p:cNvPr id="996" name="Oval 995"/>
                 <p:cNvSpPr/>
                 <p:nvPr/>
               </p:nvSpPr>
@@ -15096,7 +15096,7 @@
             </p:sp>
             <p:sp>
               <p:nvSpPr>
-                <p:cNvPr id="3491" name="Oval 3490"/>
+                <p:cNvPr id="997" name="Oval 996"/>
                 <p:cNvSpPr>
                   <a:spLocks noChangeAspect="1"/>
                 </p:cNvSpPr>
@@ -15147,7 +15147,7 @@
           </p:grpSp>
           <p:grpSp>
             <p:nvGrpSpPr>
-              <p:cNvPr id="3463" name="Group 3462"/>
+              <p:cNvPr id="969" name="Group 968"/>
               <p:cNvGrpSpPr/>
               <p:nvPr/>
             </p:nvGrpSpPr>
@@ -15161,7 +15161,7 @@
             </p:grpSpPr>
             <p:sp>
               <p:nvSpPr>
-                <p:cNvPr id="3474" name="Rectangle 3473"/>
+                <p:cNvPr id="980" name="Rectangle 979"/>
                 <p:cNvSpPr>
                   <a:spLocks noChangeAspect="1"/>
                 </p:cNvSpPr>
@@ -15209,7 +15209,7 @@
             </p:sp>
             <p:cxnSp>
               <p:nvCxnSpPr>
-                <p:cNvPr id="3475" name="Straight Connector 3474"/>
+                <p:cNvPr id="981" name="Straight Connector 980"/>
                 <p:cNvCxnSpPr/>
                 <p:nvPr/>
               </p:nvCxnSpPr>
@@ -15244,7 +15244,7 @@
             </p:cxnSp>
             <p:cxnSp>
               <p:nvCxnSpPr>
-                <p:cNvPr id="3476" name="Straight Connector 3475"/>
+                <p:cNvPr id="982" name="Straight Connector 981"/>
                 <p:cNvCxnSpPr/>
                 <p:nvPr/>
               </p:nvCxnSpPr>
@@ -15279,7 +15279,7 @@
             </p:cxnSp>
             <p:sp>
               <p:nvSpPr>
-                <p:cNvPr id="3477" name="Oval 3476"/>
+                <p:cNvPr id="983" name="Oval 982"/>
                 <p:cNvSpPr/>
                 <p:nvPr/>
               </p:nvSpPr>
@@ -15327,7 +15327,7 @@
             </p:sp>
             <p:sp>
               <p:nvSpPr>
-                <p:cNvPr id="3478" name="Oval 3477"/>
+                <p:cNvPr id="984" name="Oval 983"/>
                 <p:cNvSpPr/>
                 <p:nvPr/>
               </p:nvSpPr>
@@ -15375,7 +15375,7 @@
             </p:sp>
             <p:sp>
               <p:nvSpPr>
-                <p:cNvPr id="3479" name="Oval 3478"/>
+                <p:cNvPr id="985" name="Oval 984"/>
                 <p:cNvSpPr/>
                 <p:nvPr/>
               </p:nvSpPr>
@@ -15423,7 +15423,7 @@
             </p:sp>
             <p:sp>
               <p:nvSpPr>
-                <p:cNvPr id="3480" name="Oval 3479"/>
+                <p:cNvPr id="986" name="Oval 985"/>
                 <p:cNvSpPr/>
                 <p:nvPr/>
               </p:nvSpPr>
@@ -15471,7 +15471,7 @@
             </p:sp>
             <p:sp>
               <p:nvSpPr>
-                <p:cNvPr id="3481" name="Oval 3480"/>
+                <p:cNvPr id="987" name="Oval 986"/>
                 <p:cNvSpPr/>
                 <p:nvPr/>
               </p:nvSpPr>
@@ -15519,7 +15519,7 @@
             </p:sp>
             <p:sp>
               <p:nvSpPr>
-                <p:cNvPr id="3482" name="Oval 3481"/>
+                <p:cNvPr id="988" name="Oval 987"/>
                 <p:cNvSpPr>
                   <a:spLocks noChangeAspect="1"/>
                 </p:cNvSpPr>
@@ -15570,7 +15570,7 @@
           </p:grpSp>
           <p:grpSp>
             <p:nvGrpSpPr>
-              <p:cNvPr id="3464" name="Group 3463"/>
+              <p:cNvPr id="970" name="Group 969"/>
               <p:cNvGrpSpPr/>
               <p:nvPr/>
             </p:nvGrpSpPr>
@@ -15584,7 +15584,7 @@
             </p:grpSpPr>
             <p:sp>
               <p:nvSpPr>
-                <p:cNvPr id="3465" name="Rectangle 3464"/>
+                <p:cNvPr id="971" name="Rectangle 970"/>
                 <p:cNvSpPr>
                   <a:spLocks noChangeAspect="1"/>
                 </p:cNvSpPr>
@@ -15632,7 +15632,7 @@
             </p:sp>
             <p:cxnSp>
               <p:nvCxnSpPr>
-                <p:cNvPr id="3466" name="Straight Connector 3465"/>
+                <p:cNvPr id="972" name="Straight Connector 971"/>
                 <p:cNvCxnSpPr/>
                 <p:nvPr/>
               </p:nvCxnSpPr>
@@ -15667,7 +15667,7 @@
             </p:cxnSp>
             <p:cxnSp>
               <p:nvCxnSpPr>
-                <p:cNvPr id="3467" name="Straight Connector 3466"/>
+                <p:cNvPr id="973" name="Straight Connector 972"/>
                 <p:cNvCxnSpPr/>
                 <p:nvPr/>
               </p:nvCxnSpPr>
@@ -15702,7 +15702,7 @@
             </p:cxnSp>
             <p:sp>
               <p:nvSpPr>
-                <p:cNvPr id="3468" name="Oval 3467"/>
+                <p:cNvPr id="974" name="Oval 973"/>
                 <p:cNvSpPr/>
                 <p:nvPr/>
               </p:nvSpPr>
@@ -15750,7 +15750,7 @@
             </p:sp>
             <p:sp>
               <p:nvSpPr>
-                <p:cNvPr id="3469" name="Oval 3468"/>
+                <p:cNvPr id="975" name="Oval 974"/>
                 <p:cNvSpPr/>
                 <p:nvPr/>
               </p:nvSpPr>
@@ -15798,7 +15798,7 @@
             </p:sp>
             <p:sp>
               <p:nvSpPr>
-                <p:cNvPr id="3470" name="Oval 3469"/>
+                <p:cNvPr id="976" name="Oval 975"/>
                 <p:cNvSpPr/>
                 <p:nvPr/>
               </p:nvSpPr>
@@ -15846,7 +15846,7 @@
             </p:sp>
             <p:sp>
               <p:nvSpPr>
-                <p:cNvPr id="3471" name="Oval 3470"/>
+                <p:cNvPr id="977" name="Oval 976"/>
                 <p:cNvSpPr/>
                 <p:nvPr/>
               </p:nvSpPr>
@@ -15894,7 +15894,7 @@
             </p:sp>
             <p:sp>
               <p:nvSpPr>
-                <p:cNvPr id="3472" name="Oval 3471"/>
+                <p:cNvPr id="978" name="Oval 977"/>
                 <p:cNvSpPr/>
                 <p:nvPr/>
               </p:nvSpPr>
@@ -15942,7 +15942,7 @@
             </p:sp>
             <p:sp>
               <p:nvSpPr>
-                <p:cNvPr id="3473" name="Oval 3472"/>
+                <p:cNvPr id="979" name="Oval 978"/>
                 <p:cNvSpPr>
                   <a:spLocks noChangeAspect="1"/>
                 </p:cNvSpPr>
@@ -15994,7 +15994,7 @@
         </p:grpSp>
         <p:grpSp>
           <p:nvGrpSpPr>
-            <p:cNvPr id="3408" name="Group 3407"/>
+            <p:cNvPr id="914" name="Group 913"/>
             <p:cNvGrpSpPr/>
             <p:nvPr/>
           </p:nvGrpSpPr>
@@ -16008,7 +16008,7 @@
           </p:grpSpPr>
           <p:grpSp>
             <p:nvGrpSpPr>
-              <p:cNvPr id="3409" name="Group 3408"/>
+              <p:cNvPr id="915" name="Group 914"/>
               <p:cNvGrpSpPr/>
               <p:nvPr/>
             </p:nvGrpSpPr>
@@ -16022,7 +16022,7 @@
             </p:grpSpPr>
             <p:sp>
               <p:nvSpPr>
-                <p:cNvPr id="3452" name="Rectangle 3451"/>
+                <p:cNvPr id="958" name="Rectangle 957"/>
                 <p:cNvSpPr>
                   <a:spLocks noChangeAspect="1"/>
                 </p:cNvSpPr>
@@ -16070,7 +16070,7 @@
             </p:sp>
             <p:cxnSp>
               <p:nvCxnSpPr>
-                <p:cNvPr id="3453" name="Straight Connector 3452"/>
+                <p:cNvPr id="959" name="Straight Connector 958"/>
                 <p:cNvCxnSpPr/>
                 <p:nvPr/>
               </p:nvCxnSpPr>
@@ -16105,7 +16105,7 @@
             </p:cxnSp>
             <p:cxnSp>
               <p:nvCxnSpPr>
-                <p:cNvPr id="3454" name="Straight Connector 3453"/>
+                <p:cNvPr id="960" name="Straight Connector 959"/>
                 <p:cNvCxnSpPr/>
                 <p:nvPr/>
               </p:nvCxnSpPr>
@@ -16140,7 +16140,7 @@
             </p:cxnSp>
             <p:sp>
               <p:nvSpPr>
-                <p:cNvPr id="3455" name="Oval 3454"/>
+                <p:cNvPr id="961" name="Oval 960"/>
                 <p:cNvSpPr/>
                 <p:nvPr/>
               </p:nvSpPr>
@@ -16188,7 +16188,7 @@
             </p:sp>
             <p:sp>
               <p:nvSpPr>
-                <p:cNvPr id="3456" name="Oval 3455"/>
+                <p:cNvPr id="962" name="Oval 961"/>
                 <p:cNvSpPr/>
                 <p:nvPr/>
               </p:nvSpPr>
@@ -16236,7 +16236,7 @@
             </p:sp>
             <p:sp>
               <p:nvSpPr>
-                <p:cNvPr id="3457" name="Oval 3456"/>
+                <p:cNvPr id="963" name="Oval 962"/>
                 <p:cNvSpPr/>
                 <p:nvPr/>
               </p:nvSpPr>
@@ -16284,7 +16284,7 @@
             </p:sp>
             <p:sp>
               <p:nvSpPr>
-                <p:cNvPr id="3458" name="Oval 3457"/>
+                <p:cNvPr id="964" name="Oval 963"/>
                 <p:cNvSpPr/>
                 <p:nvPr/>
               </p:nvSpPr>
@@ -16332,7 +16332,7 @@
             </p:sp>
             <p:sp>
               <p:nvSpPr>
-                <p:cNvPr id="3459" name="Oval 3458"/>
+                <p:cNvPr id="965" name="Oval 964"/>
                 <p:cNvSpPr/>
                 <p:nvPr/>
               </p:nvSpPr>
@@ -16380,7 +16380,7 @@
             </p:sp>
             <p:sp>
               <p:nvSpPr>
-                <p:cNvPr id="3460" name="Oval 3459"/>
+                <p:cNvPr id="966" name="Oval 965"/>
                 <p:cNvSpPr>
                   <a:spLocks noChangeAspect="1"/>
                 </p:cNvSpPr>
@@ -16431,7 +16431,7 @@
           </p:grpSp>
           <p:grpSp>
             <p:nvGrpSpPr>
-              <p:cNvPr id="3410" name="Group 3409"/>
+              <p:cNvPr id="916" name="Group 915"/>
               <p:cNvGrpSpPr/>
               <p:nvPr/>
             </p:nvGrpSpPr>
@@ -16448,7 +16448,7 @@
             </p:grpSpPr>
             <p:sp>
               <p:nvSpPr>
-                <p:cNvPr id="3450" name="Isosceles Triangle 3449"/>
+                <p:cNvPr id="956" name="Isosceles Triangle 955"/>
                 <p:cNvSpPr/>
                 <p:nvPr/>
               </p:nvSpPr>
@@ -16494,7 +16494,7 @@
             </p:sp>
             <p:sp>
               <p:nvSpPr>
-                <p:cNvPr id="3451" name="Oval 3450"/>
+                <p:cNvPr id="957" name="Oval 956"/>
                 <p:cNvSpPr/>
                 <p:nvPr/>
               </p:nvSpPr>
@@ -16541,7 +16541,7 @@
           </p:grpSp>
           <p:grpSp>
             <p:nvGrpSpPr>
-              <p:cNvPr id="3411" name="Group 3410"/>
+              <p:cNvPr id="917" name="Group 916"/>
               <p:cNvGrpSpPr/>
               <p:nvPr/>
             </p:nvGrpSpPr>
@@ -16555,7 +16555,7 @@
             </p:grpSpPr>
             <p:sp>
               <p:nvSpPr>
-                <p:cNvPr id="3441" name="Rectangle 3440"/>
+                <p:cNvPr id="947" name="Rectangle 946"/>
                 <p:cNvSpPr>
                   <a:spLocks noChangeAspect="1"/>
                 </p:cNvSpPr>
@@ -16603,7 +16603,7 @@
             </p:sp>
             <p:cxnSp>
               <p:nvCxnSpPr>
-                <p:cNvPr id="3442" name="Straight Connector 3441"/>
+                <p:cNvPr id="948" name="Straight Connector 947"/>
                 <p:cNvCxnSpPr/>
                 <p:nvPr/>
               </p:nvCxnSpPr>
@@ -16638,7 +16638,7 @@
             </p:cxnSp>
             <p:cxnSp>
               <p:nvCxnSpPr>
-                <p:cNvPr id="3443" name="Straight Connector 3442"/>
+                <p:cNvPr id="949" name="Straight Connector 948"/>
                 <p:cNvCxnSpPr/>
                 <p:nvPr/>
               </p:nvCxnSpPr>
@@ -16673,7 +16673,7 @@
             </p:cxnSp>
             <p:sp>
               <p:nvSpPr>
-                <p:cNvPr id="3444" name="Oval 3443"/>
+                <p:cNvPr id="950" name="Oval 949"/>
                 <p:cNvSpPr/>
                 <p:nvPr/>
               </p:nvSpPr>
@@ -16721,7 +16721,7 @@
             </p:sp>
             <p:sp>
               <p:nvSpPr>
-                <p:cNvPr id="3445" name="Oval 3444"/>
+                <p:cNvPr id="951" name="Oval 950"/>
                 <p:cNvSpPr/>
                 <p:nvPr/>
               </p:nvSpPr>
@@ -16769,7 +16769,7 @@
             </p:sp>
             <p:sp>
               <p:nvSpPr>
-                <p:cNvPr id="3446" name="Oval 3445"/>
+                <p:cNvPr id="952" name="Oval 951"/>
                 <p:cNvSpPr/>
                 <p:nvPr/>
               </p:nvSpPr>
@@ -16817,7 +16817,7 @@
             </p:sp>
             <p:sp>
               <p:nvSpPr>
-                <p:cNvPr id="3447" name="Oval 3446"/>
+                <p:cNvPr id="953" name="Oval 952"/>
                 <p:cNvSpPr/>
                 <p:nvPr/>
               </p:nvSpPr>
@@ -16865,7 +16865,7 @@
             </p:sp>
             <p:sp>
               <p:nvSpPr>
-                <p:cNvPr id="3448" name="Oval 3447"/>
+                <p:cNvPr id="954" name="Oval 953"/>
                 <p:cNvSpPr/>
                 <p:nvPr/>
               </p:nvSpPr>
@@ -16913,7 +16913,7 @@
             </p:sp>
             <p:sp>
               <p:nvSpPr>
-                <p:cNvPr id="3449" name="Oval 3448"/>
+                <p:cNvPr id="955" name="Oval 954"/>
                 <p:cNvSpPr>
                   <a:spLocks noChangeAspect="1"/>
                 </p:cNvSpPr>
@@ -16964,7 +16964,7 @@
           </p:grpSp>
           <p:grpSp>
             <p:nvGrpSpPr>
-              <p:cNvPr id="3412" name="Group 3411"/>
+              <p:cNvPr id="918" name="Group 917"/>
               <p:cNvGrpSpPr/>
               <p:nvPr/>
             </p:nvGrpSpPr>
@@ -16978,7 +16978,7 @@
             </p:grpSpPr>
             <p:sp>
               <p:nvSpPr>
-                <p:cNvPr id="3432" name="Rectangle 3431"/>
+                <p:cNvPr id="938" name="Rectangle 937"/>
                 <p:cNvSpPr>
                   <a:spLocks noChangeAspect="1"/>
                 </p:cNvSpPr>
@@ -17026,7 +17026,7 @@
             </p:sp>
             <p:cxnSp>
               <p:nvCxnSpPr>
-                <p:cNvPr id="3433" name="Straight Connector 3432"/>
+                <p:cNvPr id="939" name="Straight Connector 938"/>
                 <p:cNvCxnSpPr/>
                 <p:nvPr/>
               </p:nvCxnSpPr>
@@ -17061,7 +17061,7 @@
             </p:cxnSp>
             <p:cxnSp>
               <p:nvCxnSpPr>
-                <p:cNvPr id="3434" name="Straight Connector 3433"/>
+                <p:cNvPr id="940" name="Straight Connector 939"/>
                 <p:cNvCxnSpPr/>
                 <p:nvPr/>
               </p:nvCxnSpPr>
@@ -17096,7 +17096,7 @@
             </p:cxnSp>
             <p:sp>
               <p:nvSpPr>
-                <p:cNvPr id="3435" name="Oval 3434"/>
+                <p:cNvPr id="941" name="Oval 940"/>
                 <p:cNvSpPr/>
                 <p:nvPr/>
               </p:nvSpPr>
@@ -17144,7 +17144,7 @@
             </p:sp>
             <p:sp>
               <p:nvSpPr>
-                <p:cNvPr id="3436" name="Oval 3435"/>
+                <p:cNvPr id="942" name="Oval 941"/>
                 <p:cNvSpPr/>
                 <p:nvPr/>
               </p:nvSpPr>
@@ -17192,7 +17192,7 @@
             </p:sp>
             <p:sp>
               <p:nvSpPr>
-                <p:cNvPr id="3437" name="Oval 3436"/>
+                <p:cNvPr id="943" name="Oval 942"/>
                 <p:cNvSpPr/>
                 <p:nvPr/>
               </p:nvSpPr>
@@ -17240,7 +17240,7 @@
             </p:sp>
             <p:sp>
               <p:nvSpPr>
-                <p:cNvPr id="3438" name="Oval 3437"/>
+                <p:cNvPr id="944" name="Oval 943"/>
                 <p:cNvSpPr/>
                 <p:nvPr/>
               </p:nvSpPr>
@@ -17288,7 +17288,7 @@
             </p:sp>
             <p:sp>
               <p:nvSpPr>
-                <p:cNvPr id="3439" name="Oval 3438"/>
+                <p:cNvPr id="945" name="Oval 944"/>
                 <p:cNvSpPr/>
                 <p:nvPr/>
               </p:nvSpPr>
@@ -17336,7 +17336,7 @@
             </p:sp>
             <p:sp>
               <p:nvSpPr>
-                <p:cNvPr id="3440" name="Oval 3439"/>
+                <p:cNvPr id="946" name="Oval 945"/>
                 <p:cNvSpPr>
                   <a:spLocks noChangeAspect="1"/>
                 </p:cNvSpPr>
@@ -17387,7 +17387,7 @@
           </p:grpSp>
           <p:grpSp>
             <p:nvGrpSpPr>
-              <p:cNvPr id="3413" name="Group 3412"/>
+              <p:cNvPr id="919" name="Group 918"/>
               <p:cNvGrpSpPr/>
               <p:nvPr/>
             </p:nvGrpSpPr>
@@ -17401,7 +17401,7 @@
             </p:grpSpPr>
             <p:sp>
               <p:nvSpPr>
-                <p:cNvPr id="3423" name="Rectangle 3422"/>
+                <p:cNvPr id="929" name="Rectangle 928"/>
                 <p:cNvSpPr>
                   <a:spLocks noChangeAspect="1"/>
                 </p:cNvSpPr>
@@ -17449,7 +17449,7 @@
             </p:sp>
             <p:cxnSp>
               <p:nvCxnSpPr>
-                <p:cNvPr id="3424" name="Straight Connector 3423"/>
+                <p:cNvPr id="930" name="Straight Connector 929"/>
                 <p:cNvCxnSpPr/>
                 <p:nvPr/>
               </p:nvCxnSpPr>
@@ -17484,7 +17484,7 @@
             </p:cxnSp>
             <p:cxnSp>
               <p:nvCxnSpPr>
-                <p:cNvPr id="3425" name="Straight Connector 3424"/>
+                <p:cNvPr id="931" name="Straight Connector 930"/>
                 <p:cNvCxnSpPr/>
                 <p:nvPr/>
               </p:nvCxnSpPr>
@@ -17519,7 +17519,7 @@
             </p:cxnSp>
             <p:sp>
               <p:nvSpPr>
-                <p:cNvPr id="3426" name="Oval 3425"/>
+                <p:cNvPr id="932" name="Oval 931"/>
                 <p:cNvSpPr/>
                 <p:nvPr/>
               </p:nvSpPr>
@@ -17567,7 +17567,7 @@
             </p:sp>
             <p:sp>
               <p:nvSpPr>
-                <p:cNvPr id="3427" name="Oval 3426"/>
+                <p:cNvPr id="933" name="Oval 932"/>
                 <p:cNvSpPr/>
                 <p:nvPr/>
               </p:nvSpPr>
@@ -17615,7 +17615,7 @@
             </p:sp>
             <p:sp>
               <p:nvSpPr>
-                <p:cNvPr id="3428" name="Oval 3427"/>
+                <p:cNvPr id="934" name="Oval 933"/>
                 <p:cNvSpPr/>
                 <p:nvPr/>
               </p:nvSpPr>
@@ -17663,7 +17663,7 @@
             </p:sp>
             <p:sp>
               <p:nvSpPr>
-                <p:cNvPr id="3429" name="Oval 3428"/>
+                <p:cNvPr id="935" name="Oval 934"/>
                 <p:cNvSpPr/>
                 <p:nvPr/>
               </p:nvSpPr>
@@ -17711,7 +17711,7 @@
             </p:sp>
             <p:sp>
               <p:nvSpPr>
-                <p:cNvPr id="3430" name="Oval 3429"/>
+                <p:cNvPr id="936" name="Oval 935"/>
                 <p:cNvSpPr/>
                 <p:nvPr/>
               </p:nvSpPr>
@@ -17759,7 +17759,7 @@
             </p:sp>
             <p:sp>
               <p:nvSpPr>
-                <p:cNvPr id="3431" name="Oval 3430"/>
+                <p:cNvPr id="937" name="Oval 936"/>
                 <p:cNvSpPr>
                   <a:spLocks noChangeAspect="1"/>
                 </p:cNvSpPr>
@@ -17810,7 +17810,7 @@
           </p:grpSp>
           <p:grpSp>
             <p:nvGrpSpPr>
-              <p:cNvPr id="3414" name="Group 3413"/>
+              <p:cNvPr id="920" name="Group 919"/>
               <p:cNvGrpSpPr/>
               <p:nvPr/>
             </p:nvGrpSpPr>
@@ -17827,7 +17827,7 @@
             </p:grpSpPr>
             <p:sp>
               <p:nvSpPr>
-                <p:cNvPr id="3421" name="Isosceles Triangle 3420"/>
+                <p:cNvPr id="927" name="Isosceles Triangle 926"/>
                 <p:cNvSpPr/>
                 <p:nvPr/>
               </p:nvSpPr>
@@ -17873,7 +17873,7 @@
             </p:sp>
             <p:sp>
               <p:nvSpPr>
-                <p:cNvPr id="3422" name="Oval 3421"/>
+                <p:cNvPr id="928" name="Oval 927"/>
                 <p:cNvSpPr/>
                 <p:nvPr/>
               </p:nvSpPr>
@@ -17920,7 +17920,7 @@
           </p:grpSp>
           <p:grpSp>
             <p:nvGrpSpPr>
-              <p:cNvPr id="3415" name="Group 3414"/>
+              <p:cNvPr id="921" name="Group 920"/>
               <p:cNvGrpSpPr/>
               <p:nvPr/>
             </p:nvGrpSpPr>
@@ -17937,7 +17937,7 @@
             </p:grpSpPr>
             <p:sp>
               <p:nvSpPr>
-                <p:cNvPr id="3419" name="Isosceles Triangle 3418"/>
+                <p:cNvPr id="925" name="Isosceles Triangle 924"/>
                 <p:cNvSpPr/>
                 <p:nvPr/>
               </p:nvSpPr>
@@ -17983,7 +17983,7 @@
             </p:sp>
             <p:sp>
               <p:nvSpPr>
-                <p:cNvPr id="3420" name="Oval 3419"/>
+                <p:cNvPr id="926" name="Oval 925"/>
                 <p:cNvSpPr/>
                 <p:nvPr/>
               </p:nvSpPr>
@@ -18030,7 +18030,7 @@
           </p:grpSp>
           <p:grpSp>
             <p:nvGrpSpPr>
-              <p:cNvPr id="3416" name="Group 3415"/>
+              <p:cNvPr id="922" name="Group 921"/>
               <p:cNvGrpSpPr/>
               <p:nvPr/>
             </p:nvGrpSpPr>
@@ -18047,7 +18047,7 @@
             </p:grpSpPr>
             <p:sp>
               <p:nvSpPr>
-                <p:cNvPr id="3417" name="Isosceles Triangle 3416"/>
+                <p:cNvPr id="923" name="Isosceles Triangle 922"/>
                 <p:cNvSpPr/>
                 <p:nvPr/>
               </p:nvSpPr>
@@ -18093,7 +18093,7 @@
             </p:sp>
             <p:sp>
               <p:nvSpPr>
-                <p:cNvPr id="3418" name="Oval 3417"/>
+                <p:cNvPr id="924" name="Oval 923"/>
                 <p:cNvSpPr/>
                 <p:nvPr/>
               </p:nvSpPr>
@@ -18142,13 +18142,13 @@
       </p:grpSp>
       <p:grpSp>
         <p:nvGrpSpPr>
-          <p:cNvPr id="3585" name="Group 3584"/>
+          <p:cNvPr id="1091" name="Group 1090"/>
           <p:cNvGrpSpPr/>
           <p:nvPr/>
         </p:nvGrpSpPr>
         <p:grpSpPr>
           <a:xfrm>
-            <a:off x="646730" y="2742574"/>
+            <a:off x="824154" y="2742574"/>
             <a:ext cx="2534530" cy="2972795"/>
             <a:chOff x="6628196" y="1026597"/>
             <a:chExt cx="2534530" cy="2972795"/>
@@ -18156,7 +18156,7 @@
         </p:grpSpPr>
         <p:grpSp>
           <p:nvGrpSpPr>
-            <p:cNvPr id="3586" name="Group 3585"/>
+            <p:cNvPr id="1092" name="Group 1091"/>
             <p:cNvGrpSpPr/>
             <p:nvPr/>
           </p:nvGrpSpPr>
@@ -18170,7 +18170,7 @@
           </p:grpSpPr>
           <p:grpSp>
             <p:nvGrpSpPr>
-              <p:cNvPr id="3705" name="Group 3704"/>
+              <p:cNvPr id="1211" name="Group 1210"/>
               <p:cNvGrpSpPr/>
               <p:nvPr/>
             </p:nvGrpSpPr>
@@ -18184,7 +18184,7 @@
             </p:grpSpPr>
             <p:sp>
               <p:nvSpPr>
-                <p:cNvPr id="3748" name="Rectangle 3747"/>
+                <p:cNvPr id="1254" name="Rectangle 1253"/>
                 <p:cNvSpPr>
                   <a:spLocks noChangeAspect="1"/>
                 </p:cNvSpPr>
@@ -18232,7 +18232,7 @@
             </p:sp>
             <p:cxnSp>
               <p:nvCxnSpPr>
-                <p:cNvPr id="3749" name="Straight Connector 3748"/>
+                <p:cNvPr id="1255" name="Straight Connector 1254"/>
                 <p:cNvCxnSpPr/>
                 <p:nvPr/>
               </p:nvCxnSpPr>
@@ -18267,7 +18267,7 @@
             </p:cxnSp>
             <p:cxnSp>
               <p:nvCxnSpPr>
-                <p:cNvPr id="3750" name="Straight Connector 3749"/>
+                <p:cNvPr id="1256" name="Straight Connector 1255"/>
                 <p:cNvCxnSpPr/>
                 <p:nvPr/>
               </p:nvCxnSpPr>
@@ -18302,7 +18302,7 @@
             </p:cxnSp>
             <p:sp>
               <p:nvSpPr>
-                <p:cNvPr id="3751" name="Oval 3750"/>
+                <p:cNvPr id="1257" name="Oval 1256"/>
                 <p:cNvSpPr/>
                 <p:nvPr/>
               </p:nvSpPr>
@@ -18350,7 +18350,7 @@
             </p:sp>
             <p:sp>
               <p:nvSpPr>
-                <p:cNvPr id="3752" name="Oval 3751"/>
+                <p:cNvPr id="1258" name="Oval 1257"/>
                 <p:cNvSpPr/>
                 <p:nvPr/>
               </p:nvSpPr>
@@ -18398,7 +18398,7 @@
             </p:sp>
             <p:sp>
               <p:nvSpPr>
-                <p:cNvPr id="3753" name="Oval 3752"/>
+                <p:cNvPr id="1259" name="Oval 1258"/>
                 <p:cNvSpPr/>
                 <p:nvPr/>
               </p:nvSpPr>
@@ -18446,7 +18446,7 @@
             </p:sp>
             <p:sp>
               <p:nvSpPr>
-                <p:cNvPr id="3754" name="Oval 3753"/>
+                <p:cNvPr id="1260" name="Oval 1259"/>
                 <p:cNvSpPr/>
                 <p:nvPr/>
               </p:nvSpPr>
@@ -18494,7 +18494,7 @@
             </p:sp>
             <p:sp>
               <p:nvSpPr>
-                <p:cNvPr id="3755" name="Oval 3754"/>
+                <p:cNvPr id="1261" name="Oval 1260"/>
                 <p:cNvSpPr/>
                 <p:nvPr/>
               </p:nvSpPr>
@@ -18542,7 +18542,7 @@
             </p:sp>
             <p:sp>
               <p:nvSpPr>
-                <p:cNvPr id="3756" name="Oval 3755"/>
+                <p:cNvPr id="1262" name="Oval 1261"/>
                 <p:cNvSpPr>
                   <a:spLocks noChangeAspect="1"/>
                 </p:cNvSpPr>
@@ -18593,7 +18593,7 @@
           </p:grpSp>
           <p:grpSp>
             <p:nvGrpSpPr>
-              <p:cNvPr id="3706" name="Group 3705"/>
+              <p:cNvPr id="1212" name="Group 1211"/>
               <p:cNvGrpSpPr/>
               <p:nvPr/>
             </p:nvGrpSpPr>
@@ -18610,7 +18610,7 @@
             </p:grpSpPr>
             <p:sp>
               <p:nvSpPr>
-                <p:cNvPr id="3746" name="Isosceles Triangle 3745"/>
+                <p:cNvPr id="1252" name="Isosceles Triangle 1251"/>
                 <p:cNvSpPr/>
                 <p:nvPr/>
               </p:nvSpPr>
@@ -18656,7 +18656,7 @@
             </p:sp>
             <p:sp>
               <p:nvSpPr>
-                <p:cNvPr id="3747" name="Oval 3746"/>
+                <p:cNvPr id="1253" name="Oval 1252"/>
                 <p:cNvSpPr/>
                 <p:nvPr/>
               </p:nvSpPr>
@@ -18703,7 +18703,7 @@
           </p:grpSp>
           <p:grpSp>
             <p:nvGrpSpPr>
-              <p:cNvPr id="3707" name="Group 3706"/>
+              <p:cNvPr id="1213" name="Group 1212"/>
               <p:cNvGrpSpPr/>
               <p:nvPr/>
             </p:nvGrpSpPr>
@@ -18717,7 +18717,7 @@
             </p:grpSpPr>
             <p:sp>
               <p:nvSpPr>
-                <p:cNvPr id="3737" name="Rectangle 3736"/>
+                <p:cNvPr id="1243" name="Rectangle 1242"/>
                 <p:cNvSpPr>
                   <a:spLocks noChangeAspect="1"/>
                 </p:cNvSpPr>
@@ -18765,7 +18765,7 @@
             </p:sp>
             <p:cxnSp>
               <p:nvCxnSpPr>
-                <p:cNvPr id="3738" name="Straight Connector 3737"/>
+                <p:cNvPr id="1244" name="Straight Connector 1243"/>
                 <p:cNvCxnSpPr/>
                 <p:nvPr/>
               </p:nvCxnSpPr>
@@ -18800,7 +18800,7 @@
             </p:cxnSp>
             <p:cxnSp>
               <p:nvCxnSpPr>
-                <p:cNvPr id="3739" name="Straight Connector 3738"/>
+                <p:cNvPr id="1245" name="Straight Connector 1244"/>
                 <p:cNvCxnSpPr/>
                 <p:nvPr/>
               </p:nvCxnSpPr>
@@ -18835,7 +18835,7 @@
             </p:cxnSp>
             <p:sp>
               <p:nvSpPr>
-                <p:cNvPr id="3740" name="Oval 3739"/>
+                <p:cNvPr id="1246" name="Oval 1245"/>
                 <p:cNvSpPr/>
                 <p:nvPr/>
               </p:nvSpPr>
@@ -18883,7 +18883,7 @@
             </p:sp>
             <p:sp>
               <p:nvSpPr>
-                <p:cNvPr id="3741" name="Oval 3740"/>
+                <p:cNvPr id="1247" name="Oval 1246"/>
                 <p:cNvSpPr/>
                 <p:nvPr/>
               </p:nvSpPr>
@@ -18931,7 +18931,7 @@
             </p:sp>
             <p:sp>
               <p:nvSpPr>
-                <p:cNvPr id="3742" name="Oval 3741"/>
+                <p:cNvPr id="1248" name="Oval 1247"/>
                 <p:cNvSpPr/>
                 <p:nvPr/>
               </p:nvSpPr>
@@ -18979,7 +18979,7 @@
             </p:sp>
             <p:sp>
               <p:nvSpPr>
-                <p:cNvPr id="3743" name="Oval 3742"/>
+                <p:cNvPr id="1249" name="Oval 1248"/>
                 <p:cNvSpPr/>
                 <p:nvPr/>
               </p:nvSpPr>
@@ -19027,7 +19027,7 @@
             </p:sp>
             <p:sp>
               <p:nvSpPr>
-                <p:cNvPr id="3744" name="Oval 3743"/>
+                <p:cNvPr id="1250" name="Oval 1249"/>
                 <p:cNvSpPr/>
                 <p:nvPr/>
               </p:nvSpPr>
@@ -19075,7 +19075,7 @@
             </p:sp>
             <p:sp>
               <p:nvSpPr>
-                <p:cNvPr id="3745" name="Oval 3744"/>
+                <p:cNvPr id="1251" name="Oval 1250"/>
                 <p:cNvSpPr>
                   <a:spLocks noChangeAspect="1"/>
                 </p:cNvSpPr>
@@ -19126,7 +19126,7 @@
           </p:grpSp>
           <p:grpSp>
             <p:nvGrpSpPr>
-              <p:cNvPr id="3708" name="Group 3707"/>
+              <p:cNvPr id="1214" name="Group 1213"/>
               <p:cNvGrpSpPr/>
               <p:nvPr/>
             </p:nvGrpSpPr>
@@ -19140,7 +19140,7 @@
             </p:grpSpPr>
             <p:sp>
               <p:nvSpPr>
-                <p:cNvPr id="3728" name="Rectangle 3727"/>
+                <p:cNvPr id="1234" name="Rectangle 1233"/>
                 <p:cNvSpPr>
                   <a:spLocks noChangeAspect="1"/>
                 </p:cNvSpPr>
@@ -19188,7 +19188,7 @@
             </p:sp>
             <p:cxnSp>
               <p:nvCxnSpPr>
-                <p:cNvPr id="3729" name="Straight Connector 3728"/>
+                <p:cNvPr id="1235" name="Straight Connector 1234"/>
                 <p:cNvCxnSpPr/>
                 <p:nvPr/>
               </p:nvCxnSpPr>
@@ -19223,7 +19223,7 @@
             </p:cxnSp>
             <p:cxnSp>
               <p:nvCxnSpPr>
-                <p:cNvPr id="3730" name="Straight Connector 3729"/>
+                <p:cNvPr id="1236" name="Straight Connector 1235"/>
                 <p:cNvCxnSpPr/>
                 <p:nvPr/>
               </p:nvCxnSpPr>
@@ -19258,7 +19258,7 @@
             </p:cxnSp>
             <p:sp>
               <p:nvSpPr>
-                <p:cNvPr id="3731" name="Oval 3730"/>
+                <p:cNvPr id="1237" name="Oval 1236"/>
                 <p:cNvSpPr/>
                 <p:nvPr/>
               </p:nvSpPr>
@@ -19306,7 +19306,7 @@
             </p:sp>
             <p:sp>
               <p:nvSpPr>
-                <p:cNvPr id="3732" name="Oval 3731"/>
+                <p:cNvPr id="1238" name="Oval 1237"/>
                 <p:cNvSpPr/>
                 <p:nvPr/>
               </p:nvSpPr>
@@ -19354,7 +19354,7 @@
             </p:sp>
             <p:sp>
               <p:nvSpPr>
-                <p:cNvPr id="3733" name="Oval 3732"/>
+                <p:cNvPr id="1239" name="Oval 1238"/>
                 <p:cNvSpPr/>
                 <p:nvPr/>
               </p:nvSpPr>
@@ -19402,7 +19402,7 @@
             </p:sp>
             <p:sp>
               <p:nvSpPr>
-                <p:cNvPr id="3734" name="Oval 3733"/>
+                <p:cNvPr id="1240" name="Oval 1239"/>
                 <p:cNvSpPr/>
                 <p:nvPr/>
               </p:nvSpPr>
@@ -19450,7 +19450,7 @@
             </p:sp>
             <p:sp>
               <p:nvSpPr>
-                <p:cNvPr id="3735" name="Oval 3734"/>
+                <p:cNvPr id="1241" name="Oval 1240"/>
                 <p:cNvSpPr/>
                 <p:nvPr/>
               </p:nvSpPr>
@@ -19498,7 +19498,7 @@
             </p:sp>
             <p:sp>
               <p:nvSpPr>
-                <p:cNvPr id="3736" name="Oval 3735"/>
+                <p:cNvPr id="1242" name="Oval 1241"/>
                 <p:cNvSpPr>
                   <a:spLocks noChangeAspect="1"/>
                 </p:cNvSpPr>
@@ -19549,7 +19549,7 @@
           </p:grpSp>
           <p:grpSp>
             <p:nvGrpSpPr>
-              <p:cNvPr id="3709" name="Group 3708"/>
+              <p:cNvPr id="1215" name="Group 1214"/>
               <p:cNvGrpSpPr/>
               <p:nvPr/>
             </p:nvGrpSpPr>
@@ -19563,7 +19563,7 @@
             </p:grpSpPr>
             <p:sp>
               <p:nvSpPr>
-                <p:cNvPr id="3719" name="Rectangle 3718"/>
+                <p:cNvPr id="1225" name="Rectangle 1224"/>
                 <p:cNvSpPr>
                   <a:spLocks noChangeAspect="1"/>
                 </p:cNvSpPr>
@@ -19611,7 +19611,7 @@
             </p:sp>
             <p:cxnSp>
               <p:nvCxnSpPr>
-                <p:cNvPr id="3720" name="Straight Connector 3719"/>
+                <p:cNvPr id="1226" name="Straight Connector 1225"/>
                 <p:cNvCxnSpPr/>
                 <p:nvPr/>
               </p:nvCxnSpPr>
@@ -19646,7 +19646,7 @@
             </p:cxnSp>
             <p:cxnSp>
               <p:nvCxnSpPr>
-                <p:cNvPr id="3721" name="Straight Connector 3720"/>
+                <p:cNvPr id="1227" name="Straight Connector 1226"/>
                 <p:cNvCxnSpPr/>
                 <p:nvPr/>
               </p:nvCxnSpPr>
@@ -19681,7 +19681,7 @@
             </p:cxnSp>
             <p:sp>
               <p:nvSpPr>
-                <p:cNvPr id="3722" name="Oval 3721"/>
+                <p:cNvPr id="1228" name="Oval 1227"/>
                 <p:cNvSpPr/>
                 <p:nvPr/>
               </p:nvSpPr>
@@ -19729,7 +19729,7 @@
             </p:sp>
             <p:sp>
               <p:nvSpPr>
-                <p:cNvPr id="3723" name="Oval 3722"/>
+                <p:cNvPr id="1229" name="Oval 1228"/>
                 <p:cNvSpPr/>
                 <p:nvPr/>
               </p:nvSpPr>
@@ -19777,7 +19777,7 @@
             </p:sp>
             <p:sp>
               <p:nvSpPr>
-                <p:cNvPr id="3724" name="Oval 3723"/>
+                <p:cNvPr id="1230" name="Oval 1229"/>
                 <p:cNvSpPr/>
                 <p:nvPr/>
               </p:nvSpPr>
@@ -19825,7 +19825,7 @@
             </p:sp>
             <p:sp>
               <p:nvSpPr>
-                <p:cNvPr id="3725" name="Oval 3724"/>
+                <p:cNvPr id="1231" name="Oval 1230"/>
                 <p:cNvSpPr/>
                 <p:nvPr/>
               </p:nvSpPr>
@@ -19873,7 +19873,7 @@
             </p:sp>
             <p:sp>
               <p:nvSpPr>
-                <p:cNvPr id="3726" name="Oval 3725"/>
+                <p:cNvPr id="1232" name="Oval 1231"/>
                 <p:cNvSpPr/>
                 <p:nvPr/>
               </p:nvSpPr>
@@ -19921,7 +19921,7 @@
             </p:sp>
             <p:sp>
               <p:nvSpPr>
-                <p:cNvPr id="3727" name="Oval 3726"/>
+                <p:cNvPr id="1233" name="Oval 1232"/>
                 <p:cNvSpPr>
                   <a:spLocks noChangeAspect="1"/>
                 </p:cNvSpPr>
@@ -19972,7 +19972,7 @@
           </p:grpSp>
           <p:grpSp>
             <p:nvGrpSpPr>
-              <p:cNvPr id="3710" name="Group 3709"/>
+              <p:cNvPr id="1216" name="Group 1215"/>
               <p:cNvGrpSpPr/>
               <p:nvPr/>
             </p:nvGrpSpPr>
@@ -19989,7 +19989,7 @@
             </p:grpSpPr>
             <p:sp>
               <p:nvSpPr>
-                <p:cNvPr id="3717" name="Isosceles Triangle 3716"/>
+                <p:cNvPr id="1223" name="Isosceles Triangle 1222"/>
                 <p:cNvSpPr/>
                 <p:nvPr/>
               </p:nvSpPr>
@@ -20035,7 +20035,7 @@
             </p:sp>
             <p:sp>
               <p:nvSpPr>
-                <p:cNvPr id="3718" name="Oval 3717"/>
+                <p:cNvPr id="1224" name="Oval 1223"/>
                 <p:cNvSpPr/>
                 <p:nvPr/>
               </p:nvSpPr>
@@ -20082,7 +20082,7 @@
           </p:grpSp>
           <p:grpSp>
             <p:nvGrpSpPr>
-              <p:cNvPr id="3711" name="Group 3710"/>
+              <p:cNvPr id="1217" name="Group 1216"/>
               <p:cNvGrpSpPr/>
               <p:nvPr/>
             </p:nvGrpSpPr>
@@ -20099,7 +20099,7 @@
             </p:grpSpPr>
             <p:sp>
               <p:nvSpPr>
-                <p:cNvPr id="3715" name="Isosceles Triangle 3714"/>
+                <p:cNvPr id="1221" name="Isosceles Triangle 1220"/>
                 <p:cNvSpPr/>
                 <p:nvPr/>
               </p:nvSpPr>
@@ -20145,7 +20145,7 @@
             </p:sp>
             <p:sp>
               <p:nvSpPr>
-                <p:cNvPr id="3716" name="Oval 3715"/>
+                <p:cNvPr id="1222" name="Oval 1221"/>
                 <p:cNvSpPr/>
                 <p:nvPr/>
               </p:nvSpPr>
@@ -20192,7 +20192,7 @@
           </p:grpSp>
           <p:grpSp>
             <p:nvGrpSpPr>
-              <p:cNvPr id="3712" name="Group 3711"/>
+              <p:cNvPr id="1218" name="Group 1217"/>
               <p:cNvGrpSpPr/>
               <p:nvPr/>
             </p:nvGrpSpPr>
@@ -20209,7 +20209,7 @@
             </p:grpSpPr>
             <p:sp>
               <p:nvSpPr>
-                <p:cNvPr id="3713" name="Isosceles Triangle 3712"/>
+                <p:cNvPr id="1219" name="Isosceles Triangle 1218"/>
                 <p:cNvSpPr/>
                 <p:nvPr/>
               </p:nvSpPr>
@@ -20255,7 +20255,7 @@
             </p:sp>
             <p:sp>
               <p:nvSpPr>
-                <p:cNvPr id="3714" name="Oval 3713"/>
+                <p:cNvPr id="1220" name="Oval 1219"/>
                 <p:cNvSpPr/>
                 <p:nvPr/>
               </p:nvSpPr>
@@ -20303,7 +20303,7 @@
         </p:grpSp>
         <p:grpSp>
           <p:nvGrpSpPr>
-            <p:cNvPr id="3587" name="Group 3586"/>
+            <p:cNvPr id="1093" name="Group 1092"/>
             <p:cNvGrpSpPr/>
             <p:nvPr/>
           </p:nvGrpSpPr>
@@ -20317,7 +20317,7 @@
           </p:grpSpPr>
           <p:grpSp>
             <p:nvGrpSpPr>
-              <p:cNvPr id="3653" name="Group 3652"/>
+              <p:cNvPr id="1159" name="Group 1158"/>
               <p:cNvGrpSpPr/>
               <p:nvPr/>
             </p:nvGrpSpPr>
@@ -20331,7 +20331,7 @@
             </p:grpSpPr>
             <p:sp>
               <p:nvSpPr>
-                <p:cNvPr id="3696" name="Rectangle 3695"/>
+                <p:cNvPr id="1202" name="Rectangle 1201"/>
                 <p:cNvSpPr>
                   <a:spLocks noChangeAspect="1"/>
                 </p:cNvSpPr>
@@ -20379,7 +20379,7 @@
             </p:sp>
             <p:cxnSp>
               <p:nvCxnSpPr>
-                <p:cNvPr id="3697" name="Straight Connector 3696"/>
+                <p:cNvPr id="1203" name="Straight Connector 1202"/>
                 <p:cNvCxnSpPr/>
                 <p:nvPr/>
               </p:nvCxnSpPr>
@@ -20414,7 +20414,7 @@
             </p:cxnSp>
             <p:cxnSp>
               <p:nvCxnSpPr>
-                <p:cNvPr id="3698" name="Straight Connector 3697"/>
+                <p:cNvPr id="1204" name="Straight Connector 1203"/>
                 <p:cNvCxnSpPr/>
                 <p:nvPr/>
               </p:nvCxnSpPr>
@@ -20449,7 +20449,7 @@
             </p:cxnSp>
             <p:sp>
               <p:nvSpPr>
-                <p:cNvPr id="3699" name="Oval 3698"/>
+                <p:cNvPr id="1205" name="Oval 1204"/>
                 <p:cNvSpPr/>
                 <p:nvPr/>
               </p:nvSpPr>
@@ -20497,7 +20497,7 @@
             </p:sp>
             <p:sp>
               <p:nvSpPr>
-                <p:cNvPr id="3700" name="Oval 3699"/>
+                <p:cNvPr id="1206" name="Oval 1205"/>
                 <p:cNvSpPr/>
                 <p:nvPr/>
               </p:nvSpPr>
@@ -20545,7 +20545,7 @@
             </p:sp>
             <p:sp>
               <p:nvSpPr>
-                <p:cNvPr id="3701" name="Oval 3700"/>
+                <p:cNvPr id="1207" name="Oval 1206"/>
                 <p:cNvSpPr/>
                 <p:nvPr/>
               </p:nvSpPr>
@@ -20593,7 +20593,7 @@
             </p:sp>
             <p:sp>
               <p:nvSpPr>
-                <p:cNvPr id="3702" name="Oval 3701"/>
+                <p:cNvPr id="1208" name="Oval 1207"/>
                 <p:cNvSpPr/>
                 <p:nvPr/>
               </p:nvSpPr>
@@ -20641,7 +20641,7 @@
             </p:sp>
             <p:sp>
               <p:nvSpPr>
-                <p:cNvPr id="3703" name="Oval 3702"/>
+                <p:cNvPr id="1209" name="Oval 1208"/>
                 <p:cNvSpPr/>
                 <p:nvPr/>
               </p:nvSpPr>
@@ -20689,7 +20689,7 @@
             </p:sp>
             <p:sp>
               <p:nvSpPr>
-                <p:cNvPr id="3704" name="Oval 3703"/>
+                <p:cNvPr id="1210" name="Oval 1209"/>
                 <p:cNvSpPr>
                   <a:spLocks noChangeAspect="1"/>
                 </p:cNvSpPr>
@@ -20740,7 +20740,7 @@
           </p:grpSp>
           <p:grpSp>
             <p:nvGrpSpPr>
-              <p:cNvPr id="3654" name="Group 3653"/>
+              <p:cNvPr id="1160" name="Group 1159"/>
               <p:cNvGrpSpPr/>
               <p:nvPr/>
             </p:nvGrpSpPr>
@@ -20757,7 +20757,7 @@
             </p:grpSpPr>
             <p:sp>
               <p:nvSpPr>
-                <p:cNvPr id="3694" name="Isosceles Triangle 3693"/>
+                <p:cNvPr id="1200" name="Isosceles Triangle 1199"/>
                 <p:cNvSpPr/>
                 <p:nvPr/>
               </p:nvSpPr>
@@ -20803,7 +20803,7 @@
             </p:sp>
             <p:sp>
               <p:nvSpPr>
-                <p:cNvPr id="3695" name="Oval 3694"/>
+                <p:cNvPr id="1201" name="Oval 1200"/>
                 <p:cNvSpPr/>
                 <p:nvPr/>
               </p:nvSpPr>
@@ -20850,7 +20850,7 @@
           </p:grpSp>
           <p:grpSp>
             <p:nvGrpSpPr>
-              <p:cNvPr id="3655" name="Group 3654"/>
+              <p:cNvPr id="1161" name="Group 1160"/>
               <p:cNvGrpSpPr/>
               <p:nvPr/>
             </p:nvGrpSpPr>
@@ -20864,7 +20864,7 @@
             </p:grpSpPr>
             <p:sp>
               <p:nvSpPr>
-                <p:cNvPr id="3685" name="Rectangle 3684"/>
+                <p:cNvPr id="1191" name="Rectangle 1190"/>
                 <p:cNvSpPr>
                   <a:spLocks noChangeAspect="1"/>
                 </p:cNvSpPr>
@@ -20912,7 +20912,7 @@
             </p:sp>
             <p:cxnSp>
               <p:nvCxnSpPr>
-                <p:cNvPr id="3686" name="Straight Connector 3685"/>
+                <p:cNvPr id="1192" name="Straight Connector 1191"/>
                 <p:cNvCxnSpPr/>
                 <p:nvPr/>
               </p:nvCxnSpPr>
@@ -20947,7 +20947,7 @@
             </p:cxnSp>
             <p:cxnSp>
               <p:nvCxnSpPr>
-                <p:cNvPr id="3687" name="Straight Connector 3686"/>
+                <p:cNvPr id="1193" name="Straight Connector 1192"/>
                 <p:cNvCxnSpPr/>
                 <p:nvPr/>
               </p:nvCxnSpPr>
@@ -20982,7 +20982,7 @@
             </p:cxnSp>
             <p:sp>
               <p:nvSpPr>
-                <p:cNvPr id="3688" name="Oval 3687"/>
+                <p:cNvPr id="1194" name="Oval 1193"/>
                 <p:cNvSpPr/>
                 <p:nvPr/>
               </p:nvSpPr>
@@ -21030,7 +21030,7 @@
             </p:sp>
             <p:sp>
               <p:nvSpPr>
-                <p:cNvPr id="3689" name="Oval 3688"/>
+                <p:cNvPr id="1195" name="Oval 1194"/>
                 <p:cNvSpPr/>
                 <p:nvPr/>
               </p:nvSpPr>
@@ -21078,7 +21078,7 @@
             </p:sp>
             <p:sp>
               <p:nvSpPr>
-                <p:cNvPr id="3690" name="Oval 3689"/>
+                <p:cNvPr id="1196" name="Oval 1195"/>
                 <p:cNvSpPr/>
                 <p:nvPr/>
               </p:nvSpPr>
@@ -21126,7 +21126,7 @@
             </p:sp>
             <p:sp>
               <p:nvSpPr>
-                <p:cNvPr id="3691" name="Oval 3690"/>
+                <p:cNvPr id="1197" name="Oval 1196"/>
                 <p:cNvSpPr/>
                 <p:nvPr/>
               </p:nvSpPr>
@@ -21174,7 +21174,7 @@
             </p:sp>
             <p:sp>
               <p:nvSpPr>
-                <p:cNvPr id="3692" name="Oval 3691"/>
+                <p:cNvPr id="1198" name="Oval 1197"/>
                 <p:cNvSpPr/>
                 <p:nvPr/>
               </p:nvSpPr>
@@ -21222,7 +21222,7 @@
             </p:sp>
             <p:sp>
               <p:nvSpPr>
-                <p:cNvPr id="3693" name="Oval 3692"/>
+                <p:cNvPr id="1199" name="Oval 1198"/>
                 <p:cNvSpPr>
                   <a:spLocks noChangeAspect="1"/>
                 </p:cNvSpPr>
@@ -21273,7 +21273,7 @@
           </p:grpSp>
           <p:grpSp>
             <p:nvGrpSpPr>
-              <p:cNvPr id="3656" name="Group 3655"/>
+              <p:cNvPr id="1162" name="Group 1161"/>
               <p:cNvGrpSpPr/>
               <p:nvPr/>
             </p:nvGrpSpPr>
@@ -21287,7 +21287,7 @@
             </p:grpSpPr>
             <p:sp>
               <p:nvSpPr>
-                <p:cNvPr id="3676" name="Rectangle 3675"/>
+                <p:cNvPr id="1182" name="Rectangle 1181"/>
                 <p:cNvSpPr>
                   <a:spLocks noChangeAspect="1"/>
                 </p:cNvSpPr>
@@ -21335,7 +21335,7 @@
             </p:sp>
             <p:cxnSp>
               <p:nvCxnSpPr>
-                <p:cNvPr id="3677" name="Straight Connector 3676"/>
+                <p:cNvPr id="1183" name="Straight Connector 1182"/>
                 <p:cNvCxnSpPr/>
                 <p:nvPr/>
               </p:nvCxnSpPr>
@@ -21370,7 +21370,7 @@
             </p:cxnSp>
             <p:cxnSp>
               <p:nvCxnSpPr>
-                <p:cNvPr id="3678" name="Straight Connector 3677"/>
+                <p:cNvPr id="1184" name="Straight Connector 1183"/>
                 <p:cNvCxnSpPr/>
                 <p:nvPr/>
               </p:nvCxnSpPr>
@@ -21405,7 +21405,7 @@
             </p:cxnSp>
             <p:sp>
               <p:nvSpPr>
-                <p:cNvPr id="3679" name="Oval 3678"/>
+                <p:cNvPr id="1185" name="Oval 1184"/>
                 <p:cNvSpPr/>
                 <p:nvPr/>
               </p:nvSpPr>
@@ -21453,7 +21453,7 @@
             </p:sp>
             <p:sp>
               <p:nvSpPr>
-                <p:cNvPr id="3680" name="Oval 3679"/>
+                <p:cNvPr id="1186" name="Oval 1185"/>
                 <p:cNvSpPr/>
                 <p:nvPr/>
               </p:nvSpPr>
@@ -21501,7 +21501,7 @@
             </p:sp>
             <p:sp>
               <p:nvSpPr>
-                <p:cNvPr id="3681" name="Oval 3680"/>
+                <p:cNvPr id="1187" name="Oval 1186"/>
                 <p:cNvSpPr/>
                 <p:nvPr/>
               </p:nvSpPr>
@@ -21549,7 +21549,7 @@
             </p:sp>
             <p:sp>
               <p:nvSpPr>
-                <p:cNvPr id="3682" name="Oval 3681"/>
+                <p:cNvPr id="1188" name="Oval 1187"/>
                 <p:cNvSpPr/>
                 <p:nvPr/>
               </p:nvSpPr>
@@ -21597,7 +21597,7 @@
             </p:sp>
             <p:sp>
               <p:nvSpPr>
-                <p:cNvPr id="3683" name="Oval 3682"/>
+                <p:cNvPr id="1189" name="Oval 1188"/>
                 <p:cNvSpPr/>
                 <p:nvPr/>
               </p:nvSpPr>
@@ -21645,7 +21645,7 @@
             </p:sp>
             <p:sp>
               <p:nvSpPr>
-                <p:cNvPr id="3684" name="Oval 3683"/>
+                <p:cNvPr id="1190" name="Oval 1189"/>
                 <p:cNvSpPr>
                   <a:spLocks noChangeAspect="1"/>
                 </p:cNvSpPr>
@@ -21696,7 +21696,7 @@
           </p:grpSp>
           <p:grpSp>
             <p:nvGrpSpPr>
-              <p:cNvPr id="3657" name="Group 3656"/>
+              <p:cNvPr id="1163" name="Group 1162"/>
               <p:cNvGrpSpPr/>
               <p:nvPr/>
             </p:nvGrpSpPr>
@@ -21710,7 +21710,7 @@
             </p:grpSpPr>
             <p:sp>
               <p:nvSpPr>
-                <p:cNvPr id="3667" name="Rectangle 3666"/>
+                <p:cNvPr id="1173" name="Rectangle 1172"/>
                 <p:cNvSpPr>
                   <a:spLocks noChangeAspect="1"/>
                 </p:cNvSpPr>
@@ -21758,7 +21758,7 @@
             </p:sp>
             <p:cxnSp>
               <p:nvCxnSpPr>
-                <p:cNvPr id="3668" name="Straight Connector 3667"/>
+                <p:cNvPr id="1174" name="Straight Connector 1173"/>
                 <p:cNvCxnSpPr/>
                 <p:nvPr/>
               </p:nvCxnSpPr>
@@ -21793,7 +21793,7 @@
             </p:cxnSp>
             <p:cxnSp>
               <p:nvCxnSpPr>
-                <p:cNvPr id="3669" name="Straight Connector 3668"/>
+                <p:cNvPr id="1175" name="Straight Connector 1174"/>
                 <p:cNvCxnSpPr/>
                 <p:nvPr/>
               </p:nvCxnSpPr>
@@ -21828,7 +21828,7 @@
             </p:cxnSp>
             <p:sp>
               <p:nvSpPr>
-                <p:cNvPr id="3670" name="Oval 3669"/>
+                <p:cNvPr id="1176" name="Oval 1175"/>
                 <p:cNvSpPr/>
                 <p:nvPr/>
               </p:nvSpPr>
@@ -21876,7 +21876,7 @@
             </p:sp>
             <p:sp>
               <p:nvSpPr>
-                <p:cNvPr id="3671" name="Oval 3670"/>
+                <p:cNvPr id="1177" name="Oval 1176"/>
                 <p:cNvSpPr/>
                 <p:nvPr/>
               </p:nvSpPr>
@@ -21924,7 +21924,7 @@
             </p:sp>
             <p:sp>
               <p:nvSpPr>
-                <p:cNvPr id="3672" name="Oval 3671"/>
+                <p:cNvPr id="1178" name="Oval 1177"/>
                 <p:cNvSpPr/>
                 <p:nvPr/>
               </p:nvSpPr>
@@ -21972,7 +21972,7 @@
             </p:sp>
             <p:sp>
               <p:nvSpPr>
-                <p:cNvPr id="3673" name="Oval 3672"/>
+                <p:cNvPr id="1179" name="Oval 1178"/>
                 <p:cNvSpPr/>
                 <p:nvPr/>
               </p:nvSpPr>
@@ -22020,7 +22020,7 @@
             </p:sp>
             <p:sp>
               <p:nvSpPr>
-                <p:cNvPr id="3674" name="Oval 3673"/>
+                <p:cNvPr id="1180" name="Oval 1179"/>
                 <p:cNvSpPr/>
                 <p:nvPr/>
               </p:nvSpPr>
@@ -22068,7 +22068,7 @@
             </p:sp>
             <p:sp>
               <p:nvSpPr>
-                <p:cNvPr id="3675" name="Oval 3674"/>
+                <p:cNvPr id="1181" name="Oval 1180"/>
                 <p:cNvSpPr>
                   <a:spLocks noChangeAspect="1"/>
                 </p:cNvSpPr>
@@ -22119,7 +22119,7 @@
           </p:grpSp>
           <p:grpSp>
             <p:nvGrpSpPr>
-              <p:cNvPr id="3658" name="Group 3657"/>
+              <p:cNvPr id="1164" name="Group 1163"/>
               <p:cNvGrpSpPr/>
               <p:nvPr/>
             </p:nvGrpSpPr>
@@ -22136,7 +22136,7 @@
             </p:grpSpPr>
             <p:sp>
               <p:nvSpPr>
-                <p:cNvPr id="3665" name="Isosceles Triangle 3664"/>
+                <p:cNvPr id="1171" name="Isosceles Triangle 1170"/>
                 <p:cNvSpPr/>
                 <p:nvPr/>
               </p:nvSpPr>
@@ -22182,7 +22182,7 @@
             </p:sp>
             <p:sp>
               <p:nvSpPr>
-                <p:cNvPr id="3666" name="Oval 3665"/>
+                <p:cNvPr id="1172" name="Oval 1171"/>
                 <p:cNvSpPr/>
                 <p:nvPr/>
               </p:nvSpPr>
@@ -22229,7 +22229,7 @@
           </p:grpSp>
           <p:grpSp>
             <p:nvGrpSpPr>
-              <p:cNvPr id="3659" name="Group 3658"/>
+              <p:cNvPr id="1165" name="Group 1164"/>
               <p:cNvGrpSpPr/>
               <p:nvPr/>
             </p:nvGrpSpPr>
@@ -22246,7 +22246,7 @@
             </p:grpSpPr>
             <p:sp>
               <p:nvSpPr>
-                <p:cNvPr id="3663" name="Isosceles Triangle 3662"/>
+                <p:cNvPr id="1169" name="Isosceles Triangle 1168"/>
                 <p:cNvSpPr/>
                 <p:nvPr/>
               </p:nvSpPr>
@@ -22292,7 +22292,7 @@
             </p:sp>
             <p:sp>
               <p:nvSpPr>
-                <p:cNvPr id="3664" name="Oval 3663"/>
+                <p:cNvPr id="1170" name="Oval 1169"/>
                 <p:cNvSpPr/>
                 <p:nvPr/>
               </p:nvSpPr>
@@ -22339,7 +22339,7 @@
           </p:grpSp>
           <p:grpSp>
             <p:nvGrpSpPr>
-              <p:cNvPr id="3660" name="Group 3659"/>
+              <p:cNvPr id="1166" name="Group 1165"/>
               <p:cNvGrpSpPr/>
               <p:nvPr/>
             </p:nvGrpSpPr>
@@ -22356,7 +22356,7 @@
             </p:grpSpPr>
             <p:sp>
               <p:nvSpPr>
-                <p:cNvPr id="3661" name="Isosceles Triangle 3660"/>
+                <p:cNvPr id="1167" name="Isosceles Triangle 1166"/>
                 <p:cNvSpPr/>
                 <p:nvPr/>
               </p:nvSpPr>
@@ -22402,7 +22402,7 @@
             </p:sp>
             <p:sp>
               <p:nvSpPr>
-                <p:cNvPr id="3662" name="Oval 3661"/>
+                <p:cNvPr id="1168" name="Oval 1167"/>
                 <p:cNvSpPr/>
                 <p:nvPr/>
               </p:nvSpPr>
@@ -22450,7 +22450,7 @@
         </p:grpSp>
         <p:grpSp>
           <p:nvGrpSpPr>
-            <p:cNvPr id="3588" name="Group 3587"/>
+            <p:cNvPr id="1094" name="Group 1093"/>
             <p:cNvGrpSpPr/>
             <p:nvPr/>
           </p:nvGrpSpPr>
@@ -22467,7 +22467,7 @@
           </p:grpSpPr>
           <p:sp>
             <p:nvSpPr>
-              <p:cNvPr id="3651" name="Isosceles Triangle 3650"/>
+              <p:cNvPr id="1157" name="Isosceles Triangle 1156"/>
               <p:cNvSpPr/>
               <p:nvPr/>
             </p:nvSpPr>
@@ -22513,7 +22513,7 @@
           </p:sp>
           <p:sp>
             <p:nvSpPr>
-              <p:cNvPr id="3652" name="Oval 3651"/>
+              <p:cNvPr id="1158" name="Oval 1157"/>
               <p:cNvSpPr/>
               <p:nvPr/>
             </p:nvSpPr>
@@ -22560,7 +22560,7 @@
         </p:grpSp>
         <p:grpSp>
           <p:nvGrpSpPr>
-            <p:cNvPr id="3589" name="Group 3588"/>
+            <p:cNvPr id="1095" name="Group 1094"/>
             <p:cNvGrpSpPr/>
             <p:nvPr/>
           </p:nvGrpSpPr>
@@ -22577,7 +22577,7 @@
           </p:grpSpPr>
           <p:sp>
             <p:nvSpPr>
-              <p:cNvPr id="3649" name="Isosceles Triangle 3648"/>
+              <p:cNvPr id="1155" name="Isosceles Triangle 1154"/>
               <p:cNvSpPr/>
               <p:nvPr/>
             </p:nvSpPr>
@@ -22623,7 +22623,7 @@
           </p:sp>
           <p:sp>
             <p:nvSpPr>
-              <p:cNvPr id="3650" name="Oval 3649"/>
+              <p:cNvPr id="1156" name="Oval 1155"/>
               <p:cNvSpPr/>
               <p:nvPr/>
             </p:nvSpPr>
@@ -22670,7 +22670,7 @@
         </p:grpSp>
         <p:grpSp>
           <p:nvGrpSpPr>
-            <p:cNvPr id="3590" name="Group 3589"/>
+            <p:cNvPr id="1096" name="Group 1095"/>
             <p:cNvGrpSpPr/>
             <p:nvPr/>
           </p:nvGrpSpPr>
@@ -22687,7 +22687,7 @@
           </p:grpSpPr>
           <p:sp>
             <p:nvSpPr>
-              <p:cNvPr id="3647" name="Isosceles Triangle 3646"/>
+              <p:cNvPr id="1153" name="Isosceles Triangle 1152"/>
               <p:cNvSpPr/>
               <p:nvPr/>
             </p:nvSpPr>
@@ -22733,7 +22733,7 @@
           </p:sp>
           <p:sp>
             <p:nvSpPr>
-              <p:cNvPr id="3648" name="Oval 3647"/>
+              <p:cNvPr id="1154" name="Oval 1153"/>
               <p:cNvSpPr/>
               <p:nvPr/>
             </p:nvSpPr>
@@ -22780,7 +22780,7 @@
         </p:grpSp>
         <p:grpSp>
           <p:nvGrpSpPr>
-            <p:cNvPr id="3591" name="Group 3590"/>
+            <p:cNvPr id="1097" name="Group 1096"/>
             <p:cNvGrpSpPr/>
             <p:nvPr/>
           </p:nvGrpSpPr>
@@ -22797,7 +22797,7 @@
           </p:grpSpPr>
           <p:sp>
             <p:nvSpPr>
-              <p:cNvPr id="3645" name="Isosceles Triangle 3644"/>
+              <p:cNvPr id="1151" name="Isosceles Triangle 1150"/>
               <p:cNvSpPr/>
               <p:nvPr/>
             </p:nvSpPr>
@@ -22843,7 +22843,7 @@
           </p:sp>
           <p:sp>
             <p:nvSpPr>
-              <p:cNvPr id="3646" name="Oval 3645"/>
+              <p:cNvPr id="1152" name="Oval 1151"/>
               <p:cNvSpPr/>
               <p:nvPr/>
             </p:nvSpPr>
@@ -22890,7 +22890,7 @@
         </p:grpSp>
         <p:grpSp>
           <p:nvGrpSpPr>
-            <p:cNvPr id="3592" name="Group 3591"/>
+            <p:cNvPr id="1098" name="Group 1097"/>
             <p:cNvGrpSpPr/>
             <p:nvPr/>
           </p:nvGrpSpPr>
@@ -22904,7 +22904,7 @@
           </p:grpSpPr>
           <p:grpSp>
             <p:nvGrpSpPr>
-              <p:cNvPr id="3593" name="Group 3592"/>
+              <p:cNvPr id="1099" name="Group 1098"/>
               <p:cNvGrpSpPr/>
               <p:nvPr/>
             </p:nvGrpSpPr>
@@ -22918,7 +22918,7 @@
             </p:grpSpPr>
             <p:sp>
               <p:nvSpPr>
-                <p:cNvPr id="3636" name="Rectangle 3635"/>
+                <p:cNvPr id="1142" name="Rectangle 1141"/>
                 <p:cNvSpPr>
                   <a:spLocks noChangeAspect="1"/>
                 </p:cNvSpPr>
@@ -22966,7 +22966,7 @@
             </p:sp>
             <p:cxnSp>
               <p:nvCxnSpPr>
-                <p:cNvPr id="3637" name="Straight Connector 3636"/>
+                <p:cNvPr id="1143" name="Straight Connector 1142"/>
                 <p:cNvCxnSpPr/>
                 <p:nvPr/>
               </p:nvCxnSpPr>
@@ -23001,7 +23001,7 @@
             </p:cxnSp>
             <p:cxnSp>
               <p:nvCxnSpPr>
-                <p:cNvPr id="3638" name="Straight Connector 3637"/>
+                <p:cNvPr id="1144" name="Straight Connector 1143"/>
                 <p:cNvCxnSpPr/>
                 <p:nvPr/>
               </p:nvCxnSpPr>
@@ -23036,7 +23036,7 @@
             </p:cxnSp>
             <p:sp>
               <p:nvSpPr>
-                <p:cNvPr id="3639" name="Oval 3638"/>
+                <p:cNvPr id="1145" name="Oval 1144"/>
                 <p:cNvSpPr/>
                 <p:nvPr/>
               </p:nvSpPr>
@@ -23084,7 +23084,7 @@
             </p:sp>
             <p:sp>
               <p:nvSpPr>
-                <p:cNvPr id="3640" name="Oval 3639"/>
+                <p:cNvPr id="1146" name="Oval 1145"/>
                 <p:cNvSpPr/>
                 <p:nvPr/>
               </p:nvSpPr>
@@ -23132,7 +23132,7 @@
             </p:sp>
             <p:sp>
               <p:nvSpPr>
-                <p:cNvPr id="3641" name="Oval 3640"/>
+                <p:cNvPr id="1147" name="Oval 1146"/>
                 <p:cNvSpPr/>
                 <p:nvPr/>
               </p:nvSpPr>
@@ -23180,7 +23180,7 @@
             </p:sp>
             <p:sp>
               <p:nvSpPr>
-                <p:cNvPr id="3642" name="Oval 3641"/>
+                <p:cNvPr id="1148" name="Oval 1147"/>
                 <p:cNvSpPr/>
                 <p:nvPr/>
               </p:nvSpPr>
@@ -23228,7 +23228,7 @@
             </p:sp>
             <p:sp>
               <p:nvSpPr>
-                <p:cNvPr id="3643" name="Oval 3642"/>
+                <p:cNvPr id="1149" name="Oval 1148"/>
                 <p:cNvSpPr/>
                 <p:nvPr/>
               </p:nvSpPr>
@@ -23276,7 +23276,7 @@
             </p:sp>
             <p:sp>
               <p:nvSpPr>
-                <p:cNvPr id="3644" name="Oval 3643"/>
+                <p:cNvPr id="1150" name="Oval 1149"/>
                 <p:cNvSpPr>
                   <a:spLocks noChangeAspect="1"/>
                 </p:cNvSpPr>
@@ -23327,7 +23327,7 @@
           </p:grpSp>
           <p:grpSp>
             <p:nvGrpSpPr>
-              <p:cNvPr id="3594" name="Group 3593"/>
+              <p:cNvPr id="1100" name="Group 1099"/>
               <p:cNvGrpSpPr/>
               <p:nvPr/>
             </p:nvGrpSpPr>
@@ -23344,7 +23344,7 @@
             </p:grpSpPr>
             <p:sp>
               <p:nvSpPr>
-                <p:cNvPr id="3634" name="Isosceles Triangle 3633"/>
+                <p:cNvPr id="1140" name="Isosceles Triangle 1139"/>
                 <p:cNvSpPr/>
                 <p:nvPr/>
               </p:nvSpPr>
@@ -23390,7 +23390,7 @@
             </p:sp>
             <p:sp>
               <p:nvSpPr>
-                <p:cNvPr id="3635" name="Oval 3634"/>
+                <p:cNvPr id="1141" name="Oval 1140"/>
                 <p:cNvSpPr/>
                 <p:nvPr/>
               </p:nvSpPr>
@@ -23437,7 +23437,7 @@
           </p:grpSp>
           <p:grpSp>
             <p:nvGrpSpPr>
-              <p:cNvPr id="3595" name="Group 3594"/>
+              <p:cNvPr id="1101" name="Group 1100"/>
               <p:cNvGrpSpPr/>
               <p:nvPr/>
             </p:nvGrpSpPr>
@@ -23451,7 +23451,7 @@
             </p:grpSpPr>
             <p:sp>
               <p:nvSpPr>
-                <p:cNvPr id="3625" name="Rectangle 3624"/>
+                <p:cNvPr id="1131" name="Rectangle 1130"/>
                 <p:cNvSpPr>
                   <a:spLocks noChangeAspect="1"/>
                 </p:cNvSpPr>
@@ -23499,7 +23499,7 @@
             </p:sp>
             <p:cxnSp>
               <p:nvCxnSpPr>
-                <p:cNvPr id="3626" name="Straight Connector 3625"/>
+                <p:cNvPr id="1132" name="Straight Connector 1131"/>
                 <p:cNvCxnSpPr/>
                 <p:nvPr/>
               </p:nvCxnSpPr>
@@ -23534,7 +23534,7 @@
             </p:cxnSp>
             <p:cxnSp>
               <p:nvCxnSpPr>
-                <p:cNvPr id="3627" name="Straight Connector 3626"/>
+                <p:cNvPr id="1133" name="Straight Connector 1132"/>
                 <p:cNvCxnSpPr/>
                 <p:nvPr/>
               </p:nvCxnSpPr>
@@ -23569,7 +23569,7 @@
             </p:cxnSp>
             <p:sp>
               <p:nvSpPr>
-                <p:cNvPr id="3628" name="Oval 3627"/>
+                <p:cNvPr id="1134" name="Oval 1133"/>
                 <p:cNvSpPr/>
                 <p:nvPr/>
               </p:nvSpPr>
@@ -23617,7 +23617,7 @@
             </p:sp>
             <p:sp>
               <p:nvSpPr>
-                <p:cNvPr id="3629" name="Oval 3628"/>
+                <p:cNvPr id="1135" name="Oval 1134"/>
                 <p:cNvSpPr/>
                 <p:nvPr/>
               </p:nvSpPr>
@@ -23665,7 +23665,7 @@
             </p:sp>
             <p:sp>
               <p:nvSpPr>
-                <p:cNvPr id="3630" name="Oval 3629"/>
+                <p:cNvPr id="1136" name="Oval 1135"/>
                 <p:cNvSpPr/>
                 <p:nvPr/>
               </p:nvSpPr>
@@ -23713,7 +23713,7 @@
             </p:sp>
             <p:sp>
               <p:nvSpPr>
-                <p:cNvPr id="3631" name="Oval 3630"/>
+                <p:cNvPr id="1137" name="Oval 1136"/>
                 <p:cNvSpPr/>
                 <p:nvPr/>
               </p:nvSpPr>
@@ -23761,7 +23761,7 @@
             </p:sp>
             <p:sp>
               <p:nvSpPr>
-                <p:cNvPr id="3632" name="Oval 3631"/>
+                <p:cNvPr id="1138" name="Oval 1137"/>
                 <p:cNvSpPr/>
                 <p:nvPr/>
               </p:nvSpPr>
@@ -23809,7 +23809,7 @@
             </p:sp>
             <p:sp>
               <p:nvSpPr>
-                <p:cNvPr id="3633" name="Oval 3632"/>
+                <p:cNvPr id="1139" name="Oval 1138"/>
                 <p:cNvSpPr>
                   <a:spLocks noChangeAspect="1"/>
                 </p:cNvSpPr>
@@ -23860,7 +23860,7 @@
           </p:grpSp>
           <p:grpSp>
             <p:nvGrpSpPr>
-              <p:cNvPr id="3596" name="Group 3595"/>
+              <p:cNvPr id="1102" name="Group 1101"/>
               <p:cNvGrpSpPr/>
               <p:nvPr/>
             </p:nvGrpSpPr>
@@ -23874,7 +23874,7 @@
             </p:grpSpPr>
             <p:sp>
               <p:nvSpPr>
-                <p:cNvPr id="3616" name="Rectangle 3615"/>
+                <p:cNvPr id="1122" name="Rectangle 1121"/>
                 <p:cNvSpPr>
                   <a:spLocks noChangeAspect="1"/>
                 </p:cNvSpPr>
@@ -23922,7 +23922,7 @@
             </p:sp>
             <p:cxnSp>
               <p:nvCxnSpPr>
-                <p:cNvPr id="3617" name="Straight Connector 3616"/>
+                <p:cNvPr id="1123" name="Straight Connector 1122"/>
                 <p:cNvCxnSpPr/>
                 <p:nvPr/>
               </p:nvCxnSpPr>
@@ -23957,7 +23957,7 @@
             </p:cxnSp>
             <p:cxnSp>
               <p:nvCxnSpPr>
-                <p:cNvPr id="3618" name="Straight Connector 3617"/>
+                <p:cNvPr id="1124" name="Straight Connector 1123"/>
                 <p:cNvCxnSpPr/>
                 <p:nvPr/>
               </p:nvCxnSpPr>
@@ -23992,7 +23992,7 @@
             </p:cxnSp>
             <p:sp>
               <p:nvSpPr>
-                <p:cNvPr id="3619" name="Oval 3618"/>
+                <p:cNvPr id="1125" name="Oval 1124"/>
                 <p:cNvSpPr/>
                 <p:nvPr/>
               </p:nvSpPr>
@@ -24040,7 +24040,7 @@
             </p:sp>
             <p:sp>
               <p:nvSpPr>
-                <p:cNvPr id="3620" name="Oval 3619"/>
+                <p:cNvPr id="1126" name="Oval 1125"/>
                 <p:cNvSpPr/>
                 <p:nvPr/>
               </p:nvSpPr>
@@ -24088,7 +24088,7 @@
             </p:sp>
             <p:sp>
               <p:nvSpPr>
-                <p:cNvPr id="3621" name="Oval 3620"/>
+                <p:cNvPr id="1127" name="Oval 1126"/>
                 <p:cNvSpPr/>
                 <p:nvPr/>
               </p:nvSpPr>
@@ -24136,7 +24136,7 @@
             </p:sp>
             <p:sp>
               <p:nvSpPr>
-                <p:cNvPr id="3622" name="Oval 3621"/>
+                <p:cNvPr id="1128" name="Oval 1127"/>
                 <p:cNvSpPr/>
                 <p:nvPr/>
               </p:nvSpPr>
@@ -24184,7 +24184,7 @@
             </p:sp>
             <p:sp>
               <p:nvSpPr>
-                <p:cNvPr id="3623" name="Oval 3622"/>
+                <p:cNvPr id="1129" name="Oval 1128"/>
                 <p:cNvSpPr/>
                 <p:nvPr/>
               </p:nvSpPr>
@@ -24232,7 +24232,7 @@
             </p:sp>
             <p:sp>
               <p:nvSpPr>
-                <p:cNvPr id="3624" name="Oval 3623"/>
+                <p:cNvPr id="1130" name="Oval 1129"/>
                 <p:cNvSpPr>
                   <a:spLocks noChangeAspect="1"/>
                 </p:cNvSpPr>
@@ -24283,7 +24283,7 @@
           </p:grpSp>
           <p:grpSp>
             <p:nvGrpSpPr>
-              <p:cNvPr id="3597" name="Group 3596"/>
+              <p:cNvPr id="1103" name="Group 1102"/>
               <p:cNvGrpSpPr/>
               <p:nvPr/>
             </p:nvGrpSpPr>
@@ -24297,7 +24297,7 @@
             </p:grpSpPr>
             <p:sp>
               <p:nvSpPr>
-                <p:cNvPr id="3607" name="Rectangle 3606"/>
+                <p:cNvPr id="1113" name="Rectangle 1112"/>
                 <p:cNvSpPr>
                   <a:spLocks noChangeAspect="1"/>
                 </p:cNvSpPr>
@@ -24345,7 +24345,7 @@
             </p:sp>
             <p:cxnSp>
               <p:nvCxnSpPr>
-                <p:cNvPr id="3608" name="Straight Connector 3607"/>
+                <p:cNvPr id="1114" name="Straight Connector 1113"/>
                 <p:cNvCxnSpPr/>
                 <p:nvPr/>
               </p:nvCxnSpPr>
@@ -24380,7 +24380,7 @@
             </p:cxnSp>
             <p:cxnSp>
               <p:nvCxnSpPr>
-                <p:cNvPr id="3609" name="Straight Connector 3608"/>
+                <p:cNvPr id="1115" name="Straight Connector 1114"/>
                 <p:cNvCxnSpPr/>
                 <p:nvPr/>
               </p:nvCxnSpPr>
@@ -24415,7 +24415,7 @@
             </p:cxnSp>
             <p:sp>
               <p:nvSpPr>
-                <p:cNvPr id="3610" name="Oval 3609"/>
+                <p:cNvPr id="1116" name="Oval 1115"/>
                 <p:cNvSpPr/>
                 <p:nvPr/>
               </p:nvSpPr>
@@ -24463,7 +24463,7 @@
             </p:sp>
             <p:sp>
               <p:nvSpPr>
-                <p:cNvPr id="3611" name="Oval 3610"/>
+                <p:cNvPr id="1117" name="Oval 1116"/>
                 <p:cNvSpPr/>
                 <p:nvPr/>
               </p:nvSpPr>
@@ -24511,7 +24511,7 @@
             </p:sp>
             <p:sp>
               <p:nvSpPr>
-                <p:cNvPr id="3612" name="Oval 3611"/>
+                <p:cNvPr id="1118" name="Oval 1117"/>
                 <p:cNvSpPr/>
                 <p:nvPr/>
               </p:nvSpPr>
@@ -24559,7 +24559,7 @@
             </p:sp>
             <p:sp>
               <p:nvSpPr>
-                <p:cNvPr id="3613" name="Oval 3612"/>
+                <p:cNvPr id="1119" name="Oval 1118"/>
                 <p:cNvSpPr/>
                 <p:nvPr/>
               </p:nvSpPr>
@@ -24607,7 +24607,7 @@
             </p:sp>
             <p:sp>
               <p:nvSpPr>
-                <p:cNvPr id="3614" name="Oval 3613"/>
+                <p:cNvPr id="1120" name="Oval 1119"/>
                 <p:cNvSpPr/>
                 <p:nvPr/>
               </p:nvSpPr>
@@ -24655,7 +24655,7 @@
             </p:sp>
             <p:sp>
               <p:nvSpPr>
-                <p:cNvPr id="3615" name="Oval 3614"/>
+                <p:cNvPr id="1121" name="Oval 1120"/>
                 <p:cNvSpPr>
                   <a:spLocks noChangeAspect="1"/>
                 </p:cNvSpPr>
@@ -24706,7 +24706,7 @@
           </p:grpSp>
           <p:grpSp>
             <p:nvGrpSpPr>
-              <p:cNvPr id="3598" name="Group 3597"/>
+              <p:cNvPr id="1104" name="Group 1103"/>
               <p:cNvGrpSpPr/>
               <p:nvPr/>
             </p:nvGrpSpPr>
@@ -24723,7 +24723,7 @@
             </p:grpSpPr>
             <p:sp>
               <p:nvSpPr>
-                <p:cNvPr id="3605" name="Isosceles Triangle 3604"/>
+                <p:cNvPr id="1111" name="Isosceles Triangle 1110"/>
                 <p:cNvSpPr/>
                 <p:nvPr/>
               </p:nvSpPr>
@@ -24769,7 +24769,7 @@
             </p:sp>
             <p:sp>
               <p:nvSpPr>
-                <p:cNvPr id="3606" name="Oval 3605"/>
+                <p:cNvPr id="1112" name="Oval 1111"/>
                 <p:cNvSpPr/>
                 <p:nvPr/>
               </p:nvSpPr>
@@ -24816,7 +24816,7 @@
           </p:grpSp>
           <p:grpSp>
             <p:nvGrpSpPr>
-              <p:cNvPr id="3599" name="Group 3598"/>
+              <p:cNvPr id="1105" name="Group 1104"/>
               <p:cNvGrpSpPr/>
               <p:nvPr/>
             </p:nvGrpSpPr>
@@ -24833,7 +24833,7 @@
             </p:grpSpPr>
             <p:sp>
               <p:nvSpPr>
-                <p:cNvPr id="3603" name="Isosceles Triangle 3602"/>
+                <p:cNvPr id="1109" name="Isosceles Triangle 1108"/>
                 <p:cNvSpPr/>
                 <p:nvPr/>
               </p:nvSpPr>
@@ -24879,7 +24879,7 @@
             </p:sp>
             <p:sp>
               <p:nvSpPr>
-                <p:cNvPr id="3604" name="Oval 3603"/>
+                <p:cNvPr id="1110" name="Oval 1109"/>
                 <p:cNvSpPr/>
                 <p:nvPr/>
               </p:nvSpPr>
@@ -24926,7 +24926,7 @@
           </p:grpSp>
           <p:grpSp>
             <p:nvGrpSpPr>
-              <p:cNvPr id="3600" name="Group 3599"/>
+              <p:cNvPr id="1106" name="Group 1105"/>
               <p:cNvGrpSpPr/>
               <p:nvPr/>
             </p:nvGrpSpPr>
@@ -24943,7 +24943,7 @@
             </p:grpSpPr>
             <p:sp>
               <p:nvSpPr>
-                <p:cNvPr id="3601" name="Isosceles Triangle 3600"/>
+                <p:cNvPr id="1107" name="Isosceles Triangle 1106"/>
                 <p:cNvSpPr/>
                 <p:nvPr/>
               </p:nvSpPr>
@@ -24989,7 +24989,7 @@
             </p:sp>
             <p:sp>
               <p:nvSpPr>
-                <p:cNvPr id="3602" name="Oval 3601"/>
+                <p:cNvPr id="1108" name="Oval 1107"/>
                 <p:cNvSpPr/>
                 <p:nvPr/>
               </p:nvSpPr>
@@ -25038,7 +25038,7 @@
       </p:grpSp>
       <p:grpSp>
         <p:nvGrpSpPr>
-          <p:cNvPr id="3757" name="Group 3756"/>
+          <p:cNvPr id="1263" name="Group 1262"/>
           <p:cNvGrpSpPr/>
           <p:nvPr/>
         </p:nvGrpSpPr>
@@ -25052,7 +25052,7 @@
         </p:grpSpPr>
         <p:sp>
           <p:nvSpPr>
-            <p:cNvPr id="3758" name="Oval 3757"/>
+            <p:cNvPr id="1264" name="Oval 1263"/>
             <p:cNvSpPr/>
             <p:nvPr/>
           </p:nvSpPr>
@@ -25108,7 +25108,7 @@
         </p:sp>
         <p:sp>
           <p:nvSpPr>
-            <p:cNvPr id="3759" name="Oval 3758"/>
+            <p:cNvPr id="1265" name="Oval 1264"/>
             <p:cNvSpPr/>
             <p:nvPr/>
           </p:nvSpPr>
@@ -25164,7 +25164,7 @@
         </p:sp>
         <p:sp>
           <p:nvSpPr>
-            <p:cNvPr id="3760" name="Oval 3759"/>
+            <p:cNvPr id="1266" name="Oval 1265"/>
             <p:cNvSpPr/>
             <p:nvPr/>
           </p:nvSpPr>
@@ -25222,7 +25222,7 @@
         </p:sp>
         <p:sp>
           <p:nvSpPr>
-            <p:cNvPr id="3761" name="TextBox 3760"/>
+            <p:cNvPr id="1267" name="TextBox 1266"/>
             <p:cNvSpPr txBox="1"/>
             <p:nvPr/>
           </p:nvSpPr>
@@ -25252,7 +25252,7 @@
         </p:sp>
         <p:sp>
           <p:nvSpPr>
-            <p:cNvPr id="3762" name="TextBox 3761"/>
+            <p:cNvPr id="1268" name="TextBox 1267"/>
             <p:cNvSpPr txBox="1"/>
             <p:nvPr/>
           </p:nvSpPr>
@@ -25281,7 +25281,7 @@
         </p:sp>
         <p:sp>
           <p:nvSpPr>
-            <p:cNvPr id="3763" name="TextBox 3762"/>
+            <p:cNvPr id="1269" name="TextBox 1268"/>
             <p:cNvSpPr txBox="1"/>
             <p:nvPr/>
           </p:nvSpPr>
@@ -25311,7 +25311,7 @@
       </p:grpSp>
       <p:sp>
         <p:nvSpPr>
-          <p:cNvPr id="3764" name="TextBox 3763"/>
+          <p:cNvPr id="1270" name="TextBox 1269"/>
           <p:cNvSpPr txBox="1"/>
           <p:nvPr/>
         </p:nvSpPr>
@@ -25341,7 +25341,7 @@
       </p:sp>
       <p:sp>
         <p:nvSpPr>
-          <p:cNvPr id="3765" name="TextBox 3764"/>
+          <p:cNvPr id="1271" name="TextBox 1270"/>
           <p:cNvSpPr txBox="1"/>
           <p:nvPr/>
         </p:nvSpPr>
@@ -25371,14 +25371,14 @@
       </p:sp>
       <p:sp>
         <p:nvSpPr>
-          <p:cNvPr id="3766" name="TextBox 3765"/>
+          <p:cNvPr id="1272" name="TextBox 1271"/>
           <p:cNvSpPr txBox="1"/>
           <p:nvPr/>
         </p:nvSpPr>
         <p:spPr>
           <a:xfrm>
-            <a:off x="7394639" y="429374"/>
-            <a:ext cx="1691277" cy="369332"/>
+            <a:off x="7380991" y="429374"/>
+            <a:ext cx="2110724" cy="430887"/>
           </a:xfrm>
           <a:prstGeom prst="rect">
             <a:avLst/>
@@ -25392,28 +25392,28 @@
           <a:lstStyle/>
           <a:p>
             <a:r>
-              <a:rPr lang="en-GB" dirty="0" smtClean="0"/>
+              <a:rPr lang="en-GB" sz="2200" dirty="0" smtClean="0"/>
               <a:t>MX</a:t>
             </a:r>
             <a:r>
-              <a:rPr lang="en-GB" baseline="-25000" dirty="0" smtClean="0"/>
+              <a:rPr lang="en-GB" sz="2200" baseline="-25000" dirty="0" smtClean="0"/>
               <a:t>6</a:t>
             </a:r>
             <a:r>
-              <a:rPr lang="en-GB" dirty="0" smtClean="0"/>
+              <a:rPr lang="en-GB" sz="2200" dirty="0" smtClean="0"/>
               <a:t> </a:t>
             </a:r>
             <a:r>
-              <a:rPr lang="en-GB" dirty="0" err="1" smtClean="0"/>
+              <a:rPr lang="en-GB" sz="2200" dirty="0" err="1" smtClean="0"/>
               <a:t>octahedra</a:t>
             </a:r>
-            <a:endParaRPr lang="en-GB" dirty="0"/>
+            <a:endParaRPr lang="en-GB" sz="2200" dirty="0"/>
           </a:p>
         </p:txBody>
       </p:sp>
       <p:cxnSp>
         <p:nvCxnSpPr>
-          <p:cNvPr id="3767" name="Straight Arrow Connector 3766"/>
+          <p:cNvPr id="1273" name="Straight Arrow Connector 1272"/>
           <p:cNvCxnSpPr/>
           <p:nvPr/>
         </p:nvCxnSpPr>
@@ -25450,14 +25450,14 @@
       </p:cxnSp>
       <p:sp>
         <p:nvSpPr>
-          <p:cNvPr id="3768" name="TextBox 3767"/>
+          <p:cNvPr id="1274" name="TextBox 1273"/>
           <p:cNvSpPr txBox="1"/>
           <p:nvPr/>
         </p:nvSpPr>
         <p:spPr>
           <a:xfrm>
-            <a:off x="7644650" y="1240126"/>
-            <a:ext cx="1210304" cy="646331"/>
+            <a:off x="7644649" y="1240126"/>
+            <a:ext cx="1510467" cy="769441"/>
           </a:xfrm>
           <a:prstGeom prst="rect">
             <a:avLst/>
@@ -25471,34 +25471,34 @@
           <a:lstStyle/>
           <a:p>
             <a:r>
-              <a:rPr lang="en-GB" dirty="0" smtClean="0"/>
+              <a:rPr lang="en-GB" sz="2200" dirty="0" smtClean="0"/>
               <a:t>CH</a:t>
             </a:r>
             <a:r>
-              <a:rPr lang="en-GB" baseline="-25000" dirty="0" smtClean="0"/>
+              <a:rPr lang="en-GB" sz="2200" baseline="-25000" dirty="0" smtClean="0"/>
               <a:t>3</a:t>
             </a:r>
             <a:r>
-              <a:rPr lang="en-GB" dirty="0" smtClean="0"/>
+              <a:rPr lang="en-GB" sz="2200" dirty="0" smtClean="0"/>
               <a:t>NH</a:t>
             </a:r>
             <a:r>
-              <a:rPr lang="en-GB" baseline="-25000" dirty="0" smtClean="0"/>
+              <a:rPr lang="en-GB" sz="2200" baseline="-25000" dirty="0" smtClean="0"/>
               <a:t>3</a:t>
             </a:r>
             <a:r>
-              <a:rPr lang="en-GB" dirty="0" smtClean="0"/>
+              <a:rPr lang="en-GB" sz="2200" dirty="0" smtClean="0"/>
               <a:t> molecules</a:t>
             </a:r>
-            <a:endParaRPr lang="en-GB" dirty="0"/>
+            <a:endParaRPr lang="en-GB" sz="2200" dirty="0"/>
           </a:p>
         </p:txBody>
       </p:sp>
       <p:cxnSp>
         <p:nvCxnSpPr>
-          <p:cNvPr id="3769" name="Straight Arrow Connector 3768"/>
+          <p:cNvPr id="1275" name="Straight Arrow Connector 1274"/>
           <p:cNvCxnSpPr>
-            <a:stCxn id="3232" idx="5"/>
+            <a:stCxn id="738" idx="5"/>
           </p:cNvCxnSpPr>
           <p:nvPr/>
         </p:nvCxnSpPr>
@@ -25535,14 +25535,14 @@
       </p:cxnSp>
       <p:sp>
         <p:nvSpPr>
-          <p:cNvPr id="3770" name="TextBox 3769"/>
+          <p:cNvPr id="1276" name="TextBox 1275"/>
           <p:cNvSpPr txBox="1"/>
           <p:nvPr/>
         </p:nvSpPr>
         <p:spPr>
           <a:xfrm>
-            <a:off x="-16693" y="4647549"/>
-            <a:ext cx="1210304" cy="646331"/>
+            <a:off x="-56856" y="4592957"/>
+            <a:ext cx="1427891" cy="769441"/>
           </a:xfrm>
           <a:prstGeom prst="rect">
             <a:avLst/>
@@ -25556,30 +25556,30 @@
           <a:lstStyle/>
           <a:p>
             <a:r>
-              <a:rPr lang="en-GB" dirty="0" smtClean="0"/>
+              <a:rPr lang="en-GB" sz="2200" dirty="0" smtClean="0"/>
               <a:t>RNH</a:t>
             </a:r>
             <a:r>
-              <a:rPr lang="en-GB" baseline="-25000" dirty="0" smtClean="0"/>
+              <a:rPr lang="en-GB" sz="2200" baseline="-25000" dirty="0" smtClean="0"/>
               <a:t>3</a:t>
             </a:r>
             <a:r>
-              <a:rPr lang="en-GB" dirty="0" smtClean="0"/>
+              <a:rPr lang="en-GB" sz="2200" dirty="0" smtClean="0"/>
               <a:t> molecules</a:t>
             </a:r>
-            <a:endParaRPr lang="en-GB" dirty="0"/>
+            <a:endParaRPr lang="en-GB" sz="2200" dirty="0"/>
           </a:p>
         </p:txBody>
       </p:sp>
       <p:cxnSp>
         <p:nvCxnSpPr>
-          <p:cNvPr id="3771" name="Straight Arrow Connector 3770"/>
+          <p:cNvPr id="1277" name="Straight Arrow Connector 1276"/>
           <p:cNvCxnSpPr/>
           <p:nvPr/>
         </p:nvCxnSpPr>
         <p:spPr>
           <a:xfrm flipH="1">
-            <a:off x="646730" y="4641348"/>
+            <a:off x="824154" y="4641348"/>
             <a:ext cx="433075" cy="250850"/>
           </a:xfrm>
           <a:prstGeom prst="straightConnector1">
@@ -25610,13 +25610,13 @@
       </p:cxnSp>
       <p:sp>
         <p:nvSpPr>
-          <p:cNvPr id="3772" name="TextBox 3771"/>
+          <p:cNvPr id="1278" name="TextBox 1277"/>
           <p:cNvSpPr txBox="1"/>
           <p:nvPr/>
         </p:nvSpPr>
         <p:spPr>
           <a:xfrm>
-            <a:off x="-95485" y="2511792"/>
+            <a:off x="81939" y="2511792"/>
             <a:ext cx="675225" cy="477054"/>
           </a:xfrm>
           <a:prstGeom prst="rect">
@@ -25640,13 +25640,13 @@
       </p:sp>
       <p:sp>
         <p:nvSpPr>
-          <p:cNvPr id="3773" name="TextBox 3772"/>
+          <p:cNvPr id="1279" name="TextBox 1278"/>
           <p:cNvSpPr txBox="1"/>
           <p:nvPr/>
         </p:nvSpPr>
         <p:spPr>
           <a:xfrm>
-            <a:off x="3298123" y="2511792"/>
+            <a:off x="3475547" y="2511792"/>
             <a:ext cx="675225" cy="477054"/>
           </a:xfrm>
           <a:prstGeom prst="rect">
@@ -25670,13 +25670,13 @@
       </p:sp>
       <p:sp>
         <p:nvSpPr>
-          <p:cNvPr id="3774" name="TextBox 3773"/>
+          <p:cNvPr id="1280" name="TextBox 1279"/>
           <p:cNvSpPr txBox="1"/>
           <p:nvPr/>
         </p:nvSpPr>
         <p:spPr>
           <a:xfrm>
-            <a:off x="6250451" y="2511792"/>
+            <a:off x="6598179" y="2511792"/>
             <a:ext cx="675225" cy="477054"/>
           </a:xfrm>
           <a:prstGeom prst="rect">
@@ -25700,13 +25700,13 @@
       </p:sp>
       <p:grpSp>
         <p:nvGrpSpPr>
-          <p:cNvPr id="358" name="Group 357"/>
+          <p:cNvPr id="1281" name="Group 1280"/>
           <p:cNvGrpSpPr/>
           <p:nvPr/>
         </p:nvGrpSpPr>
         <p:grpSpPr>
           <a:xfrm>
-            <a:off x="6844174" y="2702376"/>
+            <a:off x="7191902" y="2702376"/>
             <a:ext cx="2310943" cy="2972795"/>
             <a:chOff x="6844174" y="2702376"/>
             <a:chExt cx="2310943" cy="2972795"/>
@@ -25714,7 +25714,7 @@
         </p:grpSpPr>
         <p:grpSp>
           <p:nvGrpSpPr>
-            <p:cNvPr id="3900" name="Group 3899"/>
+            <p:cNvPr id="1282" name="Group 1281"/>
             <p:cNvGrpSpPr/>
             <p:nvPr/>
           </p:nvGrpSpPr>
@@ -25728,7 +25728,7 @@
           </p:grpSpPr>
           <p:sp>
             <p:nvSpPr>
-              <p:cNvPr id="3943" name="Rectangle 3942"/>
+              <p:cNvPr id="1433" name="Rectangle 1432"/>
               <p:cNvSpPr>
                 <a:spLocks noChangeAspect="1"/>
               </p:cNvSpPr>
@@ -25776,7 +25776,7 @@
           </p:sp>
           <p:cxnSp>
             <p:nvCxnSpPr>
-              <p:cNvPr id="3944" name="Straight Connector 3943"/>
+              <p:cNvPr id="1434" name="Straight Connector 1433"/>
               <p:cNvCxnSpPr/>
               <p:nvPr/>
             </p:nvCxnSpPr>
@@ -25811,7 +25811,7 @@
           </p:cxnSp>
           <p:cxnSp>
             <p:nvCxnSpPr>
-              <p:cNvPr id="3945" name="Straight Connector 3944"/>
+              <p:cNvPr id="1435" name="Straight Connector 1434"/>
               <p:cNvCxnSpPr/>
               <p:nvPr/>
             </p:nvCxnSpPr>
@@ -25846,7 +25846,7 @@
           </p:cxnSp>
           <p:sp>
             <p:nvSpPr>
-              <p:cNvPr id="3946" name="Oval 3945"/>
+              <p:cNvPr id="1436" name="Oval 1435"/>
               <p:cNvSpPr/>
               <p:nvPr/>
             </p:nvSpPr>
@@ -25894,7 +25894,7 @@
           </p:sp>
           <p:sp>
             <p:nvSpPr>
-              <p:cNvPr id="3947" name="Oval 3946"/>
+              <p:cNvPr id="1437" name="Oval 1436"/>
               <p:cNvSpPr/>
               <p:nvPr/>
             </p:nvSpPr>
@@ -25942,7 +25942,7 @@
           </p:sp>
           <p:sp>
             <p:nvSpPr>
-              <p:cNvPr id="3948" name="Oval 3947"/>
+              <p:cNvPr id="1438" name="Oval 1437"/>
               <p:cNvSpPr/>
               <p:nvPr/>
             </p:nvSpPr>
@@ -25990,7 +25990,7 @@
           </p:sp>
           <p:sp>
             <p:nvSpPr>
-              <p:cNvPr id="3949" name="Oval 3948"/>
+              <p:cNvPr id="1439" name="Oval 1438"/>
               <p:cNvSpPr/>
               <p:nvPr/>
             </p:nvSpPr>
@@ -26038,7 +26038,7 @@
           </p:sp>
           <p:sp>
             <p:nvSpPr>
-              <p:cNvPr id="3950" name="Oval 3949"/>
+              <p:cNvPr id="1440" name="Oval 1439"/>
               <p:cNvSpPr/>
               <p:nvPr/>
             </p:nvSpPr>
@@ -26086,7 +26086,7 @@
           </p:sp>
           <p:sp>
             <p:nvSpPr>
-              <p:cNvPr id="3951" name="Oval 3950"/>
+              <p:cNvPr id="1441" name="Oval 1440"/>
               <p:cNvSpPr>
                 <a:spLocks noChangeAspect="1"/>
               </p:cNvSpPr>
@@ -26137,7 +26137,7 @@
         </p:grpSp>
         <p:grpSp>
           <p:nvGrpSpPr>
-            <p:cNvPr id="3902" name="Group 3901"/>
+            <p:cNvPr id="1283" name="Group 1282"/>
             <p:cNvGrpSpPr/>
             <p:nvPr/>
           </p:nvGrpSpPr>
@@ -26151,7 +26151,7 @@
           </p:grpSpPr>
           <p:sp>
             <p:nvSpPr>
-              <p:cNvPr id="3932" name="Rectangle 3931"/>
+              <p:cNvPr id="1424" name="Rectangle 1423"/>
               <p:cNvSpPr>
                 <a:spLocks noChangeAspect="1"/>
               </p:cNvSpPr>
@@ -26199,7 +26199,7 @@
           </p:sp>
           <p:cxnSp>
             <p:nvCxnSpPr>
-              <p:cNvPr id="3933" name="Straight Connector 3932"/>
+              <p:cNvPr id="1425" name="Straight Connector 1424"/>
               <p:cNvCxnSpPr/>
               <p:nvPr/>
             </p:nvCxnSpPr>
@@ -26234,7 +26234,7 @@
           </p:cxnSp>
           <p:cxnSp>
             <p:nvCxnSpPr>
-              <p:cNvPr id="3934" name="Straight Connector 3933"/>
+              <p:cNvPr id="1426" name="Straight Connector 1425"/>
               <p:cNvCxnSpPr/>
               <p:nvPr/>
             </p:nvCxnSpPr>
@@ -26269,7 +26269,7 @@
           </p:cxnSp>
           <p:sp>
             <p:nvSpPr>
-              <p:cNvPr id="3935" name="Oval 3934"/>
+              <p:cNvPr id="1427" name="Oval 1426"/>
               <p:cNvSpPr/>
               <p:nvPr/>
             </p:nvSpPr>
@@ -26317,7 +26317,7 @@
           </p:sp>
           <p:sp>
             <p:nvSpPr>
-              <p:cNvPr id="3936" name="Oval 3935"/>
+              <p:cNvPr id="1428" name="Oval 1427"/>
               <p:cNvSpPr/>
               <p:nvPr/>
             </p:nvSpPr>
@@ -26365,7 +26365,7 @@
           </p:sp>
           <p:sp>
             <p:nvSpPr>
-              <p:cNvPr id="3937" name="Oval 3936"/>
+              <p:cNvPr id="1429" name="Oval 1428"/>
               <p:cNvSpPr/>
               <p:nvPr/>
             </p:nvSpPr>
@@ -26413,7 +26413,7 @@
           </p:sp>
           <p:sp>
             <p:nvSpPr>
-              <p:cNvPr id="3938" name="Oval 3937"/>
+              <p:cNvPr id="1430" name="Oval 1429"/>
               <p:cNvSpPr/>
               <p:nvPr/>
             </p:nvSpPr>
@@ -26461,7 +26461,7 @@
           </p:sp>
           <p:sp>
             <p:nvSpPr>
-              <p:cNvPr id="3939" name="Oval 3938"/>
+              <p:cNvPr id="1431" name="Oval 1430"/>
               <p:cNvSpPr/>
               <p:nvPr/>
             </p:nvSpPr>
@@ -26509,7 +26509,7 @@
           </p:sp>
           <p:sp>
             <p:nvSpPr>
-              <p:cNvPr id="3940" name="Oval 3939"/>
+              <p:cNvPr id="1432" name="Oval 1431"/>
               <p:cNvSpPr>
                 <a:spLocks noChangeAspect="1"/>
               </p:cNvSpPr>
@@ -26560,7 +26560,7 @@
         </p:grpSp>
         <p:grpSp>
           <p:nvGrpSpPr>
-            <p:cNvPr id="3903" name="Group 3902"/>
+            <p:cNvPr id="1284" name="Group 1283"/>
             <p:cNvGrpSpPr/>
             <p:nvPr/>
           </p:nvGrpSpPr>
@@ -26574,7 +26574,7 @@
           </p:grpSpPr>
           <p:sp>
             <p:nvSpPr>
-              <p:cNvPr id="3923" name="Rectangle 3922"/>
+              <p:cNvPr id="1415" name="Rectangle 1414"/>
               <p:cNvSpPr>
                 <a:spLocks noChangeAspect="1"/>
               </p:cNvSpPr>
@@ -26622,7 +26622,7 @@
           </p:sp>
           <p:cxnSp>
             <p:nvCxnSpPr>
-              <p:cNvPr id="3924" name="Straight Connector 3923"/>
+              <p:cNvPr id="1416" name="Straight Connector 1415"/>
               <p:cNvCxnSpPr/>
               <p:nvPr/>
             </p:nvCxnSpPr>
@@ -26657,7 +26657,7 @@
           </p:cxnSp>
           <p:cxnSp>
             <p:nvCxnSpPr>
-              <p:cNvPr id="3925" name="Straight Connector 3924"/>
+              <p:cNvPr id="1417" name="Straight Connector 1416"/>
               <p:cNvCxnSpPr/>
               <p:nvPr/>
             </p:nvCxnSpPr>
@@ -26692,7 +26692,7 @@
           </p:cxnSp>
           <p:sp>
             <p:nvSpPr>
-              <p:cNvPr id="3926" name="Oval 3925"/>
+              <p:cNvPr id="1418" name="Oval 1417"/>
               <p:cNvSpPr/>
               <p:nvPr/>
             </p:nvSpPr>
@@ -26740,7 +26740,7 @@
           </p:sp>
           <p:sp>
             <p:nvSpPr>
-              <p:cNvPr id="3927" name="Oval 3926"/>
+              <p:cNvPr id="1419" name="Oval 1418"/>
               <p:cNvSpPr/>
               <p:nvPr/>
             </p:nvSpPr>
@@ -26788,7 +26788,7 @@
           </p:sp>
           <p:sp>
             <p:nvSpPr>
-              <p:cNvPr id="3928" name="Oval 3927"/>
+              <p:cNvPr id="1420" name="Oval 1419"/>
               <p:cNvSpPr/>
               <p:nvPr/>
             </p:nvSpPr>
@@ -26836,7 +26836,7 @@
           </p:sp>
           <p:sp>
             <p:nvSpPr>
-              <p:cNvPr id="3929" name="Oval 3928"/>
+              <p:cNvPr id="1421" name="Oval 1420"/>
               <p:cNvSpPr/>
               <p:nvPr/>
             </p:nvSpPr>
@@ -26884,7 +26884,7 @@
           </p:sp>
           <p:sp>
             <p:nvSpPr>
-              <p:cNvPr id="3930" name="Oval 3929"/>
+              <p:cNvPr id="1422" name="Oval 1421"/>
               <p:cNvSpPr/>
               <p:nvPr/>
             </p:nvSpPr>
@@ -26932,7 +26932,7 @@
           </p:sp>
           <p:sp>
             <p:nvSpPr>
-              <p:cNvPr id="3931" name="Oval 3930"/>
+              <p:cNvPr id="1423" name="Oval 1422"/>
               <p:cNvSpPr>
                 <a:spLocks noChangeAspect="1"/>
               </p:cNvSpPr>
@@ -26983,7 +26983,7 @@
         </p:grpSp>
         <p:grpSp>
           <p:nvGrpSpPr>
-            <p:cNvPr id="3904" name="Group 3903"/>
+            <p:cNvPr id="1285" name="Group 1284"/>
             <p:cNvGrpSpPr/>
             <p:nvPr/>
           </p:nvGrpSpPr>
@@ -26997,7 +26997,7 @@
           </p:grpSpPr>
           <p:sp>
             <p:nvSpPr>
-              <p:cNvPr id="3914" name="Rectangle 3913"/>
+              <p:cNvPr id="1406" name="Rectangle 1405"/>
               <p:cNvSpPr>
                 <a:spLocks noChangeAspect="1"/>
               </p:cNvSpPr>
@@ -27045,7 +27045,7 @@
           </p:sp>
           <p:cxnSp>
             <p:nvCxnSpPr>
-              <p:cNvPr id="3915" name="Straight Connector 3914"/>
+              <p:cNvPr id="1407" name="Straight Connector 1406"/>
               <p:cNvCxnSpPr/>
               <p:nvPr/>
             </p:nvCxnSpPr>
@@ -27080,7 +27080,7 @@
           </p:cxnSp>
           <p:cxnSp>
             <p:nvCxnSpPr>
-              <p:cNvPr id="3916" name="Straight Connector 3915"/>
+              <p:cNvPr id="1408" name="Straight Connector 1407"/>
               <p:cNvCxnSpPr/>
               <p:nvPr/>
             </p:nvCxnSpPr>
@@ -27115,7 +27115,7 @@
           </p:cxnSp>
           <p:sp>
             <p:nvSpPr>
-              <p:cNvPr id="3917" name="Oval 3916"/>
+              <p:cNvPr id="1409" name="Oval 1408"/>
               <p:cNvSpPr/>
               <p:nvPr/>
             </p:nvSpPr>
@@ -27163,7 +27163,7 @@
           </p:sp>
           <p:sp>
             <p:nvSpPr>
-              <p:cNvPr id="3918" name="Oval 3917"/>
+              <p:cNvPr id="1410" name="Oval 1409"/>
               <p:cNvSpPr/>
               <p:nvPr/>
             </p:nvSpPr>
@@ -27211,7 +27211,7 @@
           </p:sp>
           <p:sp>
             <p:nvSpPr>
-              <p:cNvPr id="3919" name="Oval 3918"/>
+              <p:cNvPr id="1411" name="Oval 1410"/>
               <p:cNvSpPr/>
               <p:nvPr/>
             </p:nvSpPr>
@@ -27259,7 +27259,7 @@
           </p:sp>
           <p:sp>
             <p:nvSpPr>
-              <p:cNvPr id="3920" name="Oval 3919"/>
+              <p:cNvPr id="1412" name="Oval 1411"/>
               <p:cNvSpPr/>
               <p:nvPr/>
             </p:nvSpPr>
@@ -27307,7 +27307,7 @@
           </p:sp>
           <p:sp>
             <p:nvSpPr>
-              <p:cNvPr id="3921" name="Oval 3920"/>
+              <p:cNvPr id="1413" name="Oval 1412"/>
               <p:cNvSpPr/>
               <p:nvPr/>
             </p:nvSpPr>
@@ -27355,7 +27355,7 @@
           </p:sp>
           <p:sp>
             <p:nvSpPr>
-              <p:cNvPr id="3922" name="Oval 3921"/>
+              <p:cNvPr id="1414" name="Oval 1413"/>
               <p:cNvSpPr>
                 <a:spLocks noChangeAspect="1"/>
               </p:cNvSpPr>
@@ -27406,7 +27406,7 @@
         </p:grpSp>
         <p:grpSp>
           <p:nvGrpSpPr>
-            <p:cNvPr id="3848" name="Group 3847"/>
+            <p:cNvPr id="1286" name="Group 1285"/>
             <p:cNvGrpSpPr/>
             <p:nvPr/>
           </p:nvGrpSpPr>
@@ -27420,7 +27420,7 @@
           </p:grpSpPr>
           <p:sp>
             <p:nvSpPr>
-              <p:cNvPr id="3891" name="Rectangle 3890"/>
+              <p:cNvPr id="1397" name="Rectangle 1396"/>
               <p:cNvSpPr>
                 <a:spLocks noChangeAspect="1"/>
               </p:cNvSpPr>
@@ -27468,7 +27468,7 @@
           </p:sp>
           <p:cxnSp>
             <p:nvCxnSpPr>
-              <p:cNvPr id="3892" name="Straight Connector 3891"/>
+              <p:cNvPr id="1398" name="Straight Connector 1397"/>
               <p:cNvCxnSpPr/>
               <p:nvPr/>
             </p:nvCxnSpPr>
@@ -27503,7 +27503,7 @@
           </p:cxnSp>
           <p:cxnSp>
             <p:nvCxnSpPr>
-              <p:cNvPr id="3893" name="Straight Connector 3892"/>
+              <p:cNvPr id="1399" name="Straight Connector 1398"/>
               <p:cNvCxnSpPr/>
               <p:nvPr/>
             </p:nvCxnSpPr>
@@ -27538,7 +27538,7 @@
           </p:cxnSp>
           <p:sp>
             <p:nvSpPr>
-              <p:cNvPr id="3894" name="Oval 3893"/>
+              <p:cNvPr id="1400" name="Oval 1399"/>
               <p:cNvSpPr/>
               <p:nvPr/>
             </p:nvSpPr>
@@ -27586,7 +27586,7 @@
           </p:sp>
           <p:sp>
             <p:nvSpPr>
-              <p:cNvPr id="3895" name="Oval 3894"/>
+              <p:cNvPr id="1401" name="Oval 1400"/>
               <p:cNvSpPr/>
               <p:nvPr/>
             </p:nvSpPr>
@@ -27634,7 +27634,7 @@
           </p:sp>
           <p:sp>
             <p:nvSpPr>
-              <p:cNvPr id="3896" name="Oval 3895"/>
+              <p:cNvPr id="1402" name="Oval 1401"/>
               <p:cNvSpPr/>
               <p:nvPr/>
             </p:nvSpPr>
@@ -27682,7 +27682,7 @@
           </p:sp>
           <p:sp>
             <p:nvSpPr>
-              <p:cNvPr id="3897" name="Oval 3896"/>
+              <p:cNvPr id="1403" name="Oval 1402"/>
               <p:cNvSpPr/>
               <p:nvPr/>
             </p:nvSpPr>
@@ -27730,7 +27730,7 @@
           </p:sp>
           <p:sp>
             <p:nvSpPr>
-              <p:cNvPr id="3898" name="Oval 3897"/>
+              <p:cNvPr id="1404" name="Oval 1403"/>
               <p:cNvSpPr/>
               <p:nvPr/>
             </p:nvSpPr>
@@ -27778,7 +27778,7 @@
           </p:sp>
           <p:sp>
             <p:nvSpPr>
-              <p:cNvPr id="3899" name="Oval 3898"/>
+              <p:cNvPr id="1405" name="Oval 1404"/>
               <p:cNvSpPr>
                 <a:spLocks noChangeAspect="1"/>
               </p:cNvSpPr>
@@ -27829,7 +27829,7 @@
         </p:grpSp>
         <p:grpSp>
           <p:nvGrpSpPr>
-            <p:cNvPr id="3850" name="Group 3849"/>
+            <p:cNvPr id="1287" name="Group 1286"/>
             <p:cNvGrpSpPr/>
             <p:nvPr/>
           </p:nvGrpSpPr>
@@ -27843,7 +27843,7 @@
           </p:grpSpPr>
           <p:sp>
             <p:nvSpPr>
-              <p:cNvPr id="3880" name="Rectangle 3879"/>
+              <p:cNvPr id="1388" name="Rectangle 1387"/>
               <p:cNvSpPr>
                 <a:spLocks noChangeAspect="1"/>
               </p:cNvSpPr>
@@ -27891,7 +27891,7 @@
           </p:sp>
           <p:cxnSp>
             <p:nvCxnSpPr>
-              <p:cNvPr id="3881" name="Straight Connector 3880"/>
+              <p:cNvPr id="1389" name="Straight Connector 1388"/>
               <p:cNvCxnSpPr/>
               <p:nvPr/>
             </p:nvCxnSpPr>
@@ -27926,7 +27926,7 @@
           </p:cxnSp>
           <p:cxnSp>
             <p:nvCxnSpPr>
-              <p:cNvPr id="3882" name="Straight Connector 3881"/>
+              <p:cNvPr id="1390" name="Straight Connector 1389"/>
               <p:cNvCxnSpPr/>
               <p:nvPr/>
             </p:nvCxnSpPr>
@@ -27961,7 +27961,7 @@
           </p:cxnSp>
           <p:sp>
             <p:nvSpPr>
-              <p:cNvPr id="3883" name="Oval 3882"/>
+              <p:cNvPr id="1391" name="Oval 1390"/>
               <p:cNvSpPr/>
               <p:nvPr/>
             </p:nvSpPr>
@@ -28009,7 +28009,7 @@
           </p:sp>
           <p:sp>
             <p:nvSpPr>
-              <p:cNvPr id="3884" name="Oval 3883"/>
+              <p:cNvPr id="1392" name="Oval 1391"/>
               <p:cNvSpPr/>
               <p:nvPr/>
             </p:nvSpPr>
@@ -28057,7 +28057,7 @@
           </p:sp>
           <p:sp>
             <p:nvSpPr>
-              <p:cNvPr id="3885" name="Oval 3884"/>
+              <p:cNvPr id="1393" name="Oval 1392"/>
               <p:cNvSpPr/>
               <p:nvPr/>
             </p:nvSpPr>
@@ -28105,7 +28105,7 @@
           </p:sp>
           <p:sp>
             <p:nvSpPr>
-              <p:cNvPr id="3886" name="Oval 3885"/>
+              <p:cNvPr id="1394" name="Oval 1393"/>
               <p:cNvSpPr/>
               <p:nvPr/>
             </p:nvSpPr>
@@ -28153,7 +28153,7 @@
           </p:sp>
           <p:sp>
             <p:nvSpPr>
-              <p:cNvPr id="3887" name="Oval 3886"/>
+              <p:cNvPr id="1395" name="Oval 1394"/>
               <p:cNvSpPr/>
               <p:nvPr/>
             </p:nvSpPr>
@@ -28201,7 +28201,7 @@
           </p:sp>
           <p:sp>
             <p:nvSpPr>
-              <p:cNvPr id="3888" name="Oval 3887"/>
+              <p:cNvPr id="1396" name="Oval 1395"/>
               <p:cNvSpPr>
                 <a:spLocks noChangeAspect="1"/>
               </p:cNvSpPr>
@@ -28252,7 +28252,7 @@
         </p:grpSp>
         <p:grpSp>
           <p:nvGrpSpPr>
-            <p:cNvPr id="3851" name="Group 3850"/>
+            <p:cNvPr id="1288" name="Group 1287"/>
             <p:cNvGrpSpPr/>
             <p:nvPr/>
           </p:nvGrpSpPr>
@@ -28266,7 +28266,7 @@
           </p:grpSpPr>
           <p:sp>
             <p:nvSpPr>
-              <p:cNvPr id="3871" name="Rectangle 3870"/>
+              <p:cNvPr id="1379" name="Rectangle 1378"/>
               <p:cNvSpPr>
                 <a:spLocks noChangeAspect="1"/>
               </p:cNvSpPr>
@@ -28314,7 +28314,7 @@
           </p:sp>
           <p:cxnSp>
             <p:nvCxnSpPr>
-              <p:cNvPr id="3872" name="Straight Connector 3871"/>
+              <p:cNvPr id="1380" name="Straight Connector 1379"/>
               <p:cNvCxnSpPr/>
               <p:nvPr/>
             </p:nvCxnSpPr>
@@ -28349,7 +28349,7 @@
           </p:cxnSp>
           <p:cxnSp>
             <p:nvCxnSpPr>
-              <p:cNvPr id="3873" name="Straight Connector 3872"/>
+              <p:cNvPr id="1381" name="Straight Connector 1380"/>
               <p:cNvCxnSpPr/>
               <p:nvPr/>
             </p:nvCxnSpPr>
@@ -28384,7 +28384,7 @@
           </p:cxnSp>
           <p:sp>
             <p:nvSpPr>
-              <p:cNvPr id="3874" name="Oval 3873"/>
+              <p:cNvPr id="1382" name="Oval 1381"/>
               <p:cNvSpPr/>
               <p:nvPr/>
             </p:nvSpPr>
@@ -28432,7 +28432,7 @@
           </p:sp>
           <p:sp>
             <p:nvSpPr>
-              <p:cNvPr id="3875" name="Oval 3874"/>
+              <p:cNvPr id="1383" name="Oval 1382"/>
               <p:cNvSpPr/>
               <p:nvPr/>
             </p:nvSpPr>
@@ -28480,7 +28480,7 @@
           </p:sp>
           <p:sp>
             <p:nvSpPr>
-              <p:cNvPr id="3876" name="Oval 3875"/>
+              <p:cNvPr id="1384" name="Oval 1383"/>
               <p:cNvSpPr/>
               <p:nvPr/>
             </p:nvSpPr>
@@ -28528,7 +28528,7 @@
           </p:sp>
           <p:sp>
             <p:nvSpPr>
-              <p:cNvPr id="3877" name="Oval 3876"/>
+              <p:cNvPr id="1385" name="Oval 1384"/>
               <p:cNvSpPr/>
               <p:nvPr/>
             </p:nvSpPr>
@@ -28576,7 +28576,7 @@
           </p:sp>
           <p:sp>
             <p:nvSpPr>
-              <p:cNvPr id="3878" name="Oval 3877"/>
+              <p:cNvPr id="1386" name="Oval 1385"/>
               <p:cNvSpPr/>
               <p:nvPr/>
             </p:nvSpPr>
@@ -28624,7 +28624,7 @@
           </p:sp>
           <p:sp>
             <p:nvSpPr>
-              <p:cNvPr id="3879" name="Oval 3878"/>
+              <p:cNvPr id="1387" name="Oval 1386"/>
               <p:cNvSpPr>
                 <a:spLocks noChangeAspect="1"/>
               </p:cNvSpPr>
@@ -28675,7 +28675,7 @@
         </p:grpSp>
         <p:grpSp>
           <p:nvGrpSpPr>
-            <p:cNvPr id="3852" name="Group 3851"/>
+            <p:cNvPr id="1289" name="Group 1288"/>
             <p:cNvGrpSpPr/>
             <p:nvPr/>
           </p:nvGrpSpPr>
@@ -28689,7 +28689,7 @@
           </p:grpSpPr>
           <p:sp>
             <p:nvSpPr>
-              <p:cNvPr id="3862" name="Rectangle 3861"/>
+              <p:cNvPr id="1370" name="Rectangle 1369"/>
               <p:cNvSpPr>
                 <a:spLocks noChangeAspect="1"/>
               </p:cNvSpPr>
@@ -28737,7 +28737,7 @@
           </p:sp>
           <p:cxnSp>
             <p:nvCxnSpPr>
-              <p:cNvPr id="3863" name="Straight Connector 3862"/>
+              <p:cNvPr id="1371" name="Straight Connector 1370"/>
               <p:cNvCxnSpPr/>
               <p:nvPr/>
             </p:nvCxnSpPr>
@@ -28772,7 +28772,7 @@
           </p:cxnSp>
           <p:cxnSp>
             <p:nvCxnSpPr>
-              <p:cNvPr id="3864" name="Straight Connector 3863"/>
+              <p:cNvPr id="1372" name="Straight Connector 1371"/>
               <p:cNvCxnSpPr/>
               <p:nvPr/>
             </p:nvCxnSpPr>
@@ -28807,7 +28807,7 @@
           </p:cxnSp>
           <p:sp>
             <p:nvSpPr>
-              <p:cNvPr id="3865" name="Oval 3864"/>
+              <p:cNvPr id="1373" name="Oval 1372"/>
               <p:cNvSpPr/>
               <p:nvPr/>
             </p:nvSpPr>
@@ -28855,7 +28855,7 @@
           </p:sp>
           <p:sp>
             <p:nvSpPr>
-              <p:cNvPr id="3866" name="Oval 3865"/>
+              <p:cNvPr id="1374" name="Oval 1373"/>
               <p:cNvSpPr/>
               <p:nvPr/>
             </p:nvSpPr>
@@ -28903,7 +28903,7 @@
           </p:sp>
           <p:sp>
             <p:nvSpPr>
-              <p:cNvPr id="3867" name="Oval 3866"/>
+              <p:cNvPr id="1375" name="Oval 1374"/>
               <p:cNvSpPr/>
               <p:nvPr/>
             </p:nvSpPr>
@@ -28951,7 +28951,7 @@
           </p:sp>
           <p:sp>
             <p:nvSpPr>
-              <p:cNvPr id="3868" name="Oval 3867"/>
+              <p:cNvPr id="1376" name="Oval 1375"/>
               <p:cNvSpPr/>
               <p:nvPr/>
             </p:nvSpPr>
@@ -28999,7 +28999,7 @@
           </p:sp>
           <p:sp>
             <p:nvSpPr>
-              <p:cNvPr id="3869" name="Oval 3868"/>
+              <p:cNvPr id="1377" name="Oval 1376"/>
               <p:cNvSpPr/>
               <p:nvPr/>
             </p:nvSpPr>
@@ -29047,7 +29047,7 @@
           </p:sp>
           <p:sp>
             <p:nvSpPr>
-              <p:cNvPr id="3870" name="Oval 3869"/>
+              <p:cNvPr id="1378" name="Oval 1377"/>
               <p:cNvSpPr>
                 <a:spLocks noChangeAspect="1"/>
               </p:cNvSpPr>
@@ -29098,7 +29098,7 @@
         </p:grpSp>
         <p:grpSp>
           <p:nvGrpSpPr>
-            <p:cNvPr id="3788" name="Group 3787"/>
+            <p:cNvPr id="1290" name="Group 1289"/>
             <p:cNvGrpSpPr/>
             <p:nvPr/>
           </p:nvGrpSpPr>
@@ -29112,7 +29112,7 @@
           </p:grpSpPr>
           <p:sp>
             <p:nvSpPr>
-              <p:cNvPr id="3831" name="Rectangle 3830"/>
+              <p:cNvPr id="1361" name="Rectangle 1360"/>
               <p:cNvSpPr>
                 <a:spLocks noChangeAspect="1"/>
               </p:cNvSpPr>
@@ -29160,7 +29160,7 @@
           </p:sp>
           <p:cxnSp>
             <p:nvCxnSpPr>
-              <p:cNvPr id="3832" name="Straight Connector 3831"/>
+              <p:cNvPr id="1362" name="Straight Connector 1361"/>
               <p:cNvCxnSpPr/>
               <p:nvPr/>
             </p:nvCxnSpPr>
@@ -29195,7 +29195,7 @@
           </p:cxnSp>
           <p:cxnSp>
             <p:nvCxnSpPr>
-              <p:cNvPr id="3833" name="Straight Connector 3832"/>
+              <p:cNvPr id="1363" name="Straight Connector 1362"/>
               <p:cNvCxnSpPr/>
               <p:nvPr/>
             </p:nvCxnSpPr>
@@ -29230,7 +29230,7 @@
           </p:cxnSp>
           <p:sp>
             <p:nvSpPr>
-              <p:cNvPr id="3834" name="Oval 3833"/>
+              <p:cNvPr id="1364" name="Oval 1363"/>
               <p:cNvSpPr/>
               <p:nvPr/>
             </p:nvSpPr>
@@ -29278,7 +29278,7 @@
           </p:sp>
           <p:sp>
             <p:nvSpPr>
-              <p:cNvPr id="3835" name="Oval 3834"/>
+              <p:cNvPr id="1365" name="Oval 1364"/>
               <p:cNvSpPr/>
               <p:nvPr/>
             </p:nvSpPr>
@@ -29326,7 +29326,7 @@
           </p:sp>
           <p:sp>
             <p:nvSpPr>
-              <p:cNvPr id="3836" name="Oval 3835"/>
+              <p:cNvPr id="1366" name="Oval 1365"/>
               <p:cNvSpPr/>
               <p:nvPr/>
             </p:nvSpPr>
@@ -29374,7 +29374,7 @@
           </p:sp>
           <p:sp>
             <p:nvSpPr>
-              <p:cNvPr id="3837" name="Oval 3836"/>
+              <p:cNvPr id="1367" name="Oval 1366"/>
               <p:cNvSpPr/>
               <p:nvPr/>
             </p:nvSpPr>
@@ -29422,7 +29422,7 @@
           </p:sp>
           <p:sp>
             <p:nvSpPr>
-              <p:cNvPr id="3838" name="Oval 3837"/>
+              <p:cNvPr id="1368" name="Oval 1367"/>
               <p:cNvSpPr/>
               <p:nvPr/>
             </p:nvSpPr>
@@ -29470,7 +29470,7 @@
           </p:sp>
           <p:sp>
             <p:nvSpPr>
-              <p:cNvPr id="3839" name="Oval 3838"/>
+              <p:cNvPr id="1369" name="Oval 1368"/>
               <p:cNvSpPr>
                 <a:spLocks noChangeAspect="1"/>
               </p:cNvSpPr>
@@ -29521,7 +29521,7 @@
         </p:grpSp>
         <p:grpSp>
           <p:nvGrpSpPr>
-            <p:cNvPr id="3790" name="Group 3789"/>
+            <p:cNvPr id="1291" name="Group 1290"/>
             <p:cNvGrpSpPr/>
             <p:nvPr/>
           </p:nvGrpSpPr>
@@ -29535,7 +29535,7 @@
           </p:grpSpPr>
           <p:sp>
             <p:nvSpPr>
-              <p:cNvPr id="3820" name="Rectangle 3819"/>
+              <p:cNvPr id="1352" name="Rectangle 1351"/>
               <p:cNvSpPr>
                 <a:spLocks noChangeAspect="1"/>
               </p:cNvSpPr>
@@ -29583,7 +29583,7 @@
           </p:sp>
           <p:cxnSp>
             <p:nvCxnSpPr>
-              <p:cNvPr id="3821" name="Straight Connector 3820"/>
+              <p:cNvPr id="1353" name="Straight Connector 1352"/>
               <p:cNvCxnSpPr/>
               <p:nvPr/>
             </p:nvCxnSpPr>
@@ -29618,7 +29618,7 @@
           </p:cxnSp>
           <p:cxnSp>
             <p:nvCxnSpPr>
-              <p:cNvPr id="3822" name="Straight Connector 3821"/>
+              <p:cNvPr id="1354" name="Straight Connector 1353"/>
               <p:cNvCxnSpPr/>
               <p:nvPr/>
             </p:nvCxnSpPr>
@@ -29653,7 +29653,7 @@
           </p:cxnSp>
           <p:sp>
             <p:nvSpPr>
-              <p:cNvPr id="3823" name="Oval 3822"/>
+              <p:cNvPr id="1355" name="Oval 1354"/>
               <p:cNvSpPr/>
               <p:nvPr/>
             </p:nvSpPr>
@@ -29701,7 +29701,7 @@
           </p:sp>
           <p:sp>
             <p:nvSpPr>
-              <p:cNvPr id="3824" name="Oval 3823"/>
+              <p:cNvPr id="1356" name="Oval 1355"/>
               <p:cNvSpPr/>
               <p:nvPr/>
             </p:nvSpPr>
@@ -29749,7 +29749,7 @@
           </p:sp>
           <p:sp>
             <p:nvSpPr>
-              <p:cNvPr id="3825" name="Oval 3824"/>
+              <p:cNvPr id="1357" name="Oval 1356"/>
               <p:cNvSpPr/>
               <p:nvPr/>
             </p:nvSpPr>
@@ -29797,7 +29797,7 @@
           </p:sp>
           <p:sp>
             <p:nvSpPr>
-              <p:cNvPr id="3826" name="Oval 3825"/>
+              <p:cNvPr id="1358" name="Oval 1357"/>
               <p:cNvSpPr/>
               <p:nvPr/>
             </p:nvSpPr>
@@ -29845,7 +29845,7 @@
           </p:sp>
           <p:sp>
             <p:nvSpPr>
-              <p:cNvPr id="3827" name="Oval 3826"/>
+              <p:cNvPr id="1359" name="Oval 1358"/>
               <p:cNvSpPr/>
               <p:nvPr/>
             </p:nvSpPr>
@@ -29893,7 +29893,7 @@
           </p:sp>
           <p:sp>
             <p:nvSpPr>
-              <p:cNvPr id="3828" name="Oval 3827"/>
+              <p:cNvPr id="1360" name="Oval 1359"/>
               <p:cNvSpPr>
                 <a:spLocks noChangeAspect="1"/>
               </p:cNvSpPr>
@@ -29944,7 +29944,7 @@
         </p:grpSp>
         <p:grpSp>
           <p:nvGrpSpPr>
-            <p:cNvPr id="3791" name="Group 3790"/>
+            <p:cNvPr id="1292" name="Group 1291"/>
             <p:cNvGrpSpPr/>
             <p:nvPr/>
           </p:nvGrpSpPr>
@@ -29958,7 +29958,7 @@
           </p:grpSpPr>
           <p:sp>
             <p:nvSpPr>
-              <p:cNvPr id="3811" name="Rectangle 3810"/>
+              <p:cNvPr id="1343" name="Rectangle 1342"/>
               <p:cNvSpPr>
                 <a:spLocks noChangeAspect="1"/>
               </p:cNvSpPr>
@@ -30006,7 +30006,7 @@
           </p:sp>
           <p:cxnSp>
             <p:nvCxnSpPr>
-              <p:cNvPr id="3812" name="Straight Connector 3811"/>
+              <p:cNvPr id="1344" name="Straight Connector 1343"/>
               <p:cNvCxnSpPr/>
               <p:nvPr/>
             </p:nvCxnSpPr>
@@ -30041,7 +30041,7 @@
           </p:cxnSp>
           <p:cxnSp>
             <p:nvCxnSpPr>
-              <p:cNvPr id="3813" name="Straight Connector 3812"/>
+              <p:cNvPr id="1345" name="Straight Connector 1344"/>
               <p:cNvCxnSpPr/>
               <p:nvPr/>
             </p:nvCxnSpPr>
@@ -30076,7 +30076,7 @@
           </p:cxnSp>
           <p:sp>
             <p:nvSpPr>
-              <p:cNvPr id="3814" name="Oval 3813"/>
+              <p:cNvPr id="1346" name="Oval 1345"/>
               <p:cNvSpPr/>
               <p:nvPr/>
             </p:nvSpPr>
@@ -30124,7 +30124,7 @@
           </p:sp>
           <p:sp>
             <p:nvSpPr>
-              <p:cNvPr id="3815" name="Oval 3814"/>
+              <p:cNvPr id="1347" name="Oval 1346"/>
               <p:cNvSpPr/>
               <p:nvPr/>
             </p:nvSpPr>
@@ -30172,7 +30172,7 @@
           </p:sp>
           <p:sp>
             <p:nvSpPr>
-              <p:cNvPr id="3816" name="Oval 3815"/>
+              <p:cNvPr id="1348" name="Oval 1347"/>
               <p:cNvSpPr/>
               <p:nvPr/>
             </p:nvSpPr>
@@ -30220,7 +30220,7 @@
           </p:sp>
           <p:sp>
             <p:nvSpPr>
-              <p:cNvPr id="3817" name="Oval 3816"/>
+              <p:cNvPr id="1349" name="Oval 1348"/>
               <p:cNvSpPr/>
               <p:nvPr/>
             </p:nvSpPr>
@@ -30268,7 +30268,7 @@
           </p:sp>
           <p:sp>
             <p:nvSpPr>
-              <p:cNvPr id="3818" name="Oval 3817"/>
+              <p:cNvPr id="1350" name="Oval 1349"/>
               <p:cNvSpPr/>
               <p:nvPr/>
             </p:nvSpPr>
@@ -30316,7 +30316,7 @@
           </p:sp>
           <p:sp>
             <p:nvSpPr>
-              <p:cNvPr id="3819" name="Oval 3818"/>
+              <p:cNvPr id="1351" name="Oval 1350"/>
               <p:cNvSpPr>
                 <a:spLocks noChangeAspect="1"/>
               </p:cNvSpPr>
@@ -30367,7 +30367,7 @@
         </p:grpSp>
         <p:grpSp>
           <p:nvGrpSpPr>
-            <p:cNvPr id="3792" name="Group 3791"/>
+            <p:cNvPr id="1293" name="Group 1292"/>
             <p:cNvGrpSpPr/>
             <p:nvPr/>
           </p:nvGrpSpPr>
@@ -30381,7 +30381,7 @@
           </p:grpSpPr>
           <p:sp>
             <p:nvSpPr>
-              <p:cNvPr id="3802" name="Rectangle 3801"/>
+              <p:cNvPr id="1334" name="Rectangle 1333"/>
               <p:cNvSpPr>
                 <a:spLocks noChangeAspect="1"/>
               </p:cNvSpPr>
@@ -30429,7 +30429,7 @@
           </p:sp>
           <p:cxnSp>
             <p:nvCxnSpPr>
-              <p:cNvPr id="3803" name="Straight Connector 3802"/>
+              <p:cNvPr id="1335" name="Straight Connector 1334"/>
               <p:cNvCxnSpPr/>
               <p:nvPr/>
             </p:nvCxnSpPr>
@@ -30464,7 +30464,7 @@
           </p:cxnSp>
           <p:cxnSp>
             <p:nvCxnSpPr>
-              <p:cNvPr id="3804" name="Straight Connector 3803"/>
+              <p:cNvPr id="1336" name="Straight Connector 1335"/>
               <p:cNvCxnSpPr/>
               <p:nvPr/>
             </p:nvCxnSpPr>
@@ -30499,7 +30499,7 @@
           </p:cxnSp>
           <p:sp>
             <p:nvSpPr>
-              <p:cNvPr id="3805" name="Oval 3804"/>
+              <p:cNvPr id="1337" name="Oval 1336"/>
               <p:cNvSpPr/>
               <p:nvPr/>
             </p:nvSpPr>
@@ -30547,7 +30547,7 @@
           </p:sp>
           <p:sp>
             <p:nvSpPr>
-              <p:cNvPr id="3806" name="Oval 3805"/>
+              <p:cNvPr id="1338" name="Oval 1337"/>
               <p:cNvSpPr/>
               <p:nvPr/>
             </p:nvSpPr>
@@ -30595,7 +30595,7 @@
           </p:sp>
           <p:sp>
             <p:nvSpPr>
-              <p:cNvPr id="3807" name="Oval 3806"/>
+              <p:cNvPr id="1339" name="Oval 1338"/>
               <p:cNvSpPr/>
               <p:nvPr/>
             </p:nvSpPr>
@@ -30643,7 +30643,7 @@
           </p:sp>
           <p:sp>
             <p:nvSpPr>
-              <p:cNvPr id="3808" name="Oval 3807"/>
+              <p:cNvPr id="1340" name="Oval 1339"/>
               <p:cNvSpPr/>
               <p:nvPr/>
             </p:nvSpPr>
@@ -30691,7 +30691,7 @@
           </p:sp>
           <p:sp>
             <p:nvSpPr>
-              <p:cNvPr id="3809" name="Oval 3808"/>
+              <p:cNvPr id="1341" name="Oval 1340"/>
               <p:cNvSpPr/>
               <p:nvPr/>
             </p:nvSpPr>
@@ -30739,7 +30739,7 @@
           </p:sp>
           <p:sp>
             <p:nvSpPr>
-              <p:cNvPr id="3810" name="Oval 3809"/>
+              <p:cNvPr id="1342" name="Oval 1341"/>
               <p:cNvSpPr>
                 <a:spLocks noChangeAspect="1"/>
               </p:cNvSpPr>
@@ -30790,7 +30790,7 @@
         </p:grpSp>
         <p:grpSp>
           <p:nvGrpSpPr>
-            <p:cNvPr id="357" name="Group 356"/>
+            <p:cNvPr id="1294" name="Group 1293"/>
             <p:cNvGrpSpPr/>
             <p:nvPr/>
           </p:nvGrpSpPr>
@@ -30804,7 +30804,7 @@
           </p:grpSpPr>
           <p:grpSp>
             <p:nvGrpSpPr>
-              <p:cNvPr id="3907" name="Group 3906"/>
+              <p:cNvPr id="1330" name="Group 1329"/>
               <p:cNvGrpSpPr/>
               <p:nvPr/>
             </p:nvGrpSpPr>
@@ -30821,7 +30821,7 @@
             </p:grpSpPr>
             <p:sp>
               <p:nvSpPr>
-                <p:cNvPr id="3908" name="Isosceles Triangle 3907"/>
+                <p:cNvPr id="1332" name="Isosceles Triangle 1331"/>
                 <p:cNvSpPr/>
                 <p:nvPr/>
               </p:nvSpPr>
@@ -30867,7 +30867,7 @@
             </p:sp>
             <p:sp>
               <p:nvSpPr>
-                <p:cNvPr id="3909" name="Oval 3908"/>
+                <p:cNvPr id="1333" name="Oval 1332"/>
                 <p:cNvSpPr/>
                 <p:nvPr/>
               </p:nvSpPr>
@@ -30914,7 +30914,7 @@
           </p:grpSp>
           <p:sp>
             <p:nvSpPr>
-              <p:cNvPr id="4124" name="Isosceles Triangle 4123"/>
+              <p:cNvPr id="1331" name="Isosceles Triangle 1330"/>
               <p:cNvSpPr/>
               <p:nvPr/>
             </p:nvSpPr>
@@ -30961,7 +30961,7 @@
         </p:grpSp>
         <p:grpSp>
           <p:nvGrpSpPr>
-            <p:cNvPr id="4125" name="Group 4124"/>
+            <p:cNvPr id="1295" name="Group 1294"/>
             <p:cNvGrpSpPr/>
             <p:nvPr/>
           </p:nvGrpSpPr>
@@ -30975,7 +30975,7 @@
           </p:grpSpPr>
           <p:grpSp>
             <p:nvGrpSpPr>
-              <p:cNvPr id="4126" name="Group 4125"/>
+              <p:cNvPr id="1326" name="Group 1325"/>
               <p:cNvGrpSpPr/>
               <p:nvPr/>
             </p:nvGrpSpPr>
@@ -30992,7 +30992,7 @@
             </p:grpSpPr>
             <p:sp>
               <p:nvSpPr>
-                <p:cNvPr id="4128" name="Isosceles Triangle 4127"/>
+                <p:cNvPr id="1328" name="Isosceles Triangle 1327"/>
                 <p:cNvSpPr/>
                 <p:nvPr/>
               </p:nvSpPr>
@@ -31038,7 +31038,7 @@
             </p:sp>
             <p:sp>
               <p:nvSpPr>
-                <p:cNvPr id="4129" name="Oval 4128"/>
+                <p:cNvPr id="1329" name="Oval 1328"/>
                 <p:cNvSpPr/>
                 <p:nvPr/>
               </p:nvSpPr>
@@ -31085,7 +31085,7 @@
           </p:grpSp>
           <p:sp>
             <p:nvSpPr>
-              <p:cNvPr id="4127" name="Isosceles Triangle 4126"/>
+              <p:cNvPr id="1327" name="Isosceles Triangle 1326"/>
               <p:cNvSpPr/>
               <p:nvPr/>
             </p:nvSpPr>
@@ -31132,7 +31132,7 @@
         </p:grpSp>
         <p:grpSp>
           <p:nvGrpSpPr>
-            <p:cNvPr id="4130" name="Group 4129"/>
+            <p:cNvPr id="1296" name="Group 1295"/>
             <p:cNvGrpSpPr/>
             <p:nvPr/>
           </p:nvGrpSpPr>
@@ -31146,7 +31146,7 @@
           </p:grpSpPr>
           <p:grpSp>
             <p:nvGrpSpPr>
-              <p:cNvPr id="4131" name="Group 4130"/>
+              <p:cNvPr id="1322" name="Group 1321"/>
               <p:cNvGrpSpPr/>
               <p:nvPr/>
             </p:nvGrpSpPr>
@@ -31163,7 +31163,7 @@
             </p:grpSpPr>
             <p:sp>
               <p:nvSpPr>
-                <p:cNvPr id="4133" name="Isosceles Triangle 4132"/>
+                <p:cNvPr id="1324" name="Isosceles Triangle 1323"/>
                 <p:cNvSpPr/>
                 <p:nvPr/>
               </p:nvSpPr>
@@ -31209,7 +31209,7 @@
             </p:sp>
             <p:sp>
               <p:nvSpPr>
-                <p:cNvPr id="4134" name="Oval 4133"/>
+                <p:cNvPr id="1325" name="Oval 1324"/>
                 <p:cNvSpPr/>
                 <p:nvPr/>
               </p:nvSpPr>
@@ -31256,7 +31256,7 @@
           </p:grpSp>
           <p:sp>
             <p:nvSpPr>
-              <p:cNvPr id="4132" name="Isosceles Triangle 4131"/>
+              <p:cNvPr id="1323" name="Isosceles Triangle 1322"/>
               <p:cNvSpPr/>
               <p:nvPr/>
             </p:nvSpPr>
@@ -31303,7 +31303,7 @@
         </p:grpSp>
         <p:grpSp>
           <p:nvGrpSpPr>
-            <p:cNvPr id="4135" name="Group 4134"/>
+            <p:cNvPr id="1297" name="Group 1296"/>
             <p:cNvGrpSpPr/>
             <p:nvPr/>
           </p:nvGrpSpPr>
@@ -31317,7 +31317,7 @@
           </p:grpSpPr>
           <p:grpSp>
             <p:nvGrpSpPr>
-              <p:cNvPr id="4136" name="Group 4135"/>
+              <p:cNvPr id="1318" name="Group 1317"/>
               <p:cNvGrpSpPr/>
               <p:nvPr/>
             </p:nvGrpSpPr>
@@ -31334,7 +31334,7 @@
             </p:grpSpPr>
             <p:sp>
               <p:nvSpPr>
-                <p:cNvPr id="4138" name="Isosceles Triangle 4137"/>
+                <p:cNvPr id="1320" name="Isosceles Triangle 1319"/>
                 <p:cNvSpPr/>
                 <p:nvPr/>
               </p:nvSpPr>
@@ -31380,7 +31380,7 @@
             </p:sp>
             <p:sp>
               <p:nvSpPr>
-                <p:cNvPr id="4139" name="Oval 4138"/>
+                <p:cNvPr id="1321" name="Oval 1320"/>
                 <p:cNvSpPr/>
                 <p:nvPr/>
               </p:nvSpPr>
@@ -31427,7 +31427,7 @@
           </p:grpSp>
           <p:sp>
             <p:nvSpPr>
-              <p:cNvPr id="4137" name="Isosceles Triangle 4136"/>
+              <p:cNvPr id="1319" name="Isosceles Triangle 1318"/>
               <p:cNvSpPr/>
               <p:nvPr/>
             </p:nvSpPr>
@@ -31474,7 +31474,7 @@
         </p:grpSp>
         <p:grpSp>
           <p:nvGrpSpPr>
-            <p:cNvPr id="4140" name="Group 4139"/>
+            <p:cNvPr id="1298" name="Group 1297"/>
             <p:cNvGrpSpPr/>
             <p:nvPr/>
           </p:nvGrpSpPr>
@@ -31488,7 +31488,7 @@
           </p:grpSpPr>
           <p:grpSp>
             <p:nvGrpSpPr>
-              <p:cNvPr id="4141" name="Group 4140"/>
+              <p:cNvPr id="1314" name="Group 1313"/>
               <p:cNvGrpSpPr/>
               <p:nvPr/>
             </p:nvGrpSpPr>
@@ -31505,7 +31505,7 @@
             </p:grpSpPr>
             <p:sp>
               <p:nvSpPr>
-                <p:cNvPr id="4143" name="Isosceles Triangle 4142"/>
+                <p:cNvPr id="1316" name="Isosceles Triangle 1315"/>
                 <p:cNvSpPr/>
                 <p:nvPr/>
               </p:nvSpPr>
@@ -31551,7 +31551,7 @@
             </p:sp>
             <p:sp>
               <p:nvSpPr>
-                <p:cNvPr id="4144" name="Oval 4143"/>
+                <p:cNvPr id="1317" name="Oval 1316"/>
                 <p:cNvSpPr/>
                 <p:nvPr/>
               </p:nvSpPr>
@@ -31598,7 +31598,7 @@
           </p:grpSp>
           <p:sp>
             <p:nvSpPr>
-              <p:cNvPr id="4142" name="Isosceles Triangle 4141"/>
+              <p:cNvPr id="1315" name="Isosceles Triangle 1314"/>
               <p:cNvSpPr/>
               <p:nvPr/>
             </p:nvSpPr>
@@ -31645,7 +31645,7 @@
         </p:grpSp>
         <p:grpSp>
           <p:nvGrpSpPr>
-            <p:cNvPr id="4145" name="Group 4144"/>
+            <p:cNvPr id="1299" name="Group 1298"/>
             <p:cNvGrpSpPr/>
             <p:nvPr/>
           </p:nvGrpSpPr>
@@ -31659,7 +31659,7 @@
           </p:grpSpPr>
           <p:grpSp>
             <p:nvGrpSpPr>
-              <p:cNvPr id="4146" name="Group 4145"/>
+              <p:cNvPr id="1310" name="Group 1309"/>
               <p:cNvGrpSpPr/>
               <p:nvPr/>
             </p:nvGrpSpPr>
@@ -31676,7 +31676,7 @@
             </p:grpSpPr>
             <p:sp>
               <p:nvSpPr>
-                <p:cNvPr id="4148" name="Isosceles Triangle 4147"/>
+                <p:cNvPr id="1312" name="Isosceles Triangle 1311"/>
                 <p:cNvSpPr/>
                 <p:nvPr/>
               </p:nvSpPr>
@@ -31722,7 +31722,7 @@
             </p:sp>
             <p:sp>
               <p:nvSpPr>
-                <p:cNvPr id="4149" name="Oval 4148"/>
+                <p:cNvPr id="1313" name="Oval 1312"/>
                 <p:cNvSpPr/>
                 <p:nvPr/>
               </p:nvSpPr>
@@ -31769,7 +31769,7 @@
           </p:grpSp>
           <p:sp>
             <p:nvSpPr>
-              <p:cNvPr id="4147" name="Isosceles Triangle 4146"/>
+              <p:cNvPr id="1311" name="Isosceles Triangle 1310"/>
               <p:cNvSpPr/>
               <p:nvPr/>
             </p:nvSpPr>
@@ -31816,7 +31816,7 @@
         </p:grpSp>
         <p:grpSp>
           <p:nvGrpSpPr>
-            <p:cNvPr id="4150" name="Group 4149"/>
+            <p:cNvPr id="1300" name="Group 1299"/>
             <p:cNvGrpSpPr/>
             <p:nvPr/>
           </p:nvGrpSpPr>
@@ -31830,7 +31830,7 @@
           </p:grpSpPr>
           <p:grpSp>
             <p:nvGrpSpPr>
-              <p:cNvPr id="4151" name="Group 4150"/>
+              <p:cNvPr id="1306" name="Group 1305"/>
               <p:cNvGrpSpPr/>
               <p:nvPr/>
             </p:nvGrpSpPr>
@@ -31847,7 +31847,7 @@
             </p:grpSpPr>
             <p:sp>
               <p:nvSpPr>
-                <p:cNvPr id="4153" name="Isosceles Triangle 4152"/>
+                <p:cNvPr id="1308" name="Isosceles Triangle 1307"/>
                 <p:cNvSpPr/>
                 <p:nvPr/>
               </p:nvSpPr>
@@ -31893,7 +31893,7 @@
             </p:sp>
             <p:sp>
               <p:nvSpPr>
-                <p:cNvPr id="4154" name="Oval 4153"/>
+                <p:cNvPr id="1309" name="Oval 1308"/>
                 <p:cNvSpPr/>
                 <p:nvPr/>
               </p:nvSpPr>
@@ -31940,7 +31940,7 @@
           </p:grpSp>
           <p:sp>
             <p:nvSpPr>
-              <p:cNvPr id="4152" name="Isosceles Triangle 4151"/>
+              <p:cNvPr id="1307" name="Isosceles Triangle 1306"/>
               <p:cNvSpPr/>
               <p:nvPr/>
             </p:nvSpPr>
@@ -31987,7 +31987,7 @@
         </p:grpSp>
         <p:grpSp>
           <p:nvGrpSpPr>
-            <p:cNvPr id="4155" name="Group 4154"/>
+            <p:cNvPr id="1301" name="Group 1300"/>
             <p:cNvGrpSpPr/>
             <p:nvPr/>
           </p:nvGrpSpPr>
@@ -32001,7 +32001,7 @@
           </p:grpSpPr>
           <p:grpSp>
             <p:nvGrpSpPr>
-              <p:cNvPr id="4156" name="Group 4155"/>
+              <p:cNvPr id="1302" name="Group 1301"/>
               <p:cNvGrpSpPr/>
               <p:nvPr/>
             </p:nvGrpSpPr>
@@ -32018,7 +32018,7 @@
             </p:grpSpPr>
             <p:sp>
               <p:nvSpPr>
-                <p:cNvPr id="4158" name="Isosceles Triangle 4157"/>
+                <p:cNvPr id="1304" name="Isosceles Triangle 1303"/>
                 <p:cNvSpPr/>
                 <p:nvPr/>
               </p:nvSpPr>
@@ -32064,7 +32064,7 @@
             </p:sp>
             <p:sp>
               <p:nvSpPr>
-                <p:cNvPr id="4159" name="Oval 4158"/>
+                <p:cNvPr id="1305" name="Oval 1304"/>
                 <p:cNvSpPr/>
                 <p:nvPr/>
               </p:nvSpPr>
@@ -32111,7 +32111,7 @@
           </p:grpSp>
           <p:sp>
             <p:nvSpPr>
-              <p:cNvPr id="4157" name="Isosceles Triangle 4156"/>
+              <p:cNvPr id="1303" name="Isosceles Triangle 1302"/>
               <p:cNvSpPr/>
               <p:nvPr/>
             </p:nvSpPr>
@@ -32159,14 +32159,14 @@
       </p:grpSp>
       <p:sp>
         <p:nvSpPr>
-          <p:cNvPr id="4160" name="TextBox 4159"/>
+          <p:cNvPr id="1442" name="TextBox 1441"/>
           <p:cNvSpPr txBox="1"/>
           <p:nvPr/>
         </p:nvSpPr>
         <p:spPr>
           <a:xfrm>
-            <a:off x="6039941" y="4248671"/>
-            <a:ext cx="1210304" cy="646331"/>
+            <a:off x="6170082" y="4398799"/>
+            <a:ext cx="1427891" cy="769441"/>
           </a:xfrm>
           <a:prstGeom prst="rect">
             <a:avLst/>
@@ -32180,42 +32180,38 @@
           <a:lstStyle/>
           <a:p>
             <a:r>
-              <a:rPr lang="en-GB" dirty="0" smtClean="0"/>
+              <a:rPr lang="en-GB" sz="2200" dirty="0" smtClean="0"/>
               <a:t>H</a:t>
             </a:r>
             <a:r>
-              <a:rPr lang="en-GB" baseline="-25000" dirty="0" smtClean="0"/>
+              <a:rPr lang="en-GB" sz="2200" baseline="-25000" dirty="0" smtClean="0"/>
               <a:t>3</a:t>
             </a:r>
             <a:r>
-              <a:rPr lang="en-GB" dirty="0" smtClean="0"/>
-              <a:t>N</a:t>
+              <a:rPr lang="en-GB" sz="2200" dirty="0" smtClean="0"/>
+              <a:t>NRNH</a:t>
             </a:r>
             <a:r>
-              <a:rPr lang="en-GB" dirty="0" smtClean="0"/>
-              <a:t>RNH</a:t>
-            </a:r>
-            <a:r>
-              <a:rPr lang="en-GB" baseline="-25000" dirty="0" smtClean="0"/>
+              <a:rPr lang="en-GB" sz="2200" baseline="-25000" dirty="0" smtClean="0"/>
               <a:t>3</a:t>
             </a:r>
             <a:r>
-              <a:rPr lang="en-GB" dirty="0" smtClean="0"/>
+              <a:rPr lang="en-GB" sz="2200" dirty="0" smtClean="0"/>
               <a:t> molecules</a:t>
             </a:r>
-            <a:endParaRPr lang="en-GB" dirty="0"/>
+            <a:endParaRPr lang="en-GB" sz="2200" dirty="0"/>
           </a:p>
         </p:txBody>
       </p:sp>
       <p:cxnSp>
         <p:nvCxnSpPr>
-          <p:cNvPr id="4161" name="Straight Arrow Connector 4160"/>
+          <p:cNvPr id="1443" name="Straight Arrow Connector 1442"/>
           <p:cNvCxnSpPr/>
           <p:nvPr/>
         </p:nvCxnSpPr>
         <p:spPr>
           <a:xfrm flipH="1" flipV="1">
-            <a:off x="7028489" y="4807220"/>
+            <a:off x="7376217" y="4807220"/>
             <a:ext cx="234423" cy="72638"/>
           </a:xfrm>
           <a:prstGeom prst="straightConnector1">
@@ -32246,13 +32242,13 @@
       </p:cxnSp>
       <p:sp>
         <p:nvSpPr>
-          <p:cNvPr id="4162" name="Isosceles Triangle 4161"/>
+          <p:cNvPr id="1444" name="Isosceles Triangle 1443"/>
           <p:cNvSpPr/>
           <p:nvPr/>
         </p:nvSpPr>
         <p:spPr>
           <a:xfrm>
-            <a:off x="4303380" y="3226736"/>
+            <a:off x="4480804" y="3226736"/>
             <a:ext cx="101509" cy="103842"/>
           </a:xfrm>
           <a:prstGeom prst="triangle">
@@ -32294,13 +32290,13 @@
       </p:sp>
       <p:sp>
         <p:nvSpPr>
-          <p:cNvPr id="4163" name="Isosceles Triangle 4162"/>
+          <p:cNvPr id="1445" name="Isosceles Triangle 1444"/>
           <p:cNvSpPr/>
           <p:nvPr/>
         </p:nvSpPr>
         <p:spPr>
           <a:xfrm>
-            <a:off x="4865353" y="3226736"/>
+            <a:off x="5042777" y="3226736"/>
             <a:ext cx="101509" cy="103842"/>
           </a:xfrm>
           <a:prstGeom prst="triangle">
@@ -32342,13 +32338,13 @@
       </p:sp>
       <p:sp>
         <p:nvSpPr>
-          <p:cNvPr id="4164" name="Isosceles Triangle 4163"/>
+          <p:cNvPr id="1446" name="Isosceles Triangle 1445"/>
           <p:cNvSpPr/>
           <p:nvPr/>
         </p:nvSpPr>
         <p:spPr>
           <a:xfrm>
-            <a:off x="5427375" y="3226736"/>
+            <a:off x="5604799" y="3226736"/>
             <a:ext cx="101509" cy="103842"/>
           </a:xfrm>
           <a:prstGeom prst="triangle">
@@ -32390,13 +32386,13 @@
       </p:sp>
       <p:sp>
         <p:nvSpPr>
-          <p:cNvPr id="4165" name="Isosceles Triangle 4164"/>
+          <p:cNvPr id="1447" name="Isosceles Triangle 1446"/>
           <p:cNvSpPr/>
           <p:nvPr/>
         </p:nvSpPr>
         <p:spPr>
           <a:xfrm>
-            <a:off x="4236772" y="5093340"/>
+            <a:off x="4414196" y="5093340"/>
             <a:ext cx="101509" cy="103842"/>
           </a:xfrm>
           <a:prstGeom prst="triangle">
@@ -32438,13 +32434,13 @@
       </p:sp>
       <p:sp>
         <p:nvSpPr>
-          <p:cNvPr id="4166" name="Isosceles Triangle 4165"/>
+          <p:cNvPr id="1448" name="Isosceles Triangle 1447"/>
           <p:cNvSpPr/>
           <p:nvPr/>
         </p:nvSpPr>
         <p:spPr>
           <a:xfrm>
-            <a:off x="4789021" y="5093340"/>
+            <a:off x="4966445" y="5093340"/>
             <a:ext cx="101509" cy="103842"/>
           </a:xfrm>
           <a:prstGeom prst="triangle">
@@ -32486,13 +32482,13 @@
       </p:sp>
       <p:sp>
         <p:nvSpPr>
-          <p:cNvPr id="4167" name="Isosceles Triangle 4166"/>
+          <p:cNvPr id="1449" name="Isosceles Triangle 1448"/>
           <p:cNvSpPr/>
           <p:nvPr/>
         </p:nvSpPr>
         <p:spPr>
           <a:xfrm>
-            <a:off x="5352497" y="5084861"/>
+            <a:off x="5529921" y="5084861"/>
             <a:ext cx="101509" cy="103842"/>
           </a:xfrm>
           <a:prstGeom prst="triangle">
@@ -32532,6 +32528,272 @@
           </a:p>
         </p:txBody>
       </p:sp>
+      <p:cxnSp>
+        <p:nvCxnSpPr>
+          <p:cNvPr id="1450" name="Straight Arrow Connector 1449"/>
+          <p:cNvCxnSpPr/>
+          <p:nvPr/>
+        </p:nvCxnSpPr>
+        <p:spPr>
+          <a:xfrm flipV="1">
+            <a:off x="9041581" y="2145581"/>
+            <a:ext cx="0" cy="392340"/>
+          </a:xfrm>
+          <a:prstGeom prst="straightConnector1">
+            <a:avLst/>
+          </a:prstGeom>
+          <a:ln>
+            <a:solidFill>
+              <a:schemeClr val="tx1"/>
+            </a:solidFill>
+            <a:tailEnd type="arrow" w="sm" len="sm"/>
+          </a:ln>
+        </p:spPr>
+        <p:style>
+          <a:lnRef idx="1">
+            <a:schemeClr val="accent1"/>
+          </a:lnRef>
+          <a:fillRef idx="0">
+            <a:schemeClr val="accent1"/>
+          </a:fillRef>
+          <a:effectRef idx="0">
+            <a:schemeClr val="accent1"/>
+          </a:effectRef>
+          <a:fontRef idx="minor">
+            <a:schemeClr val="tx1"/>
+          </a:fontRef>
+        </p:style>
+      </p:cxnSp>
+      <p:cxnSp>
+        <p:nvCxnSpPr>
+          <p:cNvPr id="1451" name="Straight Arrow Connector 1450"/>
+          <p:cNvCxnSpPr/>
+          <p:nvPr/>
+        </p:nvCxnSpPr>
+        <p:spPr>
+          <a:xfrm rot="5400000" flipV="1">
+            <a:off x="9238570" y="2341751"/>
+            <a:ext cx="0" cy="392340"/>
+          </a:xfrm>
+          <a:prstGeom prst="straightConnector1">
+            <a:avLst/>
+          </a:prstGeom>
+          <a:ln>
+            <a:solidFill>
+              <a:schemeClr val="tx1"/>
+            </a:solidFill>
+            <a:tailEnd type="arrow" w="sm" len="sm"/>
+          </a:ln>
+        </p:spPr>
+        <p:style>
+          <a:lnRef idx="1">
+            <a:schemeClr val="accent1"/>
+          </a:lnRef>
+          <a:fillRef idx="0">
+            <a:schemeClr val="accent1"/>
+          </a:fillRef>
+          <a:effectRef idx="0">
+            <a:schemeClr val="accent1"/>
+          </a:effectRef>
+          <a:fontRef idx="minor">
+            <a:schemeClr val="tx1"/>
+          </a:fontRef>
+        </p:style>
+      </p:cxnSp>
+      <mc:AlternateContent xmlns:mc="http://schemas.openxmlformats.org/markup-compatibility/2006">
+        <mc:Choice xmlns:a14="http://schemas.microsoft.com/office/drawing/2010/main" Requires="a14">
+          <p:sp>
+            <p:nvSpPr>
+              <p:cNvPr id="4" name="TextBox 3"/>
+              <p:cNvSpPr txBox="1"/>
+              <p:nvPr/>
+            </p:nvSpPr>
+            <p:spPr>
+              <a:xfrm>
+                <a:off x="8757516" y="1951255"/>
+                <a:ext cx="337023" cy="369332"/>
+              </a:xfrm>
+              <a:prstGeom prst="rect">
+                <a:avLst/>
+              </a:prstGeom>
+              <a:noFill/>
+            </p:spPr>
+            <p:txBody>
+              <a:bodyPr wrap="square" rtlCol="0">
+                <a:spAutoFit/>
+              </a:bodyPr>
+              <a:lstStyle/>
+              <a:p>
+                <a14:m>
+                  <m:oMathPara xmlns:m="http://schemas.openxmlformats.org/officeDocument/2006/math">
+                    <m:oMathParaPr>
+                      <m:jc m:val="centerGroup"/>
+                    </m:oMathParaPr>
+                    <m:oMath xmlns:m="http://schemas.openxmlformats.org/officeDocument/2006/math">
+                      <m:acc>
+                        <m:accPr>
+                          <m:chr m:val="⃗"/>
+                          <m:ctrlPr>
+                            <a:rPr lang="en-GB" i="1" smtClean="0">
+                              <a:latin typeface="+mj-lt"/>
+                            </a:rPr>
+                          </m:ctrlPr>
+                        </m:accPr>
+                        <m:e>
+                          <m:r>
+                            <m:rPr>
+                              <m:nor/>
+                            </m:rPr>
+                            <a:rPr lang="en-GB" b="0" i="0" smtClean="0">
+                              <a:latin typeface="+mj-lt"/>
+                            </a:rPr>
+                            <m:t>c</m:t>
+                          </m:r>
+                        </m:e>
+                      </m:acc>
+                    </m:oMath>
+                  </m:oMathPara>
+                </a14:m>
+                <a:endParaRPr lang="en-GB" dirty="0">
+                  <a:latin typeface="+mj-lt"/>
+                </a:endParaRPr>
+              </a:p>
+            </p:txBody>
+          </p:sp>
+        </mc:Choice>
+        <mc:Fallback>
+          <p:sp>
+            <p:nvSpPr>
+              <p:cNvPr id="4" name="TextBox 3"/>
+              <p:cNvSpPr txBox="1">
+                <a:spLocks noRot="1" noChangeAspect="1" noMove="1" noResize="1" noEditPoints="1" noAdjustHandles="1" noChangeArrowheads="1" noChangeShapeType="1" noTextEdit="1"/>
+              </p:cNvSpPr>
+              <p:nvPr/>
+            </p:nvSpPr>
+            <p:spPr>
+              <a:xfrm>
+                <a:off x="8757516" y="1951255"/>
+                <a:ext cx="337023" cy="369332"/>
+              </a:xfrm>
+              <a:prstGeom prst="rect">
+                <a:avLst/>
+              </a:prstGeom>
+              <a:blipFill rotWithShape="1">
+                <a:blip r:embed="rId3"/>
+                <a:stretch>
+                  <a:fillRect t="-21311" r="-21818"/>
+                </a:stretch>
+              </a:blipFill>
+            </p:spPr>
+            <p:txBody>
+              <a:bodyPr/>
+              <a:lstStyle/>
+              <a:p>
+                <a:r>
+                  <a:rPr lang="en-GB">
+                    <a:noFill/>
+                  </a:rPr>
+                  <a:t> </a:t>
+                </a:r>
+              </a:p>
+            </p:txBody>
+          </p:sp>
+        </mc:Fallback>
+      </mc:AlternateContent>
+      <mc:AlternateContent xmlns:mc="http://schemas.openxmlformats.org/markup-compatibility/2006">
+        <mc:Choice xmlns:a14="http://schemas.microsoft.com/office/drawing/2010/main" Requires="a14">
+          <p:sp>
+            <p:nvSpPr>
+              <p:cNvPr id="1453" name="TextBox 1452"/>
+              <p:cNvSpPr txBox="1"/>
+              <p:nvPr/>
+            </p:nvSpPr>
+            <p:spPr>
+              <a:xfrm>
+                <a:off x="9358188" y="2327697"/>
+                <a:ext cx="337023" cy="369332"/>
+              </a:xfrm>
+              <a:prstGeom prst="rect">
+                <a:avLst/>
+              </a:prstGeom>
+              <a:noFill/>
+            </p:spPr>
+            <p:txBody>
+              <a:bodyPr wrap="square" rtlCol="0">
+                <a:spAutoFit/>
+              </a:bodyPr>
+              <a:lstStyle/>
+              <a:p>
+                <a14:m>
+                  <m:oMathPara xmlns:m="http://schemas.openxmlformats.org/officeDocument/2006/math">
+                    <m:oMathParaPr>
+                      <m:jc m:val="centerGroup"/>
+                    </m:oMathParaPr>
+                    <m:oMath xmlns:m="http://schemas.openxmlformats.org/officeDocument/2006/math">
+                      <m:acc>
+                        <m:accPr>
+                          <m:chr m:val="⃗"/>
+                          <m:ctrlPr>
+                            <a:rPr lang="en-GB" i="1" smtClean="0"/>
+                          </m:ctrlPr>
+                        </m:accPr>
+                        <m:e>
+                          <m:r>
+                            <m:rPr>
+                              <m:nor/>
+                            </m:rPr>
+                            <a:rPr lang="en-GB" b="0" i="0" smtClean="0"/>
+                            <m:t>a</m:t>
+                          </m:r>
+                        </m:e>
+                      </m:acc>
+                    </m:oMath>
+                  </m:oMathPara>
+                </a14:m>
+                <a:endParaRPr lang="en-GB" dirty="0"/>
+              </a:p>
+            </p:txBody>
+          </p:sp>
+        </mc:Choice>
+        <mc:Fallback>
+          <p:sp>
+            <p:nvSpPr>
+              <p:cNvPr id="1453" name="TextBox 1452"/>
+              <p:cNvSpPr txBox="1">
+                <a:spLocks noRot="1" noChangeAspect="1" noMove="1" noResize="1" noEditPoints="1" noAdjustHandles="1" noChangeArrowheads="1" noChangeShapeType="1" noTextEdit="1"/>
+              </p:cNvSpPr>
+              <p:nvPr/>
+            </p:nvSpPr>
+            <p:spPr>
+              <a:xfrm>
+                <a:off x="9358188" y="2327697"/>
+                <a:ext cx="337023" cy="369332"/>
+              </a:xfrm>
+              <a:prstGeom prst="rect">
+                <a:avLst/>
+              </a:prstGeom>
+              <a:blipFill rotWithShape="1">
+                <a:blip r:embed="rId4"/>
+                <a:stretch>
+                  <a:fillRect/>
+                </a:stretch>
+              </a:blipFill>
+            </p:spPr>
+            <p:txBody>
+              <a:bodyPr/>
+              <a:lstStyle/>
+              <a:p>
+                <a:r>
+                  <a:rPr lang="en-GB">
+                    <a:noFill/>
+                  </a:rPr>
+                  <a:t> </a:t>
+                </a:r>
+              </a:p>
+            </p:txBody>
+          </p:sp>
+        </mc:Fallback>
+      </mc:AlternateContent>
     </p:spTree>
     <p:extLst>
       <p:ext uri="{BB962C8B-B14F-4D97-AF65-F5344CB8AC3E}">
